--- a/docs/Web portal.pptx
+++ b/docs/Web portal.pptx
@@ -5,7 +5,7 @@
     <p:sldMasterId id="2147483648" r:id="rId1"/>
   </p:sldMasterIdLst>
   <p:notesMasterIdLst>
-    <p:notesMasterId r:id="rId11"/>
+    <p:notesMasterId r:id="rId13"/>
   </p:notesMasterIdLst>
   <p:sldIdLst>
     <p:sldId id="256" r:id="rId2"/>
@@ -17,6 +17,8 @@
     <p:sldId id="268" r:id="rId8"/>
     <p:sldId id="269" r:id="rId9"/>
     <p:sldId id="270" r:id="rId10"/>
+    <p:sldId id="273" r:id="rId11"/>
+    <p:sldId id="272" r:id="rId12"/>
   </p:sldIdLst>
   <p:sldSz cx="12192000" cy="6858000"/>
   <p:notesSz cx="6858000" cy="9144000"/>
@@ -205,7 +207,7 @@
           <a:p>
             <a:fld id="{577E70E5-F9A2-4353-BB56-7C6C16CEBAC2}" type="datetimeFigureOut">
               <a:rPr lang="en-US" smtClean="0"/>
-              <a:t>8/30/2018</a:t>
+              <a:t>9/6/2018</a:t>
             </a:fld>
             <a:endParaRPr lang="en-US"/>
           </a:p>
@@ -547,11 +549,7 @@
           <a:p>
             <a:r>
               <a:rPr lang="en-US" baseline="0" dirty="0" smtClean="0"/>
-              <a:t>How do you expect the longevity of the web-portal</a:t>
-            </a:r>
-            <a:r>
-              <a:rPr lang="en-US" baseline="0" dirty="0" smtClean="0"/>
-              <a:t>?</a:t>
+              <a:t>How do you expect the longevity of the web-portal?</a:t>
             </a:r>
           </a:p>
           <a:p>
@@ -559,7 +557,6 @@
               <a:rPr lang="en-US" baseline="0" dirty="0" smtClean="0"/>
               <a:t>Computing scale</a:t>
             </a:r>
-            <a:endParaRPr lang="en-US" baseline="0" dirty="0" smtClean="0"/>
           </a:p>
           <a:p>
             <a:r>
@@ -1241,7 +1238,7 @@
           <a:p>
             <a:fld id="{411E36CB-AE7C-4D81-8BA1-98AEF09D6E79}" type="datetimeFigureOut">
               <a:rPr lang="en-US" smtClean="0"/>
-              <a:t>8/30/2018</a:t>
+              <a:t>9/6/2018</a:t>
             </a:fld>
             <a:endParaRPr lang="en-US"/>
           </a:p>
@@ -1411,7 +1408,7 @@
           <a:p>
             <a:fld id="{411E36CB-AE7C-4D81-8BA1-98AEF09D6E79}" type="datetimeFigureOut">
               <a:rPr lang="en-US" smtClean="0"/>
-              <a:t>8/30/2018</a:t>
+              <a:t>9/6/2018</a:t>
             </a:fld>
             <a:endParaRPr lang="en-US"/>
           </a:p>
@@ -1591,7 +1588,7 @@
           <a:p>
             <a:fld id="{411E36CB-AE7C-4D81-8BA1-98AEF09D6E79}" type="datetimeFigureOut">
               <a:rPr lang="en-US" smtClean="0"/>
-              <a:t>8/30/2018</a:t>
+              <a:t>9/6/2018</a:t>
             </a:fld>
             <a:endParaRPr lang="en-US"/>
           </a:p>
@@ -1761,7 +1758,7 @@
           <a:p>
             <a:fld id="{411E36CB-AE7C-4D81-8BA1-98AEF09D6E79}" type="datetimeFigureOut">
               <a:rPr lang="en-US" smtClean="0"/>
-              <a:t>8/30/2018</a:t>
+              <a:t>9/6/2018</a:t>
             </a:fld>
             <a:endParaRPr lang="en-US"/>
           </a:p>
@@ -2007,7 +2004,7 @@
           <a:p>
             <a:fld id="{411E36CB-AE7C-4D81-8BA1-98AEF09D6E79}" type="datetimeFigureOut">
               <a:rPr lang="en-US" smtClean="0"/>
-              <a:t>8/30/2018</a:t>
+              <a:t>9/6/2018</a:t>
             </a:fld>
             <a:endParaRPr lang="en-US"/>
           </a:p>
@@ -2239,7 +2236,7 @@
           <a:p>
             <a:fld id="{411E36CB-AE7C-4D81-8BA1-98AEF09D6E79}" type="datetimeFigureOut">
               <a:rPr lang="en-US" smtClean="0"/>
-              <a:t>8/30/2018</a:t>
+              <a:t>9/6/2018</a:t>
             </a:fld>
             <a:endParaRPr lang="en-US"/>
           </a:p>
@@ -2606,7 +2603,7 @@
           <a:p>
             <a:fld id="{411E36CB-AE7C-4D81-8BA1-98AEF09D6E79}" type="datetimeFigureOut">
               <a:rPr lang="en-US" smtClean="0"/>
-              <a:t>8/30/2018</a:t>
+              <a:t>9/6/2018</a:t>
             </a:fld>
             <a:endParaRPr lang="en-US"/>
           </a:p>
@@ -2724,7 +2721,7 @@
           <a:p>
             <a:fld id="{411E36CB-AE7C-4D81-8BA1-98AEF09D6E79}" type="datetimeFigureOut">
               <a:rPr lang="en-US" smtClean="0"/>
-              <a:t>8/30/2018</a:t>
+              <a:t>9/6/2018</a:t>
             </a:fld>
             <a:endParaRPr lang="en-US"/>
           </a:p>
@@ -2819,7 +2816,7 @@
           <a:p>
             <a:fld id="{411E36CB-AE7C-4D81-8BA1-98AEF09D6E79}" type="datetimeFigureOut">
               <a:rPr lang="en-US" smtClean="0"/>
-              <a:t>8/30/2018</a:t>
+              <a:t>9/6/2018</a:t>
             </a:fld>
             <a:endParaRPr lang="en-US"/>
           </a:p>
@@ -3096,7 +3093,7 @@
           <a:p>
             <a:fld id="{411E36CB-AE7C-4D81-8BA1-98AEF09D6E79}" type="datetimeFigureOut">
               <a:rPr lang="en-US" smtClean="0"/>
-              <a:t>8/30/2018</a:t>
+              <a:t>9/6/2018</a:t>
             </a:fld>
             <a:endParaRPr lang="en-US"/>
           </a:p>
@@ -3349,7 +3346,7 @@
           <a:p>
             <a:fld id="{411E36CB-AE7C-4D81-8BA1-98AEF09D6E79}" type="datetimeFigureOut">
               <a:rPr lang="en-US" smtClean="0"/>
-              <a:t>8/30/2018</a:t>
+              <a:t>9/6/2018</a:t>
             </a:fld>
             <a:endParaRPr lang="en-US"/>
           </a:p>
@@ -3562,7 +3559,7 @@
           <a:p>
             <a:fld id="{411E36CB-AE7C-4D81-8BA1-98AEF09D6E79}" type="datetimeFigureOut">
               <a:rPr lang="en-US" smtClean="0"/>
-              <a:t>8/30/2018</a:t>
+              <a:t>9/6/2018</a:t>
             </a:fld>
             <a:endParaRPr lang="en-US"/>
           </a:p>
@@ -4063,6 +4060,242 @@
       </p:par>
     </p:tnLst>
   </p:timing>
+</p:sld>
+</file>
+
+<file path=ppt/slides/slide10.xml><?xml version="1.0" encoding="utf-8"?>
+<p:sld xmlns:a="http://schemas.openxmlformats.org/drawingml/2006/main" xmlns:r="http://schemas.openxmlformats.org/officeDocument/2006/relationships" xmlns:p="http://schemas.openxmlformats.org/presentationml/2006/main">
+  <p:cSld>
+    <p:spTree>
+      <p:nvGrpSpPr>
+        <p:cNvPr id="1" name=""/>
+        <p:cNvGrpSpPr/>
+        <p:nvPr/>
+      </p:nvGrpSpPr>
+      <p:grpSpPr>
+        <a:xfrm>
+          <a:off x="0" y="0"/>
+          <a:ext cx="0" cy="0"/>
+          <a:chOff x="0" y="0"/>
+          <a:chExt cx="0" cy="0"/>
+        </a:xfrm>
+      </p:grpSpPr>
+      <p:sp>
+        <p:nvSpPr>
+          <p:cNvPr id="2" name="Title 1"/>
+          <p:cNvSpPr>
+            <a:spLocks noGrp="1"/>
+          </p:cNvSpPr>
+          <p:nvPr>
+            <p:ph type="title"/>
+          </p:nvPr>
+        </p:nvSpPr>
+        <p:spPr/>
+        <p:txBody>
+          <a:bodyPr/>
+          <a:lstStyle/>
+          <a:p>
+            <a:r>
+              <a:rPr lang="en-US" dirty="0" smtClean="0"/>
+              <a:t>web hosting services</a:t>
+            </a:r>
+            <a:endParaRPr lang="en-US" dirty="0"/>
+          </a:p>
+        </p:txBody>
+      </p:sp>
+      <p:sp>
+        <p:nvSpPr>
+          <p:cNvPr id="3" name="Content Placeholder 2"/>
+          <p:cNvSpPr>
+            <a:spLocks noGrp="1"/>
+          </p:cNvSpPr>
+          <p:nvPr>
+            <p:ph idx="1"/>
+          </p:nvPr>
+        </p:nvSpPr>
+        <p:spPr/>
+        <p:txBody>
+          <a:bodyPr/>
+          <a:lstStyle/>
+          <a:p>
+            <a:pPr lvl="0"/>
+            <a:r>
+              <a:rPr lang="en-US" dirty="0"/>
+              <a:t>What cloud services?</a:t>
+            </a:r>
+          </a:p>
+          <a:p>
+            <a:pPr lvl="0"/>
+            <a:r>
+              <a:rPr lang="en-US" dirty="0"/>
+              <a:t>Other options for website hosting?</a:t>
+            </a:r>
+          </a:p>
+          <a:p>
+            <a:pPr lvl="0"/>
+            <a:r>
+              <a:rPr lang="en-US" dirty="0"/>
+              <a:t>A later step? I can develop the website on my own machine then upload to a server</a:t>
+            </a:r>
+            <a:r>
+              <a:rPr lang="en-US" dirty="0" smtClean="0"/>
+              <a:t>?</a:t>
+            </a:r>
+            <a:endParaRPr lang="en-US" dirty="0"/>
+          </a:p>
+        </p:txBody>
+      </p:sp>
+    </p:spTree>
+    <p:extLst>
+      <p:ext uri="{BB962C8B-B14F-4D97-AF65-F5344CB8AC3E}">
+        <p14:creationId xmlns:p14="http://schemas.microsoft.com/office/powerpoint/2010/main" val="232391004"/>
+      </p:ext>
+    </p:extLst>
+  </p:cSld>
+  <p:clrMapOvr>
+    <a:masterClrMapping/>
+  </p:clrMapOvr>
+</p:sld>
+</file>
+
+<file path=ppt/slides/slide11.xml><?xml version="1.0" encoding="utf-8"?>
+<p:sld xmlns:a="http://schemas.openxmlformats.org/drawingml/2006/main" xmlns:r="http://schemas.openxmlformats.org/officeDocument/2006/relationships" xmlns:p="http://schemas.openxmlformats.org/presentationml/2006/main">
+  <p:cSld>
+    <p:spTree>
+      <p:nvGrpSpPr>
+        <p:cNvPr id="1" name=""/>
+        <p:cNvGrpSpPr/>
+        <p:nvPr/>
+      </p:nvGrpSpPr>
+      <p:grpSpPr>
+        <a:xfrm>
+          <a:off x="0" y="0"/>
+          <a:ext cx="0" cy="0"/>
+          <a:chOff x="0" y="0"/>
+          <a:chExt cx="0" cy="0"/>
+        </a:xfrm>
+      </p:grpSpPr>
+      <p:sp>
+        <p:nvSpPr>
+          <p:cNvPr id="2" name="Title 1"/>
+          <p:cNvSpPr>
+            <a:spLocks noGrp="1"/>
+          </p:cNvSpPr>
+          <p:nvPr>
+            <p:ph type="title"/>
+          </p:nvPr>
+        </p:nvSpPr>
+        <p:spPr/>
+        <p:txBody>
+          <a:bodyPr/>
+          <a:lstStyle/>
+          <a:p>
+            <a:r>
+              <a:rPr lang="en-US" dirty="0" smtClean="0"/>
+              <a:t>tools</a:t>
+            </a:r>
+            <a:endParaRPr lang="en-US" dirty="0"/>
+          </a:p>
+        </p:txBody>
+      </p:sp>
+      <p:sp>
+        <p:nvSpPr>
+          <p:cNvPr id="3" name="Content Placeholder 2"/>
+          <p:cNvSpPr>
+            <a:spLocks noGrp="1"/>
+          </p:cNvSpPr>
+          <p:nvPr>
+            <p:ph idx="1"/>
+          </p:nvPr>
+        </p:nvSpPr>
+        <p:spPr/>
+        <p:txBody>
+          <a:bodyPr/>
+          <a:lstStyle/>
+          <a:p>
+            <a:pPr lvl="0"/>
+            <a:r>
+              <a:rPr lang="en-US" dirty="0"/>
+              <a:t>front-end tools: html, </a:t>
+            </a:r>
+            <a:r>
+              <a:rPr lang="en-US" dirty="0" err="1"/>
+              <a:t>css</a:t>
+            </a:r>
+            <a:r>
+              <a:rPr lang="en-US" dirty="0"/>
+              <a:t>, </a:t>
+            </a:r>
+            <a:r>
+              <a:rPr lang="en-US" dirty="0" err="1"/>
+              <a:t>javascript</a:t>
+            </a:r>
+            <a:endParaRPr lang="en-US" dirty="0"/>
+          </a:p>
+          <a:p>
+            <a:pPr lvl="0"/>
+            <a:r>
+              <a:rPr lang="en-US" dirty="0"/>
+              <a:t>back-end tools: </a:t>
+            </a:r>
+            <a:r>
+              <a:rPr lang="en-US" dirty="0" err="1"/>
+              <a:t>mysql</a:t>
+            </a:r>
+            <a:r>
+              <a:rPr lang="en-US" dirty="0"/>
+              <a:t>, python, etc.</a:t>
+            </a:r>
+          </a:p>
+          <a:p>
+            <a:pPr lvl="0"/>
+            <a:r>
+              <a:rPr lang="en-US" dirty="0" err="1"/>
+              <a:t>webdev</a:t>
+            </a:r>
+            <a:r>
+              <a:rPr lang="en-US" dirty="0"/>
+              <a:t> framework: </a:t>
+            </a:r>
+            <a:r>
+              <a:rPr lang="en-US" dirty="0" err="1"/>
+              <a:t>django</a:t>
+            </a:r>
+            <a:r>
+              <a:rPr lang="en-US" dirty="0"/>
+              <a:t>, …</a:t>
+            </a:r>
+          </a:p>
+          <a:p>
+            <a:pPr lvl="0"/>
+            <a:r>
+              <a:rPr lang="en-US" dirty="0"/>
+              <a:t>web browsers: </a:t>
+            </a:r>
+            <a:r>
+              <a:rPr lang="en-US" dirty="0" err="1"/>
+              <a:t>firefox</a:t>
+            </a:r>
+            <a:r>
+              <a:rPr lang="en-US" dirty="0"/>
+              <a:t>, google chrome, …</a:t>
+            </a:r>
+          </a:p>
+          <a:p>
+            <a:endParaRPr lang="en-US" dirty="0"/>
+          </a:p>
+        </p:txBody>
+      </p:sp>
+    </p:spTree>
+    <p:extLst>
+      <p:ext uri="{BB962C8B-B14F-4D97-AF65-F5344CB8AC3E}">
+        <p14:creationId xmlns:p14="http://schemas.microsoft.com/office/powerpoint/2010/main" val="9893988"/>
+      </p:ext>
+    </p:extLst>
+  </p:cSld>
+  <p:clrMapOvr>
+    <a:masterClrMapping/>
+  </p:clrMapOvr>
 </p:sld>
 </file>
 
@@ -20475,45 +20708,6 @@
       </p:sp>
       <p:sp>
         <p:nvSpPr>
-          <p:cNvPr id="203" name="TextBox 202"/>
-          <p:cNvSpPr txBox="1"/>
-          <p:nvPr/>
-        </p:nvSpPr>
-        <p:spPr>
-          <a:xfrm>
-            <a:off x="10733910" y="6130765"/>
-            <a:ext cx="1291771" cy="369332"/>
-          </a:xfrm>
-          <a:prstGeom prst="rect">
-            <a:avLst/>
-          </a:prstGeom>
-          <a:noFill/>
-          <a:ln>
-            <a:solidFill>
-              <a:schemeClr val="accent1">
-                <a:lumMod val="60000"/>
-                <a:lumOff val="40000"/>
-              </a:schemeClr>
-            </a:solidFill>
-          </a:ln>
-          <a:effectLst/>
-        </p:spPr>
-        <p:txBody>
-          <a:bodyPr wrap="square" rtlCol="0">
-            <a:spAutoFit/>
-          </a:bodyPr>
-          <a:lstStyle/>
-          <a:p>
-            <a:pPr algn="ctr"/>
-            <a:r>
-              <a:rPr lang="en-US" b="1" dirty="0" smtClean="0"/>
-              <a:t>SUBMIT</a:t>
-            </a:r>
-          </a:p>
-        </p:txBody>
-      </p:sp>
-      <p:sp>
-        <p:nvSpPr>
           <p:cNvPr id="204" name="TextBox 203"/>
           <p:cNvSpPr txBox="1"/>
           <p:nvPr/>
@@ -24242,45 +24436,6 @@
               <a:t>SAVE</a:t>
             </a:r>
             <a:endParaRPr lang="en-US" b="1" dirty="0"/>
-          </a:p>
-        </p:txBody>
-      </p:sp>
-      <p:sp>
-        <p:nvSpPr>
-          <p:cNvPr id="223" name="TextBox 222"/>
-          <p:cNvSpPr txBox="1"/>
-          <p:nvPr/>
-        </p:nvSpPr>
-        <p:spPr>
-          <a:xfrm>
-            <a:off x="10269387" y="6298743"/>
-            <a:ext cx="1291771" cy="369332"/>
-          </a:xfrm>
-          <a:prstGeom prst="rect">
-            <a:avLst/>
-          </a:prstGeom>
-          <a:noFill/>
-          <a:ln>
-            <a:solidFill>
-              <a:schemeClr val="accent1">
-                <a:lumMod val="60000"/>
-                <a:lumOff val="40000"/>
-              </a:schemeClr>
-            </a:solidFill>
-          </a:ln>
-          <a:effectLst/>
-        </p:spPr>
-        <p:txBody>
-          <a:bodyPr wrap="square" rtlCol="0">
-            <a:spAutoFit/>
-          </a:bodyPr>
-          <a:lstStyle/>
-          <a:p>
-            <a:pPr algn="ctr"/>
-            <a:r>
-              <a:rPr lang="en-US" b="1" dirty="0" smtClean="0"/>
-              <a:t>SUBMIT</a:t>
-            </a:r>
           </a:p>
         </p:txBody>
       </p:sp>

--- a/docs/Web portal.pptx
+++ b/docs/Web portal.pptx
@@ -5,20 +5,22 @@
     <p:sldMasterId id="2147483648" r:id="rId1"/>
   </p:sldMasterIdLst>
   <p:notesMasterIdLst>
-    <p:notesMasterId r:id="rId13"/>
+    <p:notesMasterId r:id="rId15"/>
   </p:notesMasterIdLst>
   <p:sldIdLst>
     <p:sldId id="256" r:id="rId2"/>
     <p:sldId id="259" r:id="rId3"/>
-    <p:sldId id="260" r:id="rId4"/>
-    <p:sldId id="261" r:id="rId5"/>
-    <p:sldId id="263" r:id="rId6"/>
-    <p:sldId id="271" r:id="rId7"/>
-    <p:sldId id="268" r:id="rId8"/>
-    <p:sldId id="269" r:id="rId9"/>
-    <p:sldId id="270" r:id="rId10"/>
-    <p:sldId id="273" r:id="rId11"/>
-    <p:sldId id="272" r:id="rId12"/>
+    <p:sldId id="274" r:id="rId4"/>
+    <p:sldId id="260" r:id="rId5"/>
+    <p:sldId id="261" r:id="rId6"/>
+    <p:sldId id="263" r:id="rId7"/>
+    <p:sldId id="271" r:id="rId8"/>
+    <p:sldId id="268" r:id="rId9"/>
+    <p:sldId id="269" r:id="rId10"/>
+    <p:sldId id="270" r:id="rId11"/>
+    <p:sldId id="273" r:id="rId12"/>
+    <p:sldId id="272" r:id="rId13"/>
+    <p:sldId id="275" r:id="rId14"/>
   </p:sldIdLst>
   <p:sldSz cx="12192000" cy="6858000"/>
   <p:notesSz cx="6858000" cy="9144000"/>
@@ -207,7 +209,7 @@
           <a:p>
             <a:fld id="{577E70E5-F9A2-4353-BB56-7C6C16CEBAC2}" type="datetimeFigureOut">
               <a:rPr lang="en-US" smtClean="0"/>
-              <a:t>9/6/2018</a:t>
+              <a:t>9/8/2018</a:t>
             </a:fld>
             <a:endParaRPr lang="en-US"/>
           </a:p>
@@ -752,7 +754,7 @@
           <a:p>
             <a:fld id="{011D79E9-7AEF-4C6F-A5D1-5C2FB514DDD2}" type="slidenum">
               <a:rPr lang="en-US" smtClean="0"/>
-              <a:t>3</a:t>
+              <a:t>4</a:t>
             </a:fld>
             <a:endParaRPr lang="en-US"/>
           </a:p>
@@ -836,7 +838,7 @@
           <a:p>
             <a:fld id="{011D79E9-7AEF-4C6F-A5D1-5C2FB514DDD2}" type="slidenum">
               <a:rPr lang="en-US" smtClean="0"/>
-              <a:t>5</a:t>
+              <a:t>6</a:t>
             </a:fld>
             <a:endParaRPr lang="en-US"/>
           </a:p>
@@ -920,7 +922,7 @@
           <a:p>
             <a:fld id="{011D79E9-7AEF-4C6F-A5D1-5C2FB514DDD2}" type="slidenum">
               <a:rPr lang="en-US" smtClean="0"/>
-              <a:t>7</a:t>
+              <a:t>8</a:t>
             </a:fld>
             <a:endParaRPr lang="en-US"/>
           </a:p>
@@ -1004,7 +1006,7 @@
           <a:p>
             <a:fld id="{011D79E9-7AEF-4C6F-A5D1-5C2FB514DDD2}" type="slidenum">
               <a:rPr lang="en-US" smtClean="0"/>
-              <a:t>8</a:t>
+              <a:t>9</a:t>
             </a:fld>
             <a:endParaRPr lang="en-US"/>
           </a:p>
@@ -1088,7 +1090,7 @@
           <a:p>
             <a:fld id="{011D79E9-7AEF-4C6F-A5D1-5C2FB514DDD2}" type="slidenum">
               <a:rPr lang="en-US" smtClean="0"/>
-              <a:t>9</a:t>
+              <a:t>10</a:t>
             </a:fld>
             <a:endParaRPr lang="en-US"/>
           </a:p>
@@ -1098,6 +1100,90 @@
     <p:extLst>
       <p:ext uri="{BB962C8B-B14F-4D97-AF65-F5344CB8AC3E}">
         <p14:creationId xmlns:p14="http://schemas.microsoft.com/office/powerpoint/2010/main" val="1130171305"/>
+      </p:ext>
+    </p:extLst>
+  </p:cSld>
+  <p:clrMapOvr>
+    <a:masterClrMapping/>
+  </p:clrMapOvr>
+</p:notes>
+</file>
+
+<file path=ppt/notesSlides/notesSlide8.xml><?xml version="1.0" encoding="utf-8"?>
+<p:notes xmlns:a="http://schemas.openxmlformats.org/drawingml/2006/main" xmlns:r="http://schemas.openxmlformats.org/officeDocument/2006/relationships" xmlns:p="http://schemas.openxmlformats.org/presentationml/2006/main">
+  <p:cSld>
+    <p:spTree>
+      <p:nvGrpSpPr>
+        <p:cNvPr id="1" name=""/>
+        <p:cNvGrpSpPr/>
+        <p:nvPr/>
+      </p:nvGrpSpPr>
+      <p:grpSpPr>
+        <a:xfrm>
+          <a:off x="0" y="0"/>
+          <a:ext cx="0" cy="0"/>
+          <a:chOff x="0" y="0"/>
+          <a:chExt cx="0" cy="0"/>
+        </a:xfrm>
+      </p:grpSpPr>
+      <p:sp>
+        <p:nvSpPr>
+          <p:cNvPr id="2" name="Slide Image Placeholder 1"/>
+          <p:cNvSpPr>
+            <a:spLocks noGrp="1" noRot="1" noChangeAspect="1"/>
+          </p:cNvSpPr>
+          <p:nvPr>
+            <p:ph type="sldImg"/>
+          </p:nvPr>
+        </p:nvSpPr>
+        <p:spPr/>
+      </p:sp>
+      <p:sp>
+        <p:nvSpPr>
+          <p:cNvPr id="3" name="Notes Placeholder 2"/>
+          <p:cNvSpPr>
+            <a:spLocks noGrp="1"/>
+          </p:cNvSpPr>
+          <p:nvPr>
+            <p:ph type="body" idx="1"/>
+          </p:nvPr>
+        </p:nvSpPr>
+        <p:spPr/>
+        <p:txBody>
+          <a:bodyPr/>
+          <a:lstStyle/>
+          <a:p>
+            <a:endParaRPr lang="en-US" dirty="0"/>
+          </a:p>
+        </p:txBody>
+      </p:sp>
+      <p:sp>
+        <p:nvSpPr>
+          <p:cNvPr id="4" name="Slide Number Placeholder 3"/>
+          <p:cNvSpPr>
+            <a:spLocks noGrp="1"/>
+          </p:cNvSpPr>
+          <p:nvPr>
+            <p:ph type="sldNum" sz="quarter" idx="10"/>
+          </p:nvPr>
+        </p:nvSpPr>
+        <p:spPr/>
+        <p:txBody>
+          <a:bodyPr/>
+          <a:lstStyle/>
+          <a:p>
+            <a:fld id="{011D79E9-7AEF-4C6F-A5D1-5C2FB514DDD2}" type="slidenum">
+              <a:rPr lang="en-US" smtClean="0"/>
+              <a:t>13</a:t>
+            </a:fld>
+            <a:endParaRPr lang="en-US"/>
+          </a:p>
+        </p:txBody>
+      </p:sp>
+    </p:spTree>
+    <p:extLst>
+      <p:ext uri="{BB962C8B-B14F-4D97-AF65-F5344CB8AC3E}">
+        <p14:creationId xmlns:p14="http://schemas.microsoft.com/office/powerpoint/2010/main" val="2314559552"/>
       </p:ext>
     </p:extLst>
   </p:cSld>
@@ -1238,7 +1324,7 @@
           <a:p>
             <a:fld id="{411E36CB-AE7C-4D81-8BA1-98AEF09D6E79}" type="datetimeFigureOut">
               <a:rPr lang="en-US" smtClean="0"/>
-              <a:t>9/6/2018</a:t>
+              <a:t>9/8/2018</a:t>
             </a:fld>
             <a:endParaRPr lang="en-US"/>
           </a:p>
@@ -1408,7 +1494,7 @@
           <a:p>
             <a:fld id="{411E36CB-AE7C-4D81-8BA1-98AEF09D6E79}" type="datetimeFigureOut">
               <a:rPr lang="en-US" smtClean="0"/>
-              <a:t>9/6/2018</a:t>
+              <a:t>9/8/2018</a:t>
             </a:fld>
             <a:endParaRPr lang="en-US"/>
           </a:p>
@@ -1588,7 +1674,7 @@
           <a:p>
             <a:fld id="{411E36CB-AE7C-4D81-8BA1-98AEF09D6E79}" type="datetimeFigureOut">
               <a:rPr lang="en-US" smtClean="0"/>
-              <a:t>9/6/2018</a:t>
+              <a:t>9/8/2018</a:t>
             </a:fld>
             <a:endParaRPr lang="en-US"/>
           </a:p>
@@ -1758,7 +1844,7 @@
           <a:p>
             <a:fld id="{411E36CB-AE7C-4D81-8BA1-98AEF09D6E79}" type="datetimeFigureOut">
               <a:rPr lang="en-US" smtClean="0"/>
-              <a:t>9/6/2018</a:t>
+              <a:t>9/8/2018</a:t>
             </a:fld>
             <a:endParaRPr lang="en-US"/>
           </a:p>
@@ -2004,7 +2090,7 @@
           <a:p>
             <a:fld id="{411E36CB-AE7C-4D81-8BA1-98AEF09D6E79}" type="datetimeFigureOut">
               <a:rPr lang="en-US" smtClean="0"/>
-              <a:t>9/6/2018</a:t>
+              <a:t>9/8/2018</a:t>
             </a:fld>
             <a:endParaRPr lang="en-US"/>
           </a:p>
@@ -2236,7 +2322,7 @@
           <a:p>
             <a:fld id="{411E36CB-AE7C-4D81-8BA1-98AEF09D6E79}" type="datetimeFigureOut">
               <a:rPr lang="en-US" smtClean="0"/>
-              <a:t>9/6/2018</a:t>
+              <a:t>9/8/2018</a:t>
             </a:fld>
             <a:endParaRPr lang="en-US"/>
           </a:p>
@@ -2603,7 +2689,7 @@
           <a:p>
             <a:fld id="{411E36CB-AE7C-4D81-8BA1-98AEF09D6E79}" type="datetimeFigureOut">
               <a:rPr lang="en-US" smtClean="0"/>
-              <a:t>9/6/2018</a:t>
+              <a:t>9/8/2018</a:t>
             </a:fld>
             <a:endParaRPr lang="en-US"/>
           </a:p>
@@ -2721,7 +2807,7 @@
           <a:p>
             <a:fld id="{411E36CB-AE7C-4D81-8BA1-98AEF09D6E79}" type="datetimeFigureOut">
               <a:rPr lang="en-US" smtClean="0"/>
-              <a:t>9/6/2018</a:t>
+              <a:t>9/8/2018</a:t>
             </a:fld>
             <a:endParaRPr lang="en-US"/>
           </a:p>
@@ -2816,7 +2902,7 @@
           <a:p>
             <a:fld id="{411E36CB-AE7C-4D81-8BA1-98AEF09D6E79}" type="datetimeFigureOut">
               <a:rPr lang="en-US" smtClean="0"/>
-              <a:t>9/6/2018</a:t>
+              <a:t>9/8/2018</a:t>
             </a:fld>
             <a:endParaRPr lang="en-US"/>
           </a:p>
@@ -3093,7 +3179,7 @@
           <a:p>
             <a:fld id="{411E36CB-AE7C-4D81-8BA1-98AEF09D6E79}" type="datetimeFigureOut">
               <a:rPr lang="en-US" smtClean="0"/>
-              <a:t>9/6/2018</a:t>
+              <a:t>9/8/2018</a:t>
             </a:fld>
             <a:endParaRPr lang="en-US"/>
           </a:p>
@@ -3346,7 +3432,7 @@
           <a:p>
             <a:fld id="{411E36CB-AE7C-4D81-8BA1-98AEF09D6E79}" type="datetimeFigureOut">
               <a:rPr lang="en-US" smtClean="0"/>
-              <a:t>9/6/2018</a:t>
+              <a:t>9/8/2018</a:t>
             </a:fld>
             <a:endParaRPr lang="en-US"/>
           </a:p>
@@ -3559,7 +3645,7 @@
           <a:p>
             <a:fld id="{411E36CB-AE7C-4D81-8BA1-98AEF09D6E79}" type="datetimeFigureOut">
               <a:rPr lang="en-US" smtClean="0"/>
-              <a:t>9/6/2018</a:t>
+              <a:t>9/8/2018</a:t>
             </a:fld>
             <a:endParaRPr lang="en-US"/>
           </a:p>
@@ -4082,22 +4168,35 @@
       </p:grpSpPr>
       <p:sp>
         <p:nvSpPr>
-          <p:cNvPr id="2" name="Title 1"/>
-          <p:cNvSpPr>
-            <a:spLocks noGrp="1"/>
-          </p:cNvSpPr>
-          <p:nvPr>
-            <p:ph type="title"/>
-          </p:nvPr>
+          <p:cNvPr id="5" name="TextBox 4"/>
+          <p:cNvSpPr txBox="1"/>
+          <p:nvPr/>
         </p:nvSpPr>
-        <p:spPr/>
+        <p:spPr>
+          <a:xfrm>
+            <a:off x="580834" y="439342"/>
+            <a:ext cx="1712686" cy="369332"/>
+          </a:xfrm>
+          <a:prstGeom prst="rect">
+            <a:avLst/>
+          </a:prstGeom>
+          <a:noFill/>
+          <a:ln>
+            <a:solidFill>
+              <a:srgbClr val="0070C0"/>
+            </a:solidFill>
+          </a:ln>
+        </p:spPr>
         <p:txBody>
-          <a:bodyPr/>
+          <a:bodyPr wrap="square" rtlCol="0">
+            <a:spAutoFit/>
+          </a:bodyPr>
           <a:lstStyle/>
           <a:p>
+            <a:pPr algn="ctr"/>
             <a:r>
               <a:rPr lang="en-US" dirty="0" smtClean="0"/>
-              <a:t>web hosting services</a:t>
+              <a:t>UPLOAD DATA</a:t>
             </a:r>
             <a:endParaRPr lang="en-US" dirty="0"/>
           </a:p>
@@ -4105,56 +4204,3825 @@
       </p:sp>
       <p:sp>
         <p:nvSpPr>
-          <p:cNvPr id="3" name="Content Placeholder 2"/>
-          <p:cNvSpPr>
-            <a:spLocks noGrp="1"/>
-          </p:cNvSpPr>
-          <p:nvPr>
-            <p:ph idx="1"/>
-          </p:nvPr>
+          <p:cNvPr id="13" name="TextBox 12"/>
+          <p:cNvSpPr txBox="1"/>
+          <p:nvPr/>
         </p:nvSpPr>
-        <p:spPr/>
+        <p:spPr>
+          <a:xfrm>
+            <a:off x="2448909" y="439342"/>
+            <a:ext cx="2339620" cy="369332"/>
+          </a:xfrm>
+          <a:prstGeom prst="rect">
+            <a:avLst/>
+          </a:prstGeom>
+          <a:noFill/>
+          <a:ln>
+            <a:solidFill>
+              <a:srgbClr val="0070C0"/>
+            </a:solidFill>
+          </a:ln>
+          <a:effectLst>
+            <a:innerShdw blurRad="63500" dist="50800" dir="16200000">
+              <a:prstClr val="black">
+                <a:alpha val="55000"/>
+              </a:prstClr>
+            </a:innerShdw>
+            <a:softEdge rad="31750"/>
+          </a:effectLst>
+        </p:spPr>
         <p:txBody>
-          <a:bodyPr/>
+          <a:bodyPr wrap="square" rtlCol="0">
+            <a:spAutoFit/>
+          </a:bodyPr>
           <a:lstStyle/>
           <a:p>
-            <a:pPr lvl="0"/>
             <a:r>
-              <a:rPr lang="en-US" dirty="0"/>
-              <a:t>What cloud services?</a:t>
+              <a:rPr lang="en-US" u="sng" dirty="0" smtClean="0"/>
+              <a:t>Single Upload Form</a:t>
             </a:r>
-          </a:p>
-          <a:p>
-            <a:pPr lvl="0"/>
+            <a:endParaRPr lang="en-US" u="sng" dirty="0"/>
+          </a:p>
+        </p:txBody>
+      </p:sp>
+      <p:sp>
+        <p:nvSpPr>
+          <p:cNvPr id="21" name="TextBox 20"/>
+          <p:cNvSpPr txBox="1"/>
+          <p:nvPr/>
+        </p:nvSpPr>
+        <p:spPr>
+          <a:xfrm>
+            <a:off x="580834" y="1049049"/>
+            <a:ext cx="2818400" cy="369332"/>
+          </a:xfrm>
+          <a:prstGeom prst="rect">
+            <a:avLst/>
+          </a:prstGeom>
+          <a:noFill/>
+        </p:spPr>
+        <p:txBody>
+          <a:bodyPr wrap="none" rtlCol="0">
+            <a:spAutoFit/>
+          </a:bodyPr>
+          <a:lstStyle/>
+          <a:p>
             <a:r>
-              <a:rPr lang="en-US" dirty="0"/>
-              <a:t>Other options for website hosting?</a:t>
+              <a:rPr lang="en-US" b="1" dirty="0" smtClean="0"/>
+              <a:t>Part 5: Gas transfer velocity</a:t>
             </a:r>
-          </a:p>
-          <a:p>
-            <a:pPr lvl="0"/>
+            <a:endParaRPr lang="en-US" b="1" dirty="0"/>
+          </a:p>
+        </p:txBody>
+      </p:sp>
+      <p:sp>
+        <p:nvSpPr>
+          <p:cNvPr id="22" name="TextBox 21"/>
+          <p:cNvSpPr txBox="1"/>
+          <p:nvPr/>
+        </p:nvSpPr>
+        <p:spPr>
+          <a:xfrm>
+            <a:off x="580834" y="3052025"/>
+            <a:ext cx="3533788" cy="369332"/>
+          </a:xfrm>
+          <a:prstGeom prst="rect">
+            <a:avLst/>
+          </a:prstGeom>
+          <a:noFill/>
+        </p:spPr>
+        <p:txBody>
+          <a:bodyPr wrap="none" rtlCol="0">
+            <a:spAutoFit/>
+          </a:bodyPr>
+          <a:lstStyle/>
+          <a:p>
             <a:r>
-              <a:rPr lang="en-US" dirty="0"/>
-              <a:t>A later step? I can develop the website on my own machine then upload to a server</a:t>
+              <a:rPr lang="en-US" b="1" dirty="0" smtClean="0"/>
+              <a:t>Part 6: Other </a:t>
             </a:r>
             <a:r>
+              <a:rPr lang="en-US" b="1" i="1" dirty="0" smtClean="0"/>
+              <a:t>in situ </a:t>
+            </a:r>
+            <a:r>
+              <a:rPr lang="en-US" b="1" dirty="0" smtClean="0"/>
+              <a:t>measurements</a:t>
+            </a:r>
+            <a:endParaRPr lang="en-US" b="1" dirty="0"/>
+          </a:p>
+        </p:txBody>
+      </p:sp>
+      <p:grpSp>
+        <p:nvGrpSpPr>
+          <p:cNvPr id="97" name="Group 96"/>
+          <p:cNvGrpSpPr/>
+          <p:nvPr/>
+        </p:nvGrpSpPr>
+        <p:grpSpPr>
+          <a:xfrm>
+            <a:off x="92000" y="1671448"/>
+            <a:ext cx="1869978" cy="883220"/>
+            <a:chOff x="4274936" y="1757365"/>
+            <a:chExt cx="1869978" cy="883220"/>
+          </a:xfrm>
+        </p:grpSpPr>
+        <p:sp>
+          <p:nvSpPr>
+            <p:cNvPr id="98" name="TextBox 97"/>
+            <p:cNvSpPr txBox="1"/>
+            <p:nvPr/>
+          </p:nvSpPr>
+          <p:spPr>
+            <a:xfrm>
+              <a:off x="4274936" y="1757823"/>
+              <a:ext cx="947520" cy="369332"/>
+            </a:xfrm>
+            <a:prstGeom prst="rect">
+              <a:avLst/>
+            </a:prstGeom>
+            <a:noFill/>
+            <a:ln>
+              <a:solidFill>
+                <a:schemeClr val="bg1">
+                  <a:lumMod val="50000"/>
+                </a:schemeClr>
+              </a:solidFill>
+            </a:ln>
+          </p:spPr>
+          <p:txBody>
+            <a:bodyPr wrap="square" rtlCol="0">
+              <a:spAutoFit/>
+            </a:bodyPr>
+            <a:lstStyle/>
+            <a:p>
+              <a:r>
+                <a:rPr lang="en-US" dirty="0" smtClean="0">
+                  <a:solidFill>
+                    <a:schemeClr val="bg1">
+                      <a:lumMod val="75000"/>
+                    </a:schemeClr>
+                  </a:solidFill>
+                </a:rPr>
+                <a:t>k</a:t>
+              </a:r>
+              <a:r>
+                <a:rPr lang="en-US" baseline="-25000" dirty="0" smtClean="0">
+                  <a:solidFill>
+                    <a:schemeClr val="bg1">
+                      <a:lumMod val="75000"/>
+                    </a:schemeClr>
+                  </a:solidFill>
+                </a:rPr>
+                <a:t>600</a:t>
+              </a:r>
+              <a:r>
+                <a:rPr lang="en-US" dirty="0" smtClean="0">
+                  <a:solidFill>
+                    <a:schemeClr val="bg1">
+                      <a:lumMod val="75000"/>
+                    </a:schemeClr>
+                  </a:solidFill>
+                </a:rPr>
+                <a:t>-CO</a:t>
+              </a:r>
+              <a:r>
+                <a:rPr lang="en-US" baseline="-25000" dirty="0" smtClean="0">
+                  <a:solidFill>
+                    <a:schemeClr val="bg1">
+                      <a:lumMod val="75000"/>
+                    </a:schemeClr>
+                  </a:solidFill>
+                </a:rPr>
+                <a:t>2</a:t>
+              </a:r>
+              <a:endParaRPr lang="en-US" baseline="-25000" dirty="0">
+                <a:solidFill>
+                  <a:schemeClr val="bg1">
+                    <a:lumMod val="75000"/>
+                  </a:schemeClr>
+                </a:solidFill>
+              </a:endParaRPr>
+            </a:p>
+          </p:txBody>
+        </p:sp>
+        <p:sp>
+          <p:nvSpPr>
+            <p:cNvPr id="100" name="TextBox 99"/>
+            <p:cNvSpPr txBox="1"/>
+            <p:nvPr/>
+          </p:nvSpPr>
+          <p:spPr>
+            <a:xfrm>
+              <a:off x="5211464" y="2117365"/>
+              <a:ext cx="933450" cy="523220"/>
+            </a:xfrm>
+            <a:prstGeom prst="rect">
+              <a:avLst/>
+            </a:prstGeom>
+            <a:noFill/>
+            <a:ln>
+              <a:solidFill>
+                <a:schemeClr val="bg1">
+                  <a:lumMod val="50000"/>
+                </a:schemeClr>
+              </a:solidFill>
+              <a:prstDash val="dash"/>
+            </a:ln>
+          </p:spPr>
+          <p:txBody>
+            <a:bodyPr wrap="square" rtlCol="0">
+              <a:spAutoFit/>
+            </a:bodyPr>
+            <a:lstStyle/>
+            <a:p>
+              <a:r>
+                <a:rPr lang="en-US" sz="1400" dirty="0" smtClean="0"/>
+                <a:t>m d</a:t>
+              </a:r>
+              <a:r>
+                <a:rPr lang="en-US" sz="1400" baseline="30000" dirty="0" smtClean="0"/>
+                <a:t>-1</a:t>
+              </a:r>
+            </a:p>
+            <a:p>
+              <a:r>
+                <a:rPr lang="en-US" sz="1400" dirty="0" smtClean="0"/>
+                <a:t>cm s</a:t>
+              </a:r>
+              <a:r>
+                <a:rPr lang="en-US" sz="1400" baseline="30000" dirty="0" smtClean="0"/>
+                <a:t>-1</a:t>
+              </a:r>
+            </a:p>
+          </p:txBody>
+        </p:sp>
+        <p:grpSp>
+          <p:nvGrpSpPr>
+            <p:cNvPr id="101" name="Group 100"/>
+            <p:cNvGrpSpPr/>
+            <p:nvPr/>
+          </p:nvGrpSpPr>
+          <p:grpSpPr>
+            <a:xfrm>
+              <a:off x="5784913" y="1757365"/>
+              <a:ext cx="360000" cy="360000"/>
+              <a:chOff x="3218024" y="1580157"/>
+              <a:chExt cx="360000" cy="360000"/>
+            </a:xfrm>
+          </p:grpSpPr>
+          <p:sp>
+            <p:nvSpPr>
+              <p:cNvPr id="107" name="Isosceles Triangle 106"/>
+              <p:cNvSpPr/>
+              <p:nvPr/>
+            </p:nvSpPr>
+            <p:spPr>
+              <a:xfrm flipV="1">
+                <a:off x="3218024" y="1580157"/>
+                <a:ext cx="360000" cy="360000"/>
+              </a:xfrm>
+              <a:prstGeom prst="triangle">
+                <a:avLst/>
+              </a:prstGeom>
+            </p:spPr>
+            <p:style>
+              <a:lnRef idx="2">
+                <a:schemeClr val="accent1">
+                  <a:shade val="50000"/>
+                </a:schemeClr>
+              </a:lnRef>
+              <a:fillRef idx="1">
+                <a:schemeClr val="accent1"/>
+              </a:fillRef>
+              <a:effectRef idx="0">
+                <a:schemeClr val="accent1"/>
+              </a:effectRef>
+              <a:fontRef idx="minor">
+                <a:schemeClr val="lt1"/>
+              </a:fontRef>
+            </p:style>
+            <p:txBody>
+              <a:bodyPr rtlCol="0" anchor="ctr"/>
+              <a:lstStyle/>
+              <a:p>
+                <a:pPr algn="ctr"/>
+                <a:endParaRPr lang="en-US"/>
+              </a:p>
+            </p:txBody>
+          </p:sp>
+          <p:sp>
+            <p:nvSpPr>
+              <p:cNvPr id="108" name="TextBox 107"/>
+              <p:cNvSpPr txBox="1"/>
+              <p:nvPr/>
+            </p:nvSpPr>
+            <p:spPr>
+              <a:xfrm>
+                <a:off x="3218024" y="1580157"/>
+                <a:ext cx="360000" cy="360000"/>
+              </a:xfrm>
+              <a:prstGeom prst="rect">
+                <a:avLst/>
+              </a:prstGeom>
+              <a:noFill/>
+              <a:ln>
+                <a:solidFill>
+                  <a:schemeClr val="bg1">
+                    <a:lumMod val="50000"/>
+                  </a:schemeClr>
+                </a:solidFill>
+              </a:ln>
+            </p:spPr>
+            <p:txBody>
+              <a:bodyPr wrap="square" rtlCol="0">
+                <a:spAutoFit/>
+              </a:bodyPr>
+              <a:lstStyle/>
+              <a:p>
+                <a:endParaRPr lang="en-US" dirty="0">
+                  <a:solidFill>
+                    <a:schemeClr val="bg1">
+                      <a:lumMod val="75000"/>
+                    </a:schemeClr>
+                  </a:solidFill>
+                </a:endParaRPr>
+              </a:p>
+            </p:txBody>
+          </p:sp>
+        </p:grpSp>
+        <p:sp>
+          <p:nvSpPr>
+            <p:cNvPr id="102" name="TextBox 101"/>
+            <p:cNvSpPr txBox="1"/>
+            <p:nvPr/>
+          </p:nvSpPr>
+          <p:spPr>
+            <a:xfrm>
+              <a:off x="5211464" y="1759645"/>
+              <a:ext cx="565449" cy="360000"/>
+            </a:xfrm>
+            <a:prstGeom prst="rect">
+              <a:avLst/>
+            </a:prstGeom>
+            <a:noFill/>
+            <a:ln>
+              <a:solidFill>
+                <a:schemeClr val="bg1">
+                  <a:lumMod val="50000"/>
+                </a:schemeClr>
+              </a:solidFill>
+            </a:ln>
+          </p:spPr>
+          <p:txBody>
+            <a:bodyPr wrap="square" rtlCol="0">
+              <a:spAutoFit/>
+            </a:bodyPr>
+            <a:lstStyle/>
+            <a:p>
+              <a:r>
+                <a:rPr lang="en-US" dirty="0" smtClean="0">
+                  <a:solidFill>
+                    <a:schemeClr val="bg1">
+                      <a:lumMod val="75000"/>
+                    </a:schemeClr>
+                  </a:solidFill>
+                </a:rPr>
+                <a:t>unit</a:t>
+              </a:r>
+              <a:endParaRPr lang="en-US" dirty="0">
+                <a:solidFill>
+                  <a:schemeClr val="bg1">
+                    <a:lumMod val="75000"/>
+                  </a:schemeClr>
+                </a:solidFill>
+              </a:endParaRPr>
+            </a:p>
+          </p:txBody>
+        </p:sp>
+      </p:grpSp>
+      <p:grpSp>
+        <p:nvGrpSpPr>
+          <p:cNvPr id="109" name="Group 108"/>
+          <p:cNvGrpSpPr/>
+          <p:nvPr/>
+        </p:nvGrpSpPr>
+        <p:grpSpPr>
+          <a:xfrm>
+            <a:off x="2102013" y="1671448"/>
+            <a:ext cx="1869978" cy="883220"/>
+            <a:chOff x="4274936" y="1757365"/>
+            <a:chExt cx="1869978" cy="883220"/>
+          </a:xfrm>
+        </p:grpSpPr>
+        <p:sp>
+          <p:nvSpPr>
+            <p:cNvPr id="113" name="TextBox 112"/>
+            <p:cNvSpPr txBox="1"/>
+            <p:nvPr/>
+          </p:nvSpPr>
+          <p:spPr>
+            <a:xfrm>
+              <a:off x="4274936" y="1757823"/>
+              <a:ext cx="947520" cy="369332"/>
+            </a:xfrm>
+            <a:prstGeom prst="rect">
+              <a:avLst/>
+            </a:prstGeom>
+            <a:noFill/>
+            <a:ln>
+              <a:solidFill>
+                <a:schemeClr val="bg1">
+                  <a:lumMod val="50000"/>
+                </a:schemeClr>
+              </a:solidFill>
+            </a:ln>
+          </p:spPr>
+          <p:txBody>
+            <a:bodyPr wrap="square" rtlCol="0">
+              <a:spAutoFit/>
+            </a:bodyPr>
+            <a:lstStyle/>
+            <a:p>
+              <a:r>
+                <a:rPr lang="en-US" dirty="0" smtClean="0">
+                  <a:solidFill>
+                    <a:schemeClr val="bg1">
+                      <a:lumMod val="75000"/>
+                    </a:schemeClr>
+                  </a:solidFill>
+                </a:rPr>
+                <a:t>k-CO</a:t>
+              </a:r>
+              <a:r>
+                <a:rPr lang="en-US" baseline="-25000" dirty="0" smtClean="0">
+                  <a:solidFill>
+                    <a:schemeClr val="bg1">
+                      <a:lumMod val="75000"/>
+                    </a:schemeClr>
+                  </a:solidFill>
+                </a:rPr>
+                <a:t>2</a:t>
+              </a:r>
+              <a:endParaRPr lang="en-US" baseline="-25000" dirty="0">
+                <a:solidFill>
+                  <a:schemeClr val="bg1">
+                    <a:lumMod val="75000"/>
+                  </a:schemeClr>
+                </a:solidFill>
+              </a:endParaRPr>
+            </a:p>
+          </p:txBody>
+        </p:sp>
+        <p:sp>
+          <p:nvSpPr>
+            <p:cNvPr id="114" name="TextBox 113"/>
+            <p:cNvSpPr txBox="1"/>
+            <p:nvPr/>
+          </p:nvSpPr>
+          <p:spPr>
+            <a:xfrm>
+              <a:off x="5211464" y="2117365"/>
+              <a:ext cx="933450" cy="523220"/>
+            </a:xfrm>
+            <a:prstGeom prst="rect">
+              <a:avLst/>
+            </a:prstGeom>
+            <a:noFill/>
+            <a:ln>
+              <a:solidFill>
+                <a:schemeClr val="bg1">
+                  <a:lumMod val="50000"/>
+                </a:schemeClr>
+              </a:solidFill>
+              <a:prstDash val="dash"/>
+            </a:ln>
+          </p:spPr>
+          <p:txBody>
+            <a:bodyPr wrap="square" rtlCol="0">
+              <a:spAutoFit/>
+            </a:bodyPr>
+            <a:lstStyle/>
+            <a:p>
+              <a:r>
+                <a:rPr lang="en-US" sz="1400" dirty="0" smtClean="0"/>
+                <a:t>m d</a:t>
+              </a:r>
+              <a:r>
+                <a:rPr lang="en-US" sz="1400" baseline="30000" dirty="0" smtClean="0"/>
+                <a:t>-1</a:t>
+              </a:r>
+            </a:p>
+            <a:p>
+              <a:r>
+                <a:rPr lang="en-US" sz="1400" dirty="0" smtClean="0"/>
+                <a:t>cm s</a:t>
+              </a:r>
+              <a:r>
+                <a:rPr lang="en-US" sz="1400" baseline="30000" dirty="0" smtClean="0"/>
+                <a:t>-1</a:t>
+              </a:r>
+            </a:p>
+          </p:txBody>
+        </p:sp>
+        <p:grpSp>
+          <p:nvGrpSpPr>
+            <p:cNvPr id="116" name="Group 115"/>
+            <p:cNvGrpSpPr/>
+            <p:nvPr/>
+          </p:nvGrpSpPr>
+          <p:grpSpPr>
+            <a:xfrm>
+              <a:off x="5784913" y="1757365"/>
+              <a:ext cx="360000" cy="360000"/>
+              <a:chOff x="3218024" y="1580157"/>
+              <a:chExt cx="360000" cy="360000"/>
+            </a:xfrm>
+          </p:grpSpPr>
+          <p:sp>
+            <p:nvSpPr>
+              <p:cNvPr id="125" name="Isosceles Triangle 124"/>
+              <p:cNvSpPr/>
+              <p:nvPr/>
+            </p:nvSpPr>
+            <p:spPr>
+              <a:xfrm flipV="1">
+                <a:off x="3218024" y="1580157"/>
+                <a:ext cx="360000" cy="360000"/>
+              </a:xfrm>
+              <a:prstGeom prst="triangle">
+                <a:avLst/>
+              </a:prstGeom>
+            </p:spPr>
+            <p:style>
+              <a:lnRef idx="2">
+                <a:schemeClr val="accent1">
+                  <a:shade val="50000"/>
+                </a:schemeClr>
+              </a:lnRef>
+              <a:fillRef idx="1">
+                <a:schemeClr val="accent1"/>
+              </a:fillRef>
+              <a:effectRef idx="0">
+                <a:schemeClr val="accent1"/>
+              </a:effectRef>
+              <a:fontRef idx="minor">
+                <a:schemeClr val="lt1"/>
+              </a:fontRef>
+            </p:style>
+            <p:txBody>
+              <a:bodyPr rtlCol="0" anchor="ctr"/>
+              <a:lstStyle/>
+              <a:p>
+                <a:pPr algn="ctr"/>
+                <a:endParaRPr lang="en-US"/>
+              </a:p>
+            </p:txBody>
+          </p:sp>
+          <p:sp>
+            <p:nvSpPr>
+              <p:cNvPr id="130" name="TextBox 129"/>
+              <p:cNvSpPr txBox="1"/>
+              <p:nvPr/>
+            </p:nvSpPr>
+            <p:spPr>
+              <a:xfrm>
+                <a:off x="3218024" y="1580157"/>
+                <a:ext cx="360000" cy="360000"/>
+              </a:xfrm>
+              <a:prstGeom prst="rect">
+                <a:avLst/>
+              </a:prstGeom>
+              <a:noFill/>
+              <a:ln>
+                <a:solidFill>
+                  <a:schemeClr val="bg1">
+                    <a:lumMod val="50000"/>
+                  </a:schemeClr>
+                </a:solidFill>
+              </a:ln>
+            </p:spPr>
+            <p:txBody>
+              <a:bodyPr wrap="square" rtlCol="0">
+                <a:spAutoFit/>
+              </a:bodyPr>
+              <a:lstStyle/>
+              <a:p>
+                <a:endParaRPr lang="en-US" dirty="0">
+                  <a:solidFill>
+                    <a:schemeClr val="bg1">
+                      <a:lumMod val="75000"/>
+                    </a:schemeClr>
+                  </a:solidFill>
+                </a:endParaRPr>
+              </a:p>
+            </p:txBody>
+          </p:sp>
+        </p:grpSp>
+        <p:sp>
+          <p:nvSpPr>
+            <p:cNvPr id="123" name="TextBox 122"/>
+            <p:cNvSpPr txBox="1"/>
+            <p:nvPr/>
+          </p:nvSpPr>
+          <p:spPr>
+            <a:xfrm>
+              <a:off x="5211464" y="1759645"/>
+              <a:ext cx="565449" cy="360000"/>
+            </a:xfrm>
+            <a:prstGeom prst="rect">
+              <a:avLst/>
+            </a:prstGeom>
+            <a:noFill/>
+            <a:ln>
+              <a:solidFill>
+                <a:schemeClr val="bg1">
+                  <a:lumMod val="50000"/>
+                </a:schemeClr>
+              </a:solidFill>
+            </a:ln>
+          </p:spPr>
+          <p:txBody>
+            <a:bodyPr wrap="square" rtlCol="0">
+              <a:spAutoFit/>
+            </a:bodyPr>
+            <a:lstStyle/>
+            <a:p>
+              <a:r>
+                <a:rPr lang="en-US" dirty="0" smtClean="0">
+                  <a:solidFill>
+                    <a:schemeClr val="bg1">
+                      <a:lumMod val="75000"/>
+                    </a:schemeClr>
+                  </a:solidFill>
+                </a:rPr>
+                <a:t>unit</a:t>
+              </a:r>
+              <a:endParaRPr lang="en-US" dirty="0">
+                <a:solidFill>
+                  <a:schemeClr val="bg1">
+                    <a:lumMod val="75000"/>
+                  </a:schemeClr>
+                </a:solidFill>
+              </a:endParaRPr>
+            </a:p>
+          </p:txBody>
+        </p:sp>
+      </p:grpSp>
+      <p:grpSp>
+        <p:nvGrpSpPr>
+          <p:cNvPr id="131" name="Group 130"/>
+          <p:cNvGrpSpPr/>
+          <p:nvPr/>
+        </p:nvGrpSpPr>
+        <p:grpSpPr>
+          <a:xfrm>
+            <a:off x="4112026" y="1671448"/>
+            <a:ext cx="1869978" cy="883220"/>
+            <a:chOff x="4274936" y="1757365"/>
+            <a:chExt cx="1869978" cy="883220"/>
+          </a:xfrm>
+        </p:grpSpPr>
+        <p:sp>
+          <p:nvSpPr>
+            <p:cNvPr id="150" name="TextBox 149"/>
+            <p:cNvSpPr txBox="1"/>
+            <p:nvPr/>
+          </p:nvSpPr>
+          <p:spPr>
+            <a:xfrm>
+              <a:off x="4274936" y="1757823"/>
+              <a:ext cx="947520" cy="369332"/>
+            </a:xfrm>
+            <a:prstGeom prst="rect">
+              <a:avLst/>
+            </a:prstGeom>
+            <a:noFill/>
+            <a:ln>
+              <a:solidFill>
+                <a:schemeClr val="bg1">
+                  <a:lumMod val="50000"/>
+                </a:schemeClr>
+              </a:solidFill>
+            </a:ln>
+          </p:spPr>
+          <p:txBody>
+            <a:bodyPr wrap="square" rtlCol="0">
+              <a:spAutoFit/>
+            </a:bodyPr>
+            <a:lstStyle/>
+            <a:p>
+              <a:r>
+                <a:rPr lang="en-US" dirty="0" smtClean="0">
+                  <a:solidFill>
+                    <a:schemeClr val="bg1">
+                      <a:lumMod val="75000"/>
+                    </a:schemeClr>
+                  </a:solidFill>
+                </a:rPr>
+                <a:t>k</a:t>
+              </a:r>
+              <a:r>
+                <a:rPr lang="en-US" baseline="-25000" dirty="0" smtClean="0">
+                  <a:solidFill>
+                    <a:schemeClr val="bg1">
+                      <a:lumMod val="75000"/>
+                    </a:schemeClr>
+                  </a:solidFill>
+                </a:rPr>
+                <a:t>600</a:t>
+              </a:r>
+              <a:r>
+                <a:rPr lang="en-US" dirty="0" smtClean="0">
+                  <a:solidFill>
+                    <a:schemeClr val="bg1">
+                      <a:lumMod val="75000"/>
+                    </a:schemeClr>
+                  </a:solidFill>
+                </a:rPr>
+                <a:t>-CH</a:t>
+              </a:r>
+              <a:r>
+                <a:rPr lang="en-US" baseline="-25000" dirty="0">
+                  <a:solidFill>
+                    <a:schemeClr val="bg1">
+                      <a:lumMod val="75000"/>
+                    </a:schemeClr>
+                  </a:solidFill>
+                </a:rPr>
+                <a:t>4</a:t>
+              </a:r>
+            </a:p>
+          </p:txBody>
+        </p:sp>
+        <p:sp>
+          <p:nvSpPr>
+            <p:cNvPr id="151" name="TextBox 150"/>
+            <p:cNvSpPr txBox="1"/>
+            <p:nvPr/>
+          </p:nvSpPr>
+          <p:spPr>
+            <a:xfrm>
+              <a:off x="5211464" y="2117365"/>
+              <a:ext cx="933450" cy="523220"/>
+            </a:xfrm>
+            <a:prstGeom prst="rect">
+              <a:avLst/>
+            </a:prstGeom>
+            <a:noFill/>
+            <a:ln>
+              <a:solidFill>
+                <a:schemeClr val="bg1">
+                  <a:lumMod val="50000"/>
+                </a:schemeClr>
+              </a:solidFill>
+              <a:prstDash val="dash"/>
+            </a:ln>
+          </p:spPr>
+          <p:txBody>
+            <a:bodyPr wrap="square" rtlCol="0">
+              <a:spAutoFit/>
+            </a:bodyPr>
+            <a:lstStyle/>
+            <a:p>
+              <a:r>
+                <a:rPr lang="en-US" sz="1400" dirty="0" smtClean="0"/>
+                <a:t>m d</a:t>
+              </a:r>
+              <a:r>
+                <a:rPr lang="en-US" sz="1400" baseline="30000" dirty="0" smtClean="0"/>
+                <a:t>-1</a:t>
+              </a:r>
+            </a:p>
+            <a:p>
+              <a:r>
+                <a:rPr lang="en-US" sz="1400" dirty="0" smtClean="0"/>
+                <a:t>cm s</a:t>
+              </a:r>
+              <a:r>
+                <a:rPr lang="en-US" sz="1400" baseline="30000" dirty="0" smtClean="0"/>
+                <a:t>-1</a:t>
+              </a:r>
+            </a:p>
+          </p:txBody>
+        </p:sp>
+        <p:grpSp>
+          <p:nvGrpSpPr>
+            <p:cNvPr id="152" name="Group 151"/>
+            <p:cNvGrpSpPr/>
+            <p:nvPr/>
+          </p:nvGrpSpPr>
+          <p:grpSpPr>
+            <a:xfrm>
+              <a:off x="5784913" y="1757365"/>
+              <a:ext cx="360000" cy="360000"/>
+              <a:chOff x="3218024" y="1580157"/>
+              <a:chExt cx="360000" cy="360000"/>
+            </a:xfrm>
+          </p:grpSpPr>
+          <p:sp>
+            <p:nvSpPr>
+              <p:cNvPr id="154" name="Isosceles Triangle 153"/>
+              <p:cNvSpPr/>
+              <p:nvPr/>
+            </p:nvSpPr>
+            <p:spPr>
+              <a:xfrm flipV="1">
+                <a:off x="3218024" y="1580157"/>
+                <a:ext cx="360000" cy="360000"/>
+              </a:xfrm>
+              <a:prstGeom prst="triangle">
+                <a:avLst/>
+              </a:prstGeom>
+            </p:spPr>
+            <p:style>
+              <a:lnRef idx="2">
+                <a:schemeClr val="accent1">
+                  <a:shade val="50000"/>
+                </a:schemeClr>
+              </a:lnRef>
+              <a:fillRef idx="1">
+                <a:schemeClr val="accent1"/>
+              </a:fillRef>
+              <a:effectRef idx="0">
+                <a:schemeClr val="accent1"/>
+              </a:effectRef>
+              <a:fontRef idx="minor">
+                <a:schemeClr val="lt1"/>
+              </a:fontRef>
+            </p:style>
+            <p:txBody>
+              <a:bodyPr rtlCol="0" anchor="ctr"/>
+              <a:lstStyle/>
+              <a:p>
+                <a:pPr algn="ctr"/>
+                <a:endParaRPr lang="en-US"/>
+              </a:p>
+            </p:txBody>
+          </p:sp>
+          <p:sp>
+            <p:nvSpPr>
+              <p:cNvPr id="155" name="TextBox 154"/>
+              <p:cNvSpPr txBox="1"/>
+              <p:nvPr/>
+            </p:nvSpPr>
+            <p:spPr>
+              <a:xfrm>
+                <a:off x="3218024" y="1580157"/>
+                <a:ext cx="360000" cy="360000"/>
+              </a:xfrm>
+              <a:prstGeom prst="rect">
+                <a:avLst/>
+              </a:prstGeom>
+              <a:noFill/>
+              <a:ln>
+                <a:solidFill>
+                  <a:schemeClr val="bg1">
+                    <a:lumMod val="50000"/>
+                  </a:schemeClr>
+                </a:solidFill>
+              </a:ln>
+            </p:spPr>
+            <p:txBody>
+              <a:bodyPr wrap="square" rtlCol="0">
+                <a:spAutoFit/>
+              </a:bodyPr>
+              <a:lstStyle/>
+              <a:p>
+                <a:endParaRPr lang="en-US" dirty="0">
+                  <a:solidFill>
+                    <a:schemeClr val="bg1">
+                      <a:lumMod val="75000"/>
+                    </a:schemeClr>
+                  </a:solidFill>
+                </a:endParaRPr>
+              </a:p>
+            </p:txBody>
+          </p:sp>
+        </p:grpSp>
+        <p:sp>
+          <p:nvSpPr>
+            <p:cNvPr id="153" name="TextBox 152"/>
+            <p:cNvSpPr txBox="1"/>
+            <p:nvPr/>
+          </p:nvSpPr>
+          <p:spPr>
+            <a:xfrm>
+              <a:off x="5211464" y="1759645"/>
+              <a:ext cx="565449" cy="360000"/>
+            </a:xfrm>
+            <a:prstGeom prst="rect">
+              <a:avLst/>
+            </a:prstGeom>
+            <a:noFill/>
+            <a:ln>
+              <a:solidFill>
+                <a:schemeClr val="bg1">
+                  <a:lumMod val="50000"/>
+                </a:schemeClr>
+              </a:solidFill>
+            </a:ln>
+          </p:spPr>
+          <p:txBody>
+            <a:bodyPr wrap="square" rtlCol="0">
+              <a:spAutoFit/>
+            </a:bodyPr>
+            <a:lstStyle/>
+            <a:p>
+              <a:r>
+                <a:rPr lang="en-US" dirty="0" smtClean="0">
+                  <a:solidFill>
+                    <a:schemeClr val="bg1">
+                      <a:lumMod val="75000"/>
+                    </a:schemeClr>
+                  </a:solidFill>
+                </a:rPr>
+                <a:t>unit</a:t>
+              </a:r>
+              <a:endParaRPr lang="en-US" dirty="0">
+                <a:solidFill>
+                  <a:schemeClr val="bg1">
+                    <a:lumMod val="75000"/>
+                  </a:schemeClr>
+                </a:solidFill>
+              </a:endParaRPr>
+            </a:p>
+          </p:txBody>
+        </p:sp>
+      </p:grpSp>
+      <p:grpSp>
+        <p:nvGrpSpPr>
+          <p:cNvPr id="156" name="Group 155"/>
+          <p:cNvGrpSpPr/>
+          <p:nvPr/>
+        </p:nvGrpSpPr>
+        <p:grpSpPr>
+          <a:xfrm>
+            <a:off x="6122039" y="1671448"/>
+            <a:ext cx="1869978" cy="883220"/>
+            <a:chOff x="4274936" y="1757365"/>
+            <a:chExt cx="1869978" cy="883220"/>
+          </a:xfrm>
+        </p:grpSpPr>
+        <p:sp>
+          <p:nvSpPr>
+            <p:cNvPr id="157" name="TextBox 156"/>
+            <p:cNvSpPr txBox="1"/>
+            <p:nvPr/>
+          </p:nvSpPr>
+          <p:spPr>
+            <a:xfrm>
+              <a:off x="4274936" y="1757823"/>
+              <a:ext cx="947520" cy="369332"/>
+            </a:xfrm>
+            <a:prstGeom prst="rect">
+              <a:avLst/>
+            </a:prstGeom>
+            <a:noFill/>
+            <a:ln>
+              <a:solidFill>
+                <a:schemeClr val="bg1">
+                  <a:lumMod val="50000"/>
+                </a:schemeClr>
+              </a:solidFill>
+            </a:ln>
+          </p:spPr>
+          <p:txBody>
+            <a:bodyPr wrap="square" rtlCol="0">
+              <a:spAutoFit/>
+            </a:bodyPr>
+            <a:lstStyle/>
+            <a:p>
+              <a:r>
+                <a:rPr lang="en-US" dirty="0" smtClean="0">
+                  <a:solidFill>
+                    <a:schemeClr val="bg1">
+                      <a:lumMod val="75000"/>
+                    </a:schemeClr>
+                  </a:solidFill>
+                </a:rPr>
+                <a:t>k-CH</a:t>
+              </a:r>
+              <a:r>
+                <a:rPr lang="en-US" baseline="-25000" dirty="0">
+                  <a:solidFill>
+                    <a:schemeClr val="bg1">
+                      <a:lumMod val="75000"/>
+                    </a:schemeClr>
+                  </a:solidFill>
+                </a:rPr>
+                <a:t>4</a:t>
+              </a:r>
+            </a:p>
+          </p:txBody>
+        </p:sp>
+        <p:sp>
+          <p:nvSpPr>
+            <p:cNvPr id="158" name="TextBox 157"/>
+            <p:cNvSpPr txBox="1"/>
+            <p:nvPr/>
+          </p:nvSpPr>
+          <p:spPr>
+            <a:xfrm>
+              <a:off x="5211464" y="2117365"/>
+              <a:ext cx="933450" cy="523220"/>
+            </a:xfrm>
+            <a:prstGeom prst="rect">
+              <a:avLst/>
+            </a:prstGeom>
+            <a:noFill/>
+            <a:ln>
+              <a:solidFill>
+                <a:schemeClr val="bg1">
+                  <a:lumMod val="50000"/>
+                </a:schemeClr>
+              </a:solidFill>
+              <a:prstDash val="dash"/>
+            </a:ln>
+          </p:spPr>
+          <p:txBody>
+            <a:bodyPr wrap="square" rtlCol="0">
+              <a:spAutoFit/>
+            </a:bodyPr>
+            <a:lstStyle/>
+            <a:p>
+              <a:r>
+                <a:rPr lang="en-US" sz="1400" dirty="0" smtClean="0"/>
+                <a:t>m d</a:t>
+              </a:r>
+              <a:r>
+                <a:rPr lang="en-US" sz="1400" baseline="30000" dirty="0" smtClean="0"/>
+                <a:t>-1</a:t>
+              </a:r>
+            </a:p>
+            <a:p>
+              <a:r>
+                <a:rPr lang="en-US" sz="1400" dirty="0" smtClean="0"/>
+                <a:t>cm s</a:t>
+              </a:r>
+              <a:r>
+                <a:rPr lang="en-US" sz="1400" baseline="30000" dirty="0" smtClean="0"/>
+                <a:t>-1</a:t>
+              </a:r>
+            </a:p>
+          </p:txBody>
+        </p:sp>
+        <p:grpSp>
+          <p:nvGrpSpPr>
+            <p:cNvPr id="159" name="Group 158"/>
+            <p:cNvGrpSpPr/>
+            <p:nvPr/>
+          </p:nvGrpSpPr>
+          <p:grpSpPr>
+            <a:xfrm>
+              <a:off x="5784913" y="1757365"/>
+              <a:ext cx="360000" cy="360000"/>
+              <a:chOff x="3218024" y="1580157"/>
+              <a:chExt cx="360000" cy="360000"/>
+            </a:xfrm>
+          </p:grpSpPr>
+          <p:sp>
+            <p:nvSpPr>
+              <p:cNvPr id="161" name="Isosceles Triangle 160"/>
+              <p:cNvSpPr/>
+              <p:nvPr/>
+            </p:nvSpPr>
+            <p:spPr>
+              <a:xfrm flipV="1">
+                <a:off x="3218024" y="1580157"/>
+                <a:ext cx="360000" cy="360000"/>
+              </a:xfrm>
+              <a:prstGeom prst="triangle">
+                <a:avLst/>
+              </a:prstGeom>
+            </p:spPr>
+            <p:style>
+              <a:lnRef idx="2">
+                <a:schemeClr val="accent1">
+                  <a:shade val="50000"/>
+                </a:schemeClr>
+              </a:lnRef>
+              <a:fillRef idx="1">
+                <a:schemeClr val="accent1"/>
+              </a:fillRef>
+              <a:effectRef idx="0">
+                <a:schemeClr val="accent1"/>
+              </a:effectRef>
+              <a:fontRef idx="minor">
+                <a:schemeClr val="lt1"/>
+              </a:fontRef>
+            </p:style>
+            <p:txBody>
+              <a:bodyPr rtlCol="0" anchor="ctr"/>
+              <a:lstStyle/>
+              <a:p>
+                <a:pPr algn="ctr"/>
+                <a:endParaRPr lang="en-US"/>
+              </a:p>
+            </p:txBody>
+          </p:sp>
+          <p:sp>
+            <p:nvSpPr>
+              <p:cNvPr id="162" name="TextBox 161"/>
+              <p:cNvSpPr txBox="1"/>
+              <p:nvPr/>
+            </p:nvSpPr>
+            <p:spPr>
+              <a:xfrm>
+                <a:off x="3218024" y="1580157"/>
+                <a:ext cx="360000" cy="360000"/>
+              </a:xfrm>
+              <a:prstGeom prst="rect">
+                <a:avLst/>
+              </a:prstGeom>
+              <a:noFill/>
+              <a:ln>
+                <a:solidFill>
+                  <a:schemeClr val="bg1">
+                    <a:lumMod val="50000"/>
+                  </a:schemeClr>
+                </a:solidFill>
+              </a:ln>
+            </p:spPr>
+            <p:txBody>
+              <a:bodyPr wrap="square" rtlCol="0">
+                <a:spAutoFit/>
+              </a:bodyPr>
+              <a:lstStyle/>
+              <a:p>
+                <a:endParaRPr lang="en-US" dirty="0">
+                  <a:solidFill>
+                    <a:schemeClr val="bg1">
+                      <a:lumMod val="75000"/>
+                    </a:schemeClr>
+                  </a:solidFill>
+                </a:endParaRPr>
+              </a:p>
+            </p:txBody>
+          </p:sp>
+        </p:grpSp>
+        <p:sp>
+          <p:nvSpPr>
+            <p:cNvPr id="160" name="TextBox 159"/>
+            <p:cNvSpPr txBox="1"/>
+            <p:nvPr/>
+          </p:nvSpPr>
+          <p:spPr>
+            <a:xfrm>
+              <a:off x="5211464" y="1759645"/>
+              <a:ext cx="565449" cy="360000"/>
+            </a:xfrm>
+            <a:prstGeom prst="rect">
+              <a:avLst/>
+            </a:prstGeom>
+            <a:noFill/>
+            <a:ln>
+              <a:solidFill>
+                <a:schemeClr val="bg1">
+                  <a:lumMod val="50000"/>
+                </a:schemeClr>
+              </a:solidFill>
+            </a:ln>
+          </p:spPr>
+          <p:txBody>
+            <a:bodyPr wrap="square" rtlCol="0">
+              <a:spAutoFit/>
+            </a:bodyPr>
+            <a:lstStyle/>
+            <a:p>
+              <a:r>
+                <a:rPr lang="en-US" dirty="0" smtClean="0">
+                  <a:solidFill>
+                    <a:schemeClr val="bg1">
+                      <a:lumMod val="75000"/>
+                    </a:schemeClr>
+                  </a:solidFill>
+                </a:rPr>
+                <a:t>unit</a:t>
+              </a:r>
+              <a:endParaRPr lang="en-US" dirty="0">
+                <a:solidFill>
+                  <a:schemeClr val="bg1">
+                    <a:lumMod val="75000"/>
+                  </a:schemeClr>
+                </a:solidFill>
+              </a:endParaRPr>
+            </a:p>
+          </p:txBody>
+        </p:sp>
+      </p:grpSp>
+      <p:grpSp>
+        <p:nvGrpSpPr>
+          <p:cNvPr id="163" name="Group 162"/>
+          <p:cNvGrpSpPr/>
+          <p:nvPr/>
+        </p:nvGrpSpPr>
+        <p:grpSpPr>
+          <a:xfrm>
+            <a:off x="8132052" y="1671448"/>
+            <a:ext cx="1919311" cy="883220"/>
+            <a:chOff x="4225603" y="1757365"/>
+            <a:chExt cx="1919311" cy="883220"/>
+          </a:xfrm>
+        </p:grpSpPr>
+        <p:sp>
+          <p:nvSpPr>
+            <p:cNvPr id="164" name="TextBox 163"/>
+            <p:cNvSpPr txBox="1"/>
+            <p:nvPr/>
+          </p:nvSpPr>
+          <p:spPr>
+            <a:xfrm>
+              <a:off x="4225603" y="1757823"/>
+              <a:ext cx="996853" cy="369332"/>
+            </a:xfrm>
+            <a:prstGeom prst="rect">
+              <a:avLst/>
+            </a:prstGeom>
+            <a:noFill/>
+            <a:ln>
+              <a:solidFill>
+                <a:schemeClr val="bg1">
+                  <a:lumMod val="50000"/>
+                </a:schemeClr>
+              </a:solidFill>
+            </a:ln>
+          </p:spPr>
+          <p:txBody>
+            <a:bodyPr wrap="square" rtlCol="0">
+              <a:spAutoFit/>
+            </a:bodyPr>
+            <a:lstStyle/>
+            <a:p>
+              <a:r>
+                <a:rPr lang="en-US" dirty="0" smtClean="0">
+                  <a:solidFill>
+                    <a:schemeClr val="bg1">
+                      <a:lumMod val="75000"/>
+                    </a:schemeClr>
+                  </a:solidFill>
+                </a:rPr>
+                <a:t>k</a:t>
+              </a:r>
+              <a:r>
+                <a:rPr lang="en-US" baseline="-25000" dirty="0" smtClean="0">
+                  <a:solidFill>
+                    <a:schemeClr val="bg1">
+                      <a:lumMod val="75000"/>
+                    </a:schemeClr>
+                  </a:solidFill>
+                </a:rPr>
+                <a:t>600</a:t>
+              </a:r>
+              <a:r>
+                <a:rPr lang="en-US" dirty="0" smtClean="0">
+                  <a:solidFill>
+                    <a:schemeClr val="bg1">
+                      <a:lumMod val="75000"/>
+                    </a:schemeClr>
+                  </a:solidFill>
+                </a:rPr>
+                <a:t>-N</a:t>
+              </a:r>
+              <a:r>
+                <a:rPr lang="en-US" baseline="-25000" dirty="0" smtClean="0">
+                  <a:solidFill>
+                    <a:schemeClr val="bg1">
+                      <a:lumMod val="75000"/>
+                    </a:schemeClr>
+                  </a:solidFill>
+                </a:rPr>
+                <a:t>2</a:t>
+              </a:r>
+              <a:r>
+                <a:rPr lang="en-US" dirty="0" smtClean="0">
+                  <a:solidFill>
+                    <a:schemeClr val="bg1">
+                      <a:lumMod val="75000"/>
+                    </a:schemeClr>
+                  </a:solidFill>
+                </a:rPr>
+                <a:t>O</a:t>
+              </a:r>
+              <a:endParaRPr lang="en-US" dirty="0">
+                <a:solidFill>
+                  <a:schemeClr val="bg1">
+                    <a:lumMod val="75000"/>
+                  </a:schemeClr>
+                </a:solidFill>
+              </a:endParaRPr>
+            </a:p>
+          </p:txBody>
+        </p:sp>
+        <p:sp>
+          <p:nvSpPr>
+            <p:cNvPr id="165" name="TextBox 164"/>
+            <p:cNvSpPr txBox="1"/>
+            <p:nvPr/>
+          </p:nvSpPr>
+          <p:spPr>
+            <a:xfrm>
+              <a:off x="5211464" y="2117365"/>
+              <a:ext cx="933450" cy="523220"/>
+            </a:xfrm>
+            <a:prstGeom prst="rect">
+              <a:avLst/>
+            </a:prstGeom>
+            <a:noFill/>
+            <a:ln>
+              <a:solidFill>
+                <a:schemeClr val="bg1">
+                  <a:lumMod val="50000"/>
+                </a:schemeClr>
+              </a:solidFill>
+              <a:prstDash val="dash"/>
+            </a:ln>
+          </p:spPr>
+          <p:txBody>
+            <a:bodyPr wrap="square" rtlCol="0">
+              <a:spAutoFit/>
+            </a:bodyPr>
+            <a:lstStyle/>
+            <a:p>
+              <a:r>
+                <a:rPr lang="en-US" sz="1400" dirty="0" smtClean="0"/>
+                <a:t>m d</a:t>
+              </a:r>
+              <a:r>
+                <a:rPr lang="en-US" sz="1400" baseline="30000" dirty="0" smtClean="0"/>
+                <a:t>-1</a:t>
+              </a:r>
+            </a:p>
+            <a:p>
+              <a:r>
+                <a:rPr lang="en-US" sz="1400" dirty="0" smtClean="0"/>
+                <a:t>cm s</a:t>
+              </a:r>
+              <a:r>
+                <a:rPr lang="en-US" sz="1400" baseline="30000" dirty="0" smtClean="0"/>
+                <a:t>-1</a:t>
+              </a:r>
+            </a:p>
+          </p:txBody>
+        </p:sp>
+        <p:grpSp>
+          <p:nvGrpSpPr>
+            <p:cNvPr id="166" name="Group 165"/>
+            <p:cNvGrpSpPr/>
+            <p:nvPr/>
+          </p:nvGrpSpPr>
+          <p:grpSpPr>
+            <a:xfrm>
+              <a:off x="5784913" y="1757365"/>
+              <a:ext cx="360000" cy="360000"/>
+              <a:chOff x="3218024" y="1580157"/>
+              <a:chExt cx="360000" cy="360000"/>
+            </a:xfrm>
+          </p:grpSpPr>
+          <p:sp>
+            <p:nvSpPr>
+              <p:cNvPr id="168" name="Isosceles Triangle 167"/>
+              <p:cNvSpPr/>
+              <p:nvPr/>
+            </p:nvSpPr>
+            <p:spPr>
+              <a:xfrm flipV="1">
+                <a:off x="3218024" y="1580157"/>
+                <a:ext cx="360000" cy="360000"/>
+              </a:xfrm>
+              <a:prstGeom prst="triangle">
+                <a:avLst/>
+              </a:prstGeom>
+            </p:spPr>
+            <p:style>
+              <a:lnRef idx="2">
+                <a:schemeClr val="accent1">
+                  <a:shade val="50000"/>
+                </a:schemeClr>
+              </a:lnRef>
+              <a:fillRef idx="1">
+                <a:schemeClr val="accent1"/>
+              </a:fillRef>
+              <a:effectRef idx="0">
+                <a:schemeClr val="accent1"/>
+              </a:effectRef>
+              <a:fontRef idx="minor">
+                <a:schemeClr val="lt1"/>
+              </a:fontRef>
+            </p:style>
+            <p:txBody>
+              <a:bodyPr rtlCol="0" anchor="ctr"/>
+              <a:lstStyle/>
+              <a:p>
+                <a:pPr algn="ctr"/>
+                <a:endParaRPr lang="en-US"/>
+              </a:p>
+            </p:txBody>
+          </p:sp>
+          <p:sp>
+            <p:nvSpPr>
+              <p:cNvPr id="169" name="TextBox 168"/>
+              <p:cNvSpPr txBox="1"/>
+              <p:nvPr/>
+            </p:nvSpPr>
+            <p:spPr>
+              <a:xfrm>
+                <a:off x="3218024" y="1580157"/>
+                <a:ext cx="360000" cy="360000"/>
+              </a:xfrm>
+              <a:prstGeom prst="rect">
+                <a:avLst/>
+              </a:prstGeom>
+              <a:noFill/>
+              <a:ln>
+                <a:solidFill>
+                  <a:schemeClr val="bg1">
+                    <a:lumMod val="50000"/>
+                  </a:schemeClr>
+                </a:solidFill>
+              </a:ln>
+            </p:spPr>
+            <p:txBody>
+              <a:bodyPr wrap="square" rtlCol="0">
+                <a:spAutoFit/>
+              </a:bodyPr>
+              <a:lstStyle/>
+              <a:p>
+                <a:endParaRPr lang="en-US" dirty="0">
+                  <a:solidFill>
+                    <a:schemeClr val="bg1">
+                      <a:lumMod val="75000"/>
+                    </a:schemeClr>
+                  </a:solidFill>
+                </a:endParaRPr>
+              </a:p>
+            </p:txBody>
+          </p:sp>
+        </p:grpSp>
+        <p:sp>
+          <p:nvSpPr>
+            <p:cNvPr id="167" name="TextBox 166"/>
+            <p:cNvSpPr txBox="1"/>
+            <p:nvPr/>
+          </p:nvSpPr>
+          <p:spPr>
+            <a:xfrm>
+              <a:off x="5211464" y="1759645"/>
+              <a:ext cx="565449" cy="360000"/>
+            </a:xfrm>
+            <a:prstGeom prst="rect">
+              <a:avLst/>
+            </a:prstGeom>
+            <a:noFill/>
+            <a:ln>
+              <a:solidFill>
+                <a:schemeClr val="bg1">
+                  <a:lumMod val="50000"/>
+                </a:schemeClr>
+              </a:solidFill>
+            </a:ln>
+          </p:spPr>
+          <p:txBody>
+            <a:bodyPr wrap="square" rtlCol="0">
+              <a:spAutoFit/>
+            </a:bodyPr>
+            <a:lstStyle/>
+            <a:p>
+              <a:r>
+                <a:rPr lang="en-US" dirty="0" smtClean="0">
+                  <a:solidFill>
+                    <a:schemeClr val="bg1">
+                      <a:lumMod val="75000"/>
+                    </a:schemeClr>
+                  </a:solidFill>
+                </a:rPr>
+                <a:t>unit</a:t>
+              </a:r>
+              <a:endParaRPr lang="en-US" dirty="0">
+                <a:solidFill>
+                  <a:schemeClr val="bg1">
+                    <a:lumMod val="75000"/>
+                  </a:schemeClr>
+                </a:solidFill>
+              </a:endParaRPr>
+            </a:p>
+          </p:txBody>
+        </p:sp>
+      </p:grpSp>
+      <p:grpSp>
+        <p:nvGrpSpPr>
+          <p:cNvPr id="170" name="Group 169"/>
+          <p:cNvGrpSpPr/>
+          <p:nvPr/>
+        </p:nvGrpSpPr>
+        <p:grpSpPr>
+          <a:xfrm>
+            <a:off x="10191396" y="1671448"/>
+            <a:ext cx="1869978" cy="883220"/>
+            <a:chOff x="4274936" y="1757365"/>
+            <a:chExt cx="1869978" cy="883220"/>
+          </a:xfrm>
+        </p:grpSpPr>
+        <p:sp>
+          <p:nvSpPr>
+            <p:cNvPr id="171" name="TextBox 170"/>
+            <p:cNvSpPr txBox="1"/>
+            <p:nvPr/>
+          </p:nvSpPr>
+          <p:spPr>
+            <a:xfrm>
+              <a:off x="4274936" y="1757823"/>
+              <a:ext cx="947520" cy="369332"/>
+            </a:xfrm>
+            <a:prstGeom prst="rect">
+              <a:avLst/>
+            </a:prstGeom>
+            <a:noFill/>
+            <a:ln>
+              <a:solidFill>
+                <a:schemeClr val="bg1">
+                  <a:lumMod val="50000"/>
+                </a:schemeClr>
+              </a:solidFill>
+            </a:ln>
+          </p:spPr>
+          <p:txBody>
+            <a:bodyPr wrap="square" rtlCol="0">
+              <a:spAutoFit/>
+            </a:bodyPr>
+            <a:lstStyle/>
+            <a:p>
+              <a:r>
+                <a:rPr lang="en-US" dirty="0" smtClean="0">
+                  <a:solidFill>
+                    <a:schemeClr val="bg1">
+                      <a:lumMod val="75000"/>
+                    </a:schemeClr>
+                  </a:solidFill>
+                </a:rPr>
+                <a:t>k-N</a:t>
+              </a:r>
+              <a:r>
+                <a:rPr lang="en-US" baseline="-25000" dirty="0">
+                  <a:solidFill>
+                    <a:schemeClr val="bg1">
+                      <a:lumMod val="75000"/>
+                    </a:schemeClr>
+                  </a:solidFill>
+                </a:rPr>
+                <a:t>2</a:t>
+              </a:r>
+              <a:r>
+                <a:rPr lang="en-US" dirty="0" smtClean="0">
+                  <a:solidFill>
+                    <a:schemeClr val="bg1">
+                      <a:lumMod val="75000"/>
+                    </a:schemeClr>
+                  </a:solidFill>
+                </a:rPr>
+                <a:t>O</a:t>
+              </a:r>
+              <a:endParaRPr lang="en-US" dirty="0">
+                <a:solidFill>
+                  <a:schemeClr val="bg1">
+                    <a:lumMod val="75000"/>
+                  </a:schemeClr>
+                </a:solidFill>
+              </a:endParaRPr>
+            </a:p>
+          </p:txBody>
+        </p:sp>
+        <p:sp>
+          <p:nvSpPr>
+            <p:cNvPr id="172" name="TextBox 171"/>
+            <p:cNvSpPr txBox="1"/>
+            <p:nvPr/>
+          </p:nvSpPr>
+          <p:spPr>
+            <a:xfrm>
+              <a:off x="5211464" y="2117365"/>
+              <a:ext cx="933450" cy="523220"/>
+            </a:xfrm>
+            <a:prstGeom prst="rect">
+              <a:avLst/>
+            </a:prstGeom>
+            <a:noFill/>
+            <a:ln>
+              <a:solidFill>
+                <a:schemeClr val="bg1">
+                  <a:lumMod val="50000"/>
+                </a:schemeClr>
+              </a:solidFill>
+              <a:prstDash val="dash"/>
+            </a:ln>
+          </p:spPr>
+          <p:txBody>
+            <a:bodyPr wrap="square" rtlCol="0">
+              <a:spAutoFit/>
+            </a:bodyPr>
+            <a:lstStyle/>
+            <a:p>
+              <a:r>
+                <a:rPr lang="en-US" sz="1400" dirty="0" smtClean="0"/>
+                <a:t>m d</a:t>
+              </a:r>
+              <a:r>
+                <a:rPr lang="en-US" sz="1400" baseline="30000" dirty="0" smtClean="0"/>
+                <a:t>-1</a:t>
+              </a:r>
+            </a:p>
+            <a:p>
+              <a:r>
+                <a:rPr lang="en-US" sz="1400" dirty="0" smtClean="0"/>
+                <a:t>cm s</a:t>
+              </a:r>
+              <a:r>
+                <a:rPr lang="en-US" sz="1400" baseline="30000" dirty="0" smtClean="0"/>
+                <a:t>-1</a:t>
+              </a:r>
+            </a:p>
+          </p:txBody>
+        </p:sp>
+        <p:grpSp>
+          <p:nvGrpSpPr>
+            <p:cNvPr id="173" name="Group 172"/>
+            <p:cNvGrpSpPr/>
+            <p:nvPr/>
+          </p:nvGrpSpPr>
+          <p:grpSpPr>
+            <a:xfrm>
+              <a:off x="5784913" y="1757365"/>
+              <a:ext cx="360000" cy="360000"/>
+              <a:chOff x="3218024" y="1580157"/>
+              <a:chExt cx="360000" cy="360000"/>
+            </a:xfrm>
+          </p:grpSpPr>
+          <p:sp>
+            <p:nvSpPr>
+              <p:cNvPr id="175" name="Isosceles Triangle 174"/>
+              <p:cNvSpPr/>
+              <p:nvPr/>
+            </p:nvSpPr>
+            <p:spPr>
+              <a:xfrm flipV="1">
+                <a:off x="3218024" y="1580157"/>
+                <a:ext cx="360000" cy="360000"/>
+              </a:xfrm>
+              <a:prstGeom prst="triangle">
+                <a:avLst/>
+              </a:prstGeom>
+            </p:spPr>
+            <p:style>
+              <a:lnRef idx="2">
+                <a:schemeClr val="accent1">
+                  <a:shade val="50000"/>
+                </a:schemeClr>
+              </a:lnRef>
+              <a:fillRef idx="1">
+                <a:schemeClr val="accent1"/>
+              </a:fillRef>
+              <a:effectRef idx="0">
+                <a:schemeClr val="accent1"/>
+              </a:effectRef>
+              <a:fontRef idx="minor">
+                <a:schemeClr val="lt1"/>
+              </a:fontRef>
+            </p:style>
+            <p:txBody>
+              <a:bodyPr rtlCol="0" anchor="ctr"/>
+              <a:lstStyle/>
+              <a:p>
+                <a:pPr algn="ctr"/>
+                <a:endParaRPr lang="en-US"/>
+              </a:p>
+            </p:txBody>
+          </p:sp>
+          <p:sp>
+            <p:nvSpPr>
+              <p:cNvPr id="176" name="TextBox 175"/>
+              <p:cNvSpPr txBox="1"/>
+              <p:nvPr/>
+            </p:nvSpPr>
+            <p:spPr>
+              <a:xfrm>
+                <a:off x="3218024" y="1580157"/>
+                <a:ext cx="360000" cy="360000"/>
+              </a:xfrm>
+              <a:prstGeom prst="rect">
+                <a:avLst/>
+              </a:prstGeom>
+              <a:noFill/>
+              <a:ln>
+                <a:solidFill>
+                  <a:schemeClr val="bg1">
+                    <a:lumMod val="50000"/>
+                  </a:schemeClr>
+                </a:solidFill>
+              </a:ln>
+            </p:spPr>
+            <p:txBody>
+              <a:bodyPr wrap="square" rtlCol="0">
+                <a:spAutoFit/>
+              </a:bodyPr>
+              <a:lstStyle/>
+              <a:p>
+                <a:endParaRPr lang="en-US" dirty="0">
+                  <a:solidFill>
+                    <a:schemeClr val="bg1">
+                      <a:lumMod val="75000"/>
+                    </a:schemeClr>
+                  </a:solidFill>
+                </a:endParaRPr>
+              </a:p>
+            </p:txBody>
+          </p:sp>
+        </p:grpSp>
+        <p:sp>
+          <p:nvSpPr>
+            <p:cNvPr id="174" name="TextBox 173"/>
+            <p:cNvSpPr txBox="1"/>
+            <p:nvPr/>
+          </p:nvSpPr>
+          <p:spPr>
+            <a:xfrm>
+              <a:off x="5211464" y="1759645"/>
+              <a:ext cx="565449" cy="360000"/>
+            </a:xfrm>
+            <a:prstGeom prst="rect">
+              <a:avLst/>
+            </a:prstGeom>
+            <a:noFill/>
+            <a:ln>
+              <a:solidFill>
+                <a:schemeClr val="bg1">
+                  <a:lumMod val="50000"/>
+                </a:schemeClr>
+              </a:solidFill>
+            </a:ln>
+          </p:spPr>
+          <p:txBody>
+            <a:bodyPr wrap="square" rtlCol="0">
+              <a:spAutoFit/>
+            </a:bodyPr>
+            <a:lstStyle/>
+            <a:p>
+              <a:r>
+                <a:rPr lang="en-US" dirty="0" smtClean="0">
+                  <a:solidFill>
+                    <a:schemeClr val="bg1">
+                      <a:lumMod val="75000"/>
+                    </a:schemeClr>
+                  </a:solidFill>
+                </a:rPr>
+                <a:t>unit</a:t>
+              </a:r>
+              <a:endParaRPr lang="en-US" dirty="0">
+                <a:solidFill>
+                  <a:schemeClr val="bg1">
+                    <a:lumMod val="75000"/>
+                  </a:schemeClr>
+                </a:solidFill>
+              </a:endParaRPr>
+            </a:p>
+          </p:txBody>
+        </p:sp>
+      </p:grpSp>
+      <p:grpSp>
+        <p:nvGrpSpPr>
+          <p:cNvPr id="177" name="Group 176"/>
+          <p:cNvGrpSpPr/>
+          <p:nvPr/>
+        </p:nvGrpSpPr>
+        <p:grpSpPr>
+          <a:xfrm>
+            <a:off x="202195" y="3558714"/>
+            <a:ext cx="1579782" cy="883220"/>
+            <a:chOff x="4565132" y="1757365"/>
+            <a:chExt cx="1579782" cy="883220"/>
+          </a:xfrm>
+        </p:grpSpPr>
+        <p:sp>
+          <p:nvSpPr>
+            <p:cNvPr id="178" name="TextBox 177"/>
+            <p:cNvSpPr txBox="1"/>
+            <p:nvPr/>
+          </p:nvSpPr>
+          <p:spPr>
+            <a:xfrm>
+              <a:off x="4565132" y="1757823"/>
+              <a:ext cx="657323" cy="369332"/>
+            </a:xfrm>
+            <a:prstGeom prst="rect">
+              <a:avLst/>
+            </a:prstGeom>
+            <a:noFill/>
+            <a:ln>
+              <a:solidFill>
+                <a:schemeClr val="bg1">
+                  <a:lumMod val="50000"/>
+                </a:schemeClr>
+              </a:solidFill>
+            </a:ln>
+          </p:spPr>
+          <p:txBody>
+            <a:bodyPr wrap="square" rtlCol="0">
+              <a:spAutoFit/>
+            </a:bodyPr>
+            <a:lstStyle/>
+            <a:p>
+              <a:r>
+                <a:rPr lang="en-US" dirty="0" smtClean="0">
+                  <a:solidFill>
+                    <a:schemeClr val="bg1">
+                      <a:lumMod val="75000"/>
+                    </a:schemeClr>
+                  </a:solidFill>
+                </a:rPr>
+                <a:t>DOC</a:t>
+              </a:r>
+              <a:endParaRPr lang="en-US" dirty="0">
+                <a:solidFill>
+                  <a:schemeClr val="bg1">
+                    <a:lumMod val="75000"/>
+                  </a:schemeClr>
+                </a:solidFill>
+              </a:endParaRPr>
+            </a:p>
+          </p:txBody>
+        </p:sp>
+        <p:sp>
+          <p:nvSpPr>
+            <p:cNvPr id="179" name="TextBox 178"/>
+            <p:cNvSpPr txBox="1"/>
+            <p:nvPr/>
+          </p:nvSpPr>
+          <p:spPr>
+            <a:xfrm>
+              <a:off x="5211464" y="2117365"/>
+              <a:ext cx="933450" cy="523220"/>
+            </a:xfrm>
+            <a:prstGeom prst="rect">
+              <a:avLst/>
+            </a:prstGeom>
+            <a:noFill/>
+            <a:ln>
+              <a:solidFill>
+                <a:schemeClr val="bg1">
+                  <a:lumMod val="50000"/>
+                </a:schemeClr>
+              </a:solidFill>
+              <a:prstDash val="dash"/>
+            </a:ln>
+          </p:spPr>
+          <p:txBody>
+            <a:bodyPr wrap="square" rtlCol="0">
+              <a:spAutoFit/>
+            </a:bodyPr>
+            <a:lstStyle/>
+            <a:p>
+              <a:r>
+                <a:rPr lang="en-US" sz="1400" dirty="0" smtClean="0"/>
+                <a:t>mg L</a:t>
+              </a:r>
+              <a:r>
+                <a:rPr lang="en-US" sz="1400" baseline="30000" dirty="0" smtClean="0"/>
+                <a:t>-1</a:t>
+              </a:r>
+            </a:p>
+            <a:p>
+              <a:r>
+                <a:rPr lang="en-US" sz="1400" dirty="0" smtClean="0">
+                  <a:latin typeface="Times New Roman" panose="02020603050405020304" pitchFamily="18" charset="0"/>
+                  <a:cs typeface="Times New Roman" panose="02020603050405020304" pitchFamily="18" charset="0"/>
+                </a:rPr>
+                <a:t>µ</a:t>
+              </a:r>
+              <a:r>
+                <a:rPr lang="en-US" sz="1400" dirty="0" err="1" smtClean="0">
+                  <a:latin typeface="Times New Roman" panose="02020603050405020304" pitchFamily="18" charset="0"/>
+                  <a:cs typeface="Times New Roman" panose="02020603050405020304" pitchFamily="18" charset="0"/>
+                </a:rPr>
+                <a:t>mol</a:t>
+              </a:r>
+              <a:r>
+                <a:rPr lang="en-US" sz="1400" dirty="0" smtClean="0">
+                  <a:latin typeface="Times New Roman" panose="02020603050405020304" pitchFamily="18" charset="0"/>
+                  <a:cs typeface="Times New Roman" panose="02020603050405020304" pitchFamily="18" charset="0"/>
+                </a:rPr>
+                <a:t> L</a:t>
+              </a:r>
+              <a:r>
+                <a:rPr lang="en-US" sz="1400" baseline="30000" dirty="0" smtClean="0">
+                  <a:latin typeface="Times New Roman" panose="02020603050405020304" pitchFamily="18" charset="0"/>
+                  <a:cs typeface="Times New Roman" panose="02020603050405020304" pitchFamily="18" charset="0"/>
+                </a:rPr>
+                <a:t>-1</a:t>
+              </a:r>
+              <a:endParaRPr lang="en-US" sz="1400" baseline="30000" dirty="0" smtClean="0"/>
+            </a:p>
+          </p:txBody>
+        </p:sp>
+        <p:grpSp>
+          <p:nvGrpSpPr>
+            <p:cNvPr id="180" name="Group 179"/>
+            <p:cNvGrpSpPr/>
+            <p:nvPr/>
+          </p:nvGrpSpPr>
+          <p:grpSpPr>
+            <a:xfrm>
+              <a:off x="5784913" y="1757365"/>
+              <a:ext cx="360000" cy="360000"/>
+              <a:chOff x="3218024" y="1580157"/>
+              <a:chExt cx="360000" cy="360000"/>
+            </a:xfrm>
+          </p:grpSpPr>
+          <p:sp>
+            <p:nvSpPr>
+              <p:cNvPr id="182" name="Isosceles Triangle 181"/>
+              <p:cNvSpPr/>
+              <p:nvPr/>
+            </p:nvSpPr>
+            <p:spPr>
+              <a:xfrm flipV="1">
+                <a:off x="3218024" y="1580157"/>
+                <a:ext cx="360000" cy="360000"/>
+              </a:xfrm>
+              <a:prstGeom prst="triangle">
+                <a:avLst/>
+              </a:prstGeom>
+            </p:spPr>
+            <p:style>
+              <a:lnRef idx="2">
+                <a:schemeClr val="accent1">
+                  <a:shade val="50000"/>
+                </a:schemeClr>
+              </a:lnRef>
+              <a:fillRef idx="1">
+                <a:schemeClr val="accent1"/>
+              </a:fillRef>
+              <a:effectRef idx="0">
+                <a:schemeClr val="accent1"/>
+              </a:effectRef>
+              <a:fontRef idx="minor">
+                <a:schemeClr val="lt1"/>
+              </a:fontRef>
+            </p:style>
+            <p:txBody>
+              <a:bodyPr rtlCol="0" anchor="ctr"/>
+              <a:lstStyle/>
+              <a:p>
+                <a:pPr algn="ctr"/>
+                <a:endParaRPr lang="en-US"/>
+              </a:p>
+            </p:txBody>
+          </p:sp>
+          <p:sp>
+            <p:nvSpPr>
+              <p:cNvPr id="183" name="TextBox 182"/>
+              <p:cNvSpPr txBox="1"/>
+              <p:nvPr/>
+            </p:nvSpPr>
+            <p:spPr>
+              <a:xfrm>
+                <a:off x="3218024" y="1580157"/>
+                <a:ext cx="360000" cy="360000"/>
+              </a:xfrm>
+              <a:prstGeom prst="rect">
+                <a:avLst/>
+              </a:prstGeom>
+              <a:noFill/>
+              <a:ln>
+                <a:solidFill>
+                  <a:schemeClr val="bg1">
+                    <a:lumMod val="50000"/>
+                  </a:schemeClr>
+                </a:solidFill>
+              </a:ln>
+            </p:spPr>
+            <p:txBody>
+              <a:bodyPr wrap="square" rtlCol="0">
+                <a:spAutoFit/>
+              </a:bodyPr>
+              <a:lstStyle/>
+              <a:p>
+                <a:endParaRPr lang="en-US" dirty="0">
+                  <a:solidFill>
+                    <a:schemeClr val="bg1">
+                      <a:lumMod val="75000"/>
+                    </a:schemeClr>
+                  </a:solidFill>
+                </a:endParaRPr>
+              </a:p>
+            </p:txBody>
+          </p:sp>
+        </p:grpSp>
+        <p:sp>
+          <p:nvSpPr>
+            <p:cNvPr id="181" name="TextBox 180"/>
+            <p:cNvSpPr txBox="1"/>
+            <p:nvPr/>
+          </p:nvSpPr>
+          <p:spPr>
+            <a:xfrm>
+              <a:off x="5211464" y="1759645"/>
+              <a:ext cx="565449" cy="360000"/>
+            </a:xfrm>
+            <a:prstGeom prst="rect">
+              <a:avLst/>
+            </a:prstGeom>
+            <a:noFill/>
+            <a:ln>
+              <a:solidFill>
+                <a:schemeClr val="bg1">
+                  <a:lumMod val="50000"/>
+                </a:schemeClr>
+              </a:solidFill>
+            </a:ln>
+          </p:spPr>
+          <p:txBody>
+            <a:bodyPr wrap="square" rtlCol="0">
+              <a:spAutoFit/>
+            </a:bodyPr>
+            <a:lstStyle/>
+            <a:p>
+              <a:r>
+                <a:rPr lang="en-US" dirty="0" smtClean="0">
+                  <a:solidFill>
+                    <a:schemeClr val="bg1">
+                      <a:lumMod val="75000"/>
+                    </a:schemeClr>
+                  </a:solidFill>
+                </a:rPr>
+                <a:t>unit</a:t>
+              </a:r>
+              <a:endParaRPr lang="en-US" dirty="0">
+                <a:solidFill>
+                  <a:schemeClr val="bg1">
+                    <a:lumMod val="75000"/>
+                  </a:schemeClr>
+                </a:solidFill>
+              </a:endParaRPr>
+            </a:p>
+          </p:txBody>
+        </p:sp>
+      </p:grpSp>
+      <p:grpSp>
+        <p:nvGrpSpPr>
+          <p:cNvPr id="184" name="Group 183"/>
+          <p:cNvGrpSpPr/>
+          <p:nvPr/>
+        </p:nvGrpSpPr>
+        <p:grpSpPr>
+          <a:xfrm>
+            <a:off x="1983120" y="3558714"/>
+            <a:ext cx="1579782" cy="883220"/>
+            <a:chOff x="4565132" y="1757365"/>
+            <a:chExt cx="1579782" cy="883220"/>
+          </a:xfrm>
+        </p:grpSpPr>
+        <p:sp>
+          <p:nvSpPr>
+            <p:cNvPr id="185" name="TextBox 184"/>
+            <p:cNvSpPr txBox="1"/>
+            <p:nvPr/>
+          </p:nvSpPr>
+          <p:spPr>
+            <a:xfrm>
+              <a:off x="4565132" y="1757823"/>
+              <a:ext cx="657323" cy="369332"/>
+            </a:xfrm>
+            <a:prstGeom prst="rect">
+              <a:avLst/>
+            </a:prstGeom>
+            <a:noFill/>
+            <a:ln>
+              <a:solidFill>
+                <a:schemeClr val="bg1">
+                  <a:lumMod val="50000"/>
+                </a:schemeClr>
+              </a:solidFill>
+            </a:ln>
+          </p:spPr>
+          <p:txBody>
+            <a:bodyPr wrap="square" rtlCol="0">
+              <a:spAutoFit/>
+            </a:bodyPr>
+            <a:lstStyle/>
+            <a:p>
+              <a:r>
+                <a:rPr lang="en-US" dirty="0" smtClean="0">
+                  <a:solidFill>
+                    <a:schemeClr val="bg1">
+                      <a:lumMod val="75000"/>
+                    </a:schemeClr>
+                  </a:solidFill>
+                </a:rPr>
+                <a:t>POC</a:t>
+              </a:r>
+              <a:endParaRPr lang="en-US" dirty="0">
+                <a:solidFill>
+                  <a:schemeClr val="bg1">
+                    <a:lumMod val="75000"/>
+                  </a:schemeClr>
+                </a:solidFill>
+              </a:endParaRPr>
+            </a:p>
+          </p:txBody>
+        </p:sp>
+        <p:sp>
+          <p:nvSpPr>
+            <p:cNvPr id="186" name="TextBox 185"/>
+            <p:cNvSpPr txBox="1"/>
+            <p:nvPr/>
+          </p:nvSpPr>
+          <p:spPr>
+            <a:xfrm>
+              <a:off x="5211464" y="2117365"/>
+              <a:ext cx="933450" cy="523220"/>
+            </a:xfrm>
+            <a:prstGeom prst="rect">
+              <a:avLst/>
+            </a:prstGeom>
+            <a:noFill/>
+            <a:ln>
+              <a:solidFill>
+                <a:schemeClr val="bg1">
+                  <a:lumMod val="50000"/>
+                </a:schemeClr>
+              </a:solidFill>
+              <a:prstDash val="dash"/>
+            </a:ln>
+          </p:spPr>
+          <p:txBody>
+            <a:bodyPr wrap="square" rtlCol="0">
+              <a:spAutoFit/>
+            </a:bodyPr>
+            <a:lstStyle/>
+            <a:p>
+              <a:r>
+                <a:rPr lang="en-US" sz="1400" dirty="0" smtClean="0"/>
+                <a:t>mg L</a:t>
+              </a:r>
+              <a:r>
+                <a:rPr lang="en-US" sz="1400" baseline="30000" dirty="0" smtClean="0"/>
+                <a:t>-1</a:t>
+              </a:r>
+            </a:p>
+            <a:p>
+              <a:r>
+                <a:rPr lang="en-US" sz="1400" dirty="0" smtClean="0">
+                  <a:latin typeface="Times New Roman" panose="02020603050405020304" pitchFamily="18" charset="0"/>
+                  <a:cs typeface="Times New Roman" panose="02020603050405020304" pitchFamily="18" charset="0"/>
+                </a:rPr>
+                <a:t>µ</a:t>
+              </a:r>
+              <a:r>
+                <a:rPr lang="en-US" sz="1400" dirty="0" err="1" smtClean="0">
+                  <a:latin typeface="Times New Roman" panose="02020603050405020304" pitchFamily="18" charset="0"/>
+                  <a:cs typeface="Times New Roman" panose="02020603050405020304" pitchFamily="18" charset="0"/>
+                </a:rPr>
+                <a:t>mol</a:t>
+              </a:r>
+              <a:r>
+                <a:rPr lang="en-US" sz="1400" dirty="0" smtClean="0">
+                  <a:latin typeface="Times New Roman" panose="02020603050405020304" pitchFamily="18" charset="0"/>
+                  <a:cs typeface="Times New Roman" panose="02020603050405020304" pitchFamily="18" charset="0"/>
+                </a:rPr>
+                <a:t> L</a:t>
+              </a:r>
+              <a:r>
+                <a:rPr lang="en-US" sz="1400" baseline="30000" dirty="0" smtClean="0">
+                  <a:latin typeface="Times New Roman" panose="02020603050405020304" pitchFamily="18" charset="0"/>
+                  <a:cs typeface="Times New Roman" panose="02020603050405020304" pitchFamily="18" charset="0"/>
+                </a:rPr>
+                <a:t>-1</a:t>
+              </a:r>
+              <a:endParaRPr lang="en-US" sz="1400" baseline="30000" dirty="0" smtClean="0"/>
+            </a:p>
+          </p:txBody>
+        </p:sp>
+        <p:grpSp>
+          <p:nvGrpSpPr>
+            <p:cNvPr id="187" name="Group 186"/>
+            <p:cNvGrpSpPr/>
+            <p:nvPr/>
+          </p:nvGrpSpPr>
+          <p:grpSpPr>
+            <a:xfrm>
+              <a:off x="5784913" y="1757365"/>
+              <a:ext cx="360000" cy="360000"/>
+              <a:chOff x="3218024" y="1580157"/>
+              <a:chExt cx="360000" cy="360000"/>
+            </a:xfrm>
+          </p:grpSpPr>
+          <p:sp>
+            <p:nvSpPr>
+              <p:cNvPr id="189" name="Isosceles Triangle 188"/>
+              <p:cNvSpPr/>
+              <p:nvPr/>
+            </p:nvSpPr>
+            <p:spPr>
+              <a:xfrm flipV="1">
+                <a:off x="3218024" y="1580157"/>
+                <a:ext cx="360000" cy="360000"/>
+              </a:xfrm>
+              <a:prstGeom prst="triangle">
+                <a:avLst/>
+              </a:prstGeom>
+            </p:spPr>
+            <p:style>
+              <a:lnRef idx="2">
+                <a:schemeClr val="accent1">
+                  <a:shade val="50000"/>
+                </a:schemeClr>
+              </a:lnRef>
+              <a:fillRef idx="1">
+                <a:schemeClr val="accent1"/>
+              </a:fillRef>
+              <a:effectRef idx="0">
+                <a:schemeClr val="accent1"/>
+              </a:effectRef>
+              <a:fontRef idx="minor">
+                <a:schemeClr val="lt1"/>
+              </a:fontRef>
+            </p:style>
+            <p:txBody>
+              <a:bodyPr rtlCol="0" anchor="ctr"/>
+              <a:lstStyle/>
+              <a:p>
+                <a:pPr algn="ctr"/>
+                <a:endParaRPr lang="en-US"/>
+              </a:p>
+            </p:txBody>
+          </p:sp>
+          <p:sp>
+            <p:nvSpPr>
+              <p:cNvPr id="190" name="TextBox 189"/>
+              <p:cNvSpPr txBox="1"/>
+              <p:nvPr/>
+            </p:nvSpPr>
+            <p:spPr>
+              <a:xfrm>
+                <a:off x="3218024" y="1580157"/>
+                <a:ext cx="360000" cy="360000"/>
+              </a:xfrm>
+              <a:prstGeom prst="rect">
+                <a:avLst/>
+              </a:prstGeom>
+              <a:noFill/>
+              <a:ln>
+                <a:solidFill>
+                  <a:schemeClr val="bg1">
+                    <a:lumMod val="50000"/>
+                  </a:schemeClr>
+                </a:solidFill>
+              </a:ln>
+            </p:spPr>
+            <p:txBody>
+              <a:bodyPr wrap="square" rtlCol="0">
+                <a:spAutoFit/>
+              </a:bodyPr>
+              <a:lstStyle/>
+              <a:p>
+                <a:endParaRPr lang="en-US" dirty="0">
+                  <a:solidFill>
+                    <a:schemeClr val="bg1">
+                      <a:lumMod val="75000"/>
+                    </a:schemeClr>
+                  </a:solidFill>
+                </a:endParaRPr>
+              </a:p>
+            </p:txBody>
+          </p:sp>
+        </p:grpSp>
+        <p:sp>
+          <p:nvSpPr>
+            <p:cNvPr id="188" name="TextBox 187"/>
+            <p:cNvSpPr txBox="1"/>
+            <p:nvPr/>
+          </p:nvSpPr>
+          <p:spPr>
+            <a:xfrm>
+              <a:off x="5211464" y="1759645"/>
+              <a:ext cx="565449" cy="360000"/>
+            </a:xfrm>
+            <a:prstGeom prst="rect">
+              <a:avLst/>
+            </a:prstGeom>
+            <a:noFill/>
+            <a:ln>
+              <a:solidFill>
+                <a:schemeClr val="bg1">
+                  <a:lumMod val="50000"/>
+                </a:schemeClr>
+              </a:solidFill>
+            </a:ln>
+          </p:spPr>
+          <p:txBody>
+            <a:bodyPr wrap="square" rtlCol="0">
+              <a:spAutoFit/>
+            </a:bodyPr>
+            <a:lstStyle/>
+            <a:p>
+              <a:r>
+                <a:rPr lang="en-US" dirty="0" smtClean="0">
+                  <a:solidFill>
+                    <a:schemeClr val="bg1">
+                      <a:lumMod val="75000"/>
+                    </a:schemeClr>
+                  </a:solidFill>
+                </a:rPr>
+                <a:t>unit</a:t>
+              </a:r>
+              <a:endParaRPr lang="en-US" dirty="0">
+                <a:solidFill>
+                  <a:schemeClr val="bg1">
+                    <a:lumMod val="75000"/>
+                  </a:schemeClr>
+                </a:solidFill>
+              </a:endParaRPr>
+            </a:p>
+          </p:txBody>
+        </p:sp>
+      </p:grpSp>
+      <p:grpSp>
+        <p:nvGrpSpPr>
+          <p:cNvPr id="191" name="Group 190"/>
+          <p:cNvGrpSpPr/>
+          <p:nvPr/>
+        </p:nvGrpSpPr>
+        <p:grpSpPr>
+          <a:xfrm>
+            <a:off x="3764045" y="3558714"/>
+            <a:ext cx="1579782" cy="883220"/>
+            <a:chOff x="4565132" y="1757365"/>
+            <a:chExt cx="1579782" cy="883220"/>
+          </a:xfrm>
+        </p:grpSpPr>
+        <p:sp>
+          <p:nvSpPr>
+            <p:cNvPr id="192" name="TextBox 191"/>
+            <p:cNvSpPr txBox="1"/>
+            <p:nvPr/>
+          </p:nvSpPr>
+          <p:spPr>
+            <a:xfrm>
+              <a:off x="4565132" y="1757823"/>
+              <a:ext cx="657323" cy="369332"/>
+            </a:xfrm>
+            <a:prstGeom prst="rect">
+              <a:avLst/>
+            </a:prstGeom>
+            <a:noFill/>
+            <a:ln>
+              <a:solidFill>
+                <a:schemeClr val="bg1">
+                  <a:lumMod val="50000"/>
+                </a:schemeClr>
+              </a:solidFill>
+            </a:ln>
+          </p:spPr>
+          <p:txBody>
+            <a:bodyPr wrap="square" rtlCol="0">
+              <a:spAutoFit/>
+            </a:bodyPr>
+            <a:lstStyle/>
+            <a:p>
+              <a:r>
+                <a:rPr lang="en-US" dirty="0">
+                  <a:solidFill>
+                    <a:schemeClr val="bg1">
+                      <a:lumMod val="75000"/>
+                    </a:schemeClr>
+                  </a:solidFill>
+                </a:rPr>
+                <a:t>T</a:t>
+              </a:r>
+              <a:r>
+                <a:rPr lang="en-US" dirty="0" smtClean="0">
+                  <a:solidFill>
+                    <a:schemeClr val="bg1">
+                      <a:lumMod val="75000"/>
+                    </a:schemeClr>
+                  </a:solidFill>
+                </a:rPr>
+                <a:t>OC</a:t>
+              </a:r>
+              <a:endParaRPr lang="en-US" dirty="0">
+                <a:solidFill>
+                  <a:schemeClr val="bg1">
+                    <a:lumMod val="75000"/>
+                  </a:schemeClr>
+                </a:solidFill>
+              </a:endParaRPr>
+            </a:p>
+          </p:txBody>
+        </p:sp>
+        <p:sp>
+          <p:nvSpPr>
+            <p:cNvPr id="193" name="TextBox 192"/>
+            <p:cNvSpPr txBox="1"/>
+            <p:nvPr/>
+          </p:nvSpPr>
+          <p:spPr>
+            <a:xfrm>
+              <a:off x="5211464" y="2117365"/>
+              <a:ext cx="933450" cy="523220"/>
+            </a:xfrm>
+            <a:prstGeom prst="rect">
+              <a:avLst/>
+            </a:prstGeom>
+            <a:noFill/>
+            <a:ln>
+              <a:solidFill>
+                <a:schemeClr val="bg1">
+                  <a:lumMod val="50000"/>
+                </a:schemeClr>
+              </a:solidFill>
+              <a:prstDash val="dash"/>
+            </a:ln>
+          </p:spPr>
+          <p:txBody>
+            <a:bodyPr wrap="square" rtlCol="0">
+              <a:spAutoFit/>
+            </a:bodyPr>
+            <a:lstStyle/>
+            <a:p>
+              <a:r>
+                <a:rPr lang="en-US" sz="1400" dirty="0" smtClean="0"/>
+                <a:t>mg L</a:t>
+              </a:r>
+              <a:r>
+                <a:rPr lang="en-US" sz="1400" baseline="30000" dirty="0" smtClean="0"/>
+                <a:t>-1</a:t>
+              </a:r>
+            </a:p>
+            <a:p>
+              <a:r>
+                <a:rPr lang="en-US" sz="1400" dirty="0" smtClean="0">
+                  <a:latin typeface="Times New Roman" panose="02020603050405020304" pitchFamily="18" charset="0"/>
+                  <a:cs typeface="Times New Roman" panose="02020603050405020304" pitchFamily="18" charset="0"/>
+                </a:rPr>
+                <a:t>µ</a:t>
+              </a:r>
+              <a:r>
+                <a:rPr lang="en-US" sz="1400" dirty="0" err="1" smtClean="0">
+                  <a:latin typeface="Times New Roman" panose="02020603050405020304" pitchFamily="18" charset="0"/>
+                  <a:cs typeface="Times New Roman" panose="02020603050405020304" pitchFamily="18" charset="0"/>
+                </a:rPr>
+                <a:t>mol</a:t>
+              </a:r>
+              <a:r>
+                <a:rPr lang="en-US" sz="1400" dirty="0" smtClean="0">
+                  <a:latin typeface="Times New Roman" panose="02020603050405020304" pitchFamily="18" charset="0"/>
+                  <a:cs typeface="Times New Roman" panose="02020603050405020304" pitchFamily="18" charset="0"/>
+                </a:rPr>
+                <a:t> L</a:t>
+              </a:r>
+              <a:r>
+                <a:rPr lang="en-US" sz="1400" baseline="30000" dirty="0" smtClean="0">
+                  <a:latin typeface="Times New Roman" panose="02020603050405020304" pitchFamily="18" charset="0"/>
+                  <a:cs typeface="Times New Roman" panose="02020603050405020304" pitchFamily="18" charset="0"/>
+                </a:rPr>
+                <a:t>-1</a:t>
+              </a:r>
+              <a:endParaRPr lang="en-US" sz="1400" baseline="30000" dirty="0" smtClean="0"/>
+            </a:p>
+          </p:txBody>
+        </p:sp>
+        <p:grpSp>
+          <p:nvGrpSpPr>
+            <p:cNvPr id="194" name="Group 193"/>
+            <p:cNvGrpSpPr/>
+            <p:nvPr/>
+          </p:nvGrpSpPr>
+          <p:grpSpPr>
+            <a:xfrm>
+              <a:off x="5784913" y="1757365"/>
+              <a:ext cx="360000" cy="360000"/>
+              <a:chOff x="3218024" y="1580157"/>
+              <a:chExt cx="360000" cy="360000"/>
+            </a:xfrm>
+          </p:grpSpPr>
+          <p:sp>
+            <p:nvSpPr>
+              <p:cNvPr id="196" name="Isosceles Triangle 195"/>
+              <p:cNvSpPr/>
+              <p:nvPr/>
+            </p:nvSpPr>
+            <p:spPr>
+              <a:xfrm flipV="1">
+                <a:off x="3218024" y="1580157"/>
+                <a:ext cx="360000" cy="360000"/>
+              </a:xfrm>
+              <a:prstGeom prst="triangle">
+                <a:avLst/>
+              </a:prstGeom>
+            </p:spPr>
+            <p:style>
+              <a:lnRef idx="2">
+                <a:schemeClr val="accent1">
+                  <a:shade val="50000"/>
+                </a:schemeClr>
+              </a:lnRef>
+              <a:fillRef idx="1">
+                <a:schemeClr val="accent1"/>
+              </a:fillRef>
+              <a:effectRef idx="0">
+                <a:schemeClr val="accent1"/>
+              </a:effectRef>
+              <a:fontRef idx="minor">
+                <a:schemeClr val="lt1"/>
+              </a:fontRef>
+            </p:style>
+            <p:txBody>
+              <a:bodyPr rtlCol="0" anchor="ctr"/>
+              <a:lstStyle/>
+              <a:p>
+                <a:pPr algn="ctr"/>
+                <a:endParaRPr lang="en-US"/>
+              </a:p>
+            </p:txBody>
+          </p:sp>
+          <p:sp>
+            <p:nvSpPr>
+              <p:cNvPr id="197" name="TextBox 196"/>
+              <p:cNvSpPr txBox="1"/>
+              <p:nvPr/>
+            </p:nvSpPr>
+            <p:spPr>
+              <a:xfrm>
+                <a:off x="3218024" y="1580157"/>
+                <a:ext cx="360000" cy="360000"/>
+              </a:xfrm>
+              <a:prstGeom prst="rect">
+                <a:avLst/>
+              </a:prstGeom>
+              <a:noFill/>
+              <a:ln>
+                <a:solidFill>
+                  <a:schemeClr val="bg1">
+                    <a:lumMod val="50000"/>
+                  </a:schemeClr>
+                </a:solidFill>
+              </a:ln>
+            </p:spPr>
+            <p:txBody>
+              <a:bodyPr wrap="square" rtlCol="0">
+                <a:spAutoFit/>
+              </a:bodyPr>
+              <a:lstStyle/>
+              <a:p>
+                <a:endParaRPr lang="en-US" dirty="0">
+                  <a:solidFill>
+                    <a:schemeClr val="bg1">
+                      <a:lumMod val="75000"/>
+                    </a:schemeClr>
+                  </a:solidFill>
+                </a:endParaRPr>
+              </a:p>
+            </p:txBody>
+          </p:sp>
+        </p:grpSp>
+        <p:sp>
+          <p:nvSpPr>
+            <p:cNvPr id="195" name="TextBox 194"/>
+            <p:cNvSpPr txBox="1"/>
+            <p:nvPr/>
+          </p:nvSpPr>
+          <p:spPr>
+            <a:xfrm>
+              <a:off x="5211464" y="1759645"/>
+              <a:ext cx="565449" cy="360000"/>
+            </a:xfrm>
+            <a:prstGeom prst="rect">
+              <a:avLst/>
+            </a:prstGeom>
+            <a:noFill/>
+            <a:ln>
+              <a:solidFill>
+                <a:schemeClr val="bg1">
+                  <a:lumMod val="50000"/>
+                </a:schemeClr>
+              </a:solidFill>
+            </a:ln>
+          </p:spPr>
+          <p:txBody>
+            <a:bodyPr wrap="square" rtlCol="0">
+              <a:spAutoFit/>
+            </a:bodyPr>
+            <a:lstStyle/>
+            <a:p>
+              <a:r>
+                <a:rPr lang="en-US" dirty="0" smtClean="0">
+                  <a:solidFill>
+                    <a:schemeClr val="bg1">
+                      <a:lumMod val="75000"/>
+                    </a:schemeClr>
+                  </a:solidFill>
+                </a:rPr>
+                <a:t>unit</a:t>
+              </a:r>
+              <a:endParaRPr lang="en-US" dirty="0">
+                <a:solidFill>
+                  <a:schemeClr val="bg1">
+                    <a:lumMod val="75000"/>
+                  </a:schemeClr>
+                </a:solidFill>
+              </a:endParaRPr>
+            </a:p>
+          </p:txBody>
+        </p:sp>
+      </p:grpSp>
+      <p:grpSp>
+        <p:nvGrpSpPr>
+          <p:cNvPr id="198" name="Group 197"/>
+          <p:cNvGrpSpPr/>
+          <p:nvPr/>
+        </p:nvGrpSpPr>
+        <p:grpSpPr>
+          <a:xfrm>
+            <a:off x="5544970" y="3558714"/>
+            <a:ext cx="1579782" cy="595962"/>
+            <a:chOff x="4565132" y="1757365"/>
+            <a:chExt cx="1579782" cy="595962"/>
+          </a:xfrm>
+        </p:grpSpPr>
+        <p:sp>
+          <p:nvSpPr>
+            <p:cNvPr id="199" name="TextBox 198"/>
+            <p:cNvSpPr txBox="1"/>
+            <p:nvPr/>
+          </p:nvSpPr>
+          <p:spPr>
+            <a:xfrm>
+              <a:off x="4565132" y="1757823"/>
+              <a:ext cx="657323" cy="369332"/>
+            </a:xfrm>
+            <a:prstGeom prst="rect">
+              <a:avLst/>
+            </a:prstGeom>
+            <a:noFill/>
+            <a:ln>
+              <a:solidFill>
+                <a:schemeClr val="bg1">
+                  <a:lumMod val="50000"/>
+                </a:schemeClr>
+              </a:solidFill>
+            </a:ln>
+          </p:spPr>
+          <p:txBody>
+            <a:bodyPr wrap="square" rtlCol="0">
+              <a:spAutoFit/>
+            </a:bodyPr>
+            <a:lstStyle/>
+            <a:p>
+              <a:r>
+                <a:rPr lang="en-US" dirty="0" smtClean="0">
+                  <a:solidFill>
+                    <a:schemeClr val="bg1">
+                      <a:lumMod val="75000"/>
+                    </a:schemeClr>
+                  </a:solidFill>
+                </a:rPr>
+                <a:t>pH</a:t>
+              </a:r>
+              <a:endParaRPr lang="en-US" dirty="0">
+                <a:solidFill>
+                  <a:schemeClr val="bg1">
+                    <a:lumMod val="75000"/>
+                  </a:schemeClr>
+                </a:solidFill>
+              </a:endParaRPr>
+            </a:p>
+          </p:txBody>
+        </p:sp>
+        <p:sp>
+          <p:nvSpPr>
+            <p:cNvPr id="200" name="TextBox 199"/>
+            <p:cNvSpPr txBox="1"/>
+            <p:nvPr/>
+          </p:nvSpPr>
+          <p:spPr>
+            <a:xfrm>
+              <a:off x="5211464" y="2117365"/>
+              <a:ext cx="933450" cy="235962"/>
+            </a:xfrm>
+            <a:prstGeom prst="rect">
+              <a:avLst/>
+            </a:prstGeom>
+            <a:noFill/>
+            <a:ln>
+              <a:solidFill>
+                <a:schemeClr val="bg1">
+                  <a:lumMod val="50000"/>
+                </a:schemeClr>
+              </a:solidFill>
+              <a:prstDash val="dash"/>
+            </a:ln>
+          </p:spPr>
+          <p:txBody>
+            <a:bodyPr wrap="square" rtlCol="0">
+              <a:spAutoFit/>
+            </a:bodyPr>
+            <a:lstStyle/>
+            <a:p>
+              <a:endParaRPr lang="en-US" sz="1400" baseline="30000" dirty="0" smtClean="0"/>
+            </a:p>
+          </p:txBody>
+        </p:sp>
+        <p:grpSp>
+          <p:nvGrpSpPr>
+            <p:cNvPr id="201" name="Group 200"/>
+            <p:cNvGrpSpPr/>
+            <p:nvPr/>
+          </p:nvGrpSpPr>
+          <p:grpSpPr>
+            <a:xfrm>
+              <a:off x="5784913" y="1757365"/>
+              <a:ext cx="360000" cy="360000"/>
+              <a:chOff x="3218024" y="1580157"/>
+              <a:chExt cx="360000" cy="360000"/>
+            </a:xfrm>
+          </p:grpSpPr>
+          <p:sp>
+            <p:nvSpPr>
+              <p:cNvPr id="203" name="Isosceles Triangle 202"/>
+              <p:cNvSpPr/>
+              <p:nvPr/>
+            </p:nvSpPr>
+            <p:spPr>
+              <a:xfrm flipV="1">
+                <a:off x="3218024" y="1580157"/>
+                <a:ext cx="360000" cy="360000"/>
+              </a:xfrm>
+              <a:prstGeom prst="triangle">
+                <a:avLst/>
+              </a:prstGeom>
+            </p:spPr>
+            <p:style>
+              <a:lnRef idx="2">
+                <a:schemeClr val="accent1">
+                  <a:shade val="50000"/>
+                </a:schemeClr>
+              </a:lnRef>
+              <a:fillRef idx="1">
+                <a:schemeClr val="accent1"/>
+              </a:fillRef>
+              <a:effectRef idx="0">
+                <a:schemeClr val="accent1"/>
+              </a:effectRef>
+              <a:fontRef idx="minor">
+                <a:schemeClr val="lt1"/>
+              </a:fontRef>
+            </p:style>
+            <p:txBody>
+              <a:bodyPr rtlCol="0" anchor="ctr"/>
+              <a:lstStyle/>
+              <a:p>
+                <a:pPr algn="ctr"/>
+                <a:endParaRPr lang="en-US"/>
+              </a:p>
+            </p:txBody>
+          </p:sp>
+          <p:sp>
+            <p:nvSpPr>
+              <p:cNvPr id="204" name="TextBox 203"/>
+              <p:cNvSpPr txBox="1"/>
+              <p:nvPr/>
+            </p:nvSpPr>
+            <p:spPr>
+              <a:xfrm>
+                <a:off x="3218024" y="1580157"/>
+                <a:ext cx="360000" cy="360000"/>
+              </a:xfrm>
+              <a:prstGeom prst="rect">
+                <a:avLst/>
+              </a:prstGeom>
+              <a:noFill/>
+              <a:ln>
+                <a:solidFill>
+                  <a:schemeClr val="bg1">
+                    <a:lumMod val="50000"/>
+                  </a:schemeClr>
+                </a:solidFill>
+              </a:ln>
+            </p:spPr>
+            <p:txBody>
+              <a:bodyPr wrap="square" rtlCol="0">
+                <a:spAutoFit/>
+              </a:bodyPr>
+              <a:lstStyle/>
+              <a:p>
+                <a:endParaRPr lang="en-US" dirty="0">
+                  <a:solidFill>
+                    <a:schemeClr val="bg1">
+                      <a:lumMod val="75000"/>
+                    </a:schemeClr>
+                  </a:solidFill>
+                </a:endParaRPr>
+              </a:p>
+            </p:txBody>
+          </p:sp>
+        </p:grpSp>
+        <p:sp>
+          <p:nvSpPr>
+            <p:cNvPr id="202" name="TextBox 201"/>
+            <p:cNvSpPr txBox="1"/>
+            <p:nvPr/>
+          </p:nvSpPr>
+          <p:spPr>
+            <a:xfrm>
+              <a:off x="5211464" y="1759645"/>
+              <a:ext cx="565449" cy="360000"/>
+            </a:xfrm>
+            <a:prstGeom prst="rect">
+              <a:avLst/>
+            </a:prstGeom>
+            <a:noFill/>
+            <a:ln>
+              <a:solidFill>
+                <a:schemeClr val="bg1">
+                  <a:lumMod val="50000"/>
+                </a:schemeClr>
+              </a:solidFill>
+            </a:ln>
+          </p:spPr>
+          <p:txBody>
+            <a:bodyPr wrap="square" rtlCol="0">
+              <a:spAutoFit/>
+            </a:bodyPr>
+            <a:lstStyle/>
+            <a:p>
+              <a:r>
+                <a:rPr lang="en-US" dirty="0" smtClean="0">
+                  <a:solidFill>
+                    <a:schemeClr val="bg1">
+                      <a:lumMod val="75000"/>
+                    </a:schemeClr>
+                  </a:solidFill>
+                </a:rPr>
+                <a:t>unit</a:t>
+              </a:r>
+              <a:endParaRPr lang="en-US" dirty="0">
+                <a:solidFill>
+                  <a:schemeClr val="bg1">
+                    <a:lumMod val="75000"/>
+                  </a:schemeClr>
+                </a:solidFill>
+              </a:endParaRPr>
+            </a:p>
+          </p:txBody>
+        </p:sp>
+      </p:grpSp>
+      <p:grpSp>
+        <p:nvGrpSpPr>
+          <p:cNvPr id="205" name="Group 204"/>
+          <p:cNvGrpSpPr/>
+          <p:nvPr/>
+        </p:nvGrpSpPr>
+        <p:grpSpPr>
+          <a:xfrm>
+            <a:off x="7325896" y="3558714"/>
+            <a:ext cx="2051450" cy="883220"/>
+            <a:chOff x="4093464" y="1757365"/>
+            <a:chExt cx="2051450" cy="883220"/>
+          </a:xfrm>
+        </p:grpSpPr>
+        <p:sp>
+          <p:nvSpPr>
+            <p:cNvPr id="206" name="TextBox 205"/>
+            <p:cNvSpPr txBox="1"/>
+            <p:nvPr/>
+          </p:nvSpPr>
+          <p:spPr>
+            <a:xfrm>
+              <a:off x="4093464" y="1757823"/>
+              <a:ext cx="1128991" cy="369332"/>
+            </a:xfrm>
+            <a:prstGeom prst="rect">
+              <a:avLst/>
+            </a:prstGeom>
+            <a:noFill/>
+            <a:ln>
+              <a:solidFill>
+                <a:schemeClr val="bg1">
+                  <a:lumMod val="50000"/>
+                </a:schemeClr>
+              </a:solidFill>
+            </a:ln>
+          </p:spPr>
+          <p:txBody>
+            <a:bodyPr wrap="square" rtlCol="0">
+              <a:spAutoFit/>
+            </a:bodyPr>
+            <a:lstStyle/>
+            <a:p>
+              <a:r>
+                <a:rPr lang="en-US" dirty="0" smtClean="0">
+                  <a:solidFill>
+                    <a:schemeClr val="bg1">
+                      <a:lumMod val="75000"/>
+                    </a:schemeClr>
+                  </a:solidFill>
+                </a:rPr>
+                <a:t>Alkalinity</a:t>
+              </a:r>
+              <a:endParaRPr lang="en-US" dirty="0">
+                <a:solidFill>
+                  <a:schemeClr val="bg1">
+                    <a:lumMod val="75000"/>
+                  </a:schemeClr>
+                </a:solidFill>
+              </a:endParaRPr>
+            </a:p>
+          </p:txBody>
+        </p:sp>
+        <p:sp>
+          <p:nvSpPr>
+            <p:cNvPr id="207" name="TextBox 206"/>
+            <p:cNvSpPr txBox="1"/>
+            <p:nvPr/>
+          </p:nvSpPr>
+          <p:spPr>
+            <a:xfrm>
+              <a:off x="5211464" y="2117365"/>
+              <a:ext cx="933450" cy="523220"/>
+            </a:xfrm>
+            <a:prstGeom prst="rect">
+              <a:avLst/>
+            </a:prstGeom>
+            <a:noFill/>
+            <a:ln>
+              <a:solidFill>
+                <a:schemeClr val="bg1">
+                  <a:lumMod val="50000"/>
+                </a:schemeClr>
+              </a:solidFill>
+              <a:prstDash val="dash"/>
+            </a:ln>
+          </p:spPr>
+          <p:txBody>
+            <a:bodyPr wrap="square" rtlCol="0">
+              <a:spAutoFit/>
+            </a:bodyPr>
+            <a:lstStyle/>
+            <a:p>
+              <a:r>
+                <a:rPr lang="en-US" sz="1400" dirty="0" smtClean="0"/>
+                <a:t>mg CaCO</a:t>
+              </a:r>
+              <a:r>
+                <a:rPr lang="en-US" sz="1400" baseline="-25000" dirty="0" smtClean="0"/>
+                <a:t>3</a:t>
+              </a:r>
+            </a:p>
+            <a:p>
+              <a:r>
+                <a:rPr lang="en-US" sz="1400" dirty="0" smtClean="0">
+                  <a:latin typeface="Times New Roman" panose="02020603050405020304" pitchFamily="18" charset="0"/>
+                  <a:cs typeface="Times New Roman" panose="02020603050405020304" pitchFamily="18" charset="0"/>
+                </a:rPr>
+                <a:t>µ</a:t>
+              </a:r>
+              <a:r>
+                <a:rPr lang="en-US" sz="1400" dirty="0" err="1" smtClean="0">
+                  <a:latin typeface="Times New Roman" panose="02020603050405020304" pitchFamily="18" charset="0"/>
+                  <a:cs typeface="Times New Roman" panose="02020603050405020304" pitchFamily="18" charset="0"/>
+                </a:rPr>
+                <a:t>mol</a:t>
+              </a:r>
+              <a:r>
+                <a:rPr lang="en-US" sz="1400" dirty="0" smtClean="0">
+                  <a:latin typeface="Times New Roman" panose="02020603050405020304" pitchFamily="18" charset="0"/>
+                  <a:cs typeface="Times New Roman" panose="02020603050405020304" pitchFamily="18" charset="0"/>
+                </a:rPr>
+                <a:t> L</a:t>
+              </a:r>
+              <a:r>
+                <a:rPr lang="en-US" sz="1400" baseline="30000" dirty="0" smtClean="0">
+                  <a:latin typeface="Times New Roman" panose="02020603050405020304" pitchFamily="18" charset="0"/>
+                  <a:cs typeface="Times New Roman" panose="02020603050405020304" pitchFamily="18" charset="0"/>
+                </a:rPr>
+                <a:t>-1</a:t>
+              </a:r>
+              <a:endParaRPr lang="en-US" sz="1400" baseline="30000" dirty="0" smtClean="0"/>
+            </a:p>
+          </p:txBody>
+        </p:sp>
+        <p:grpSp>
+          <p:nvGrpSpPr>
+            <p:cNvPr id="208" name="Group 207"/>
+            <p:cNvGrpSpPr/>
+            <p:nvPr/>
+          </p:nvGrpSpPr>
+          <p:grpSpPr>
+            <a:xfrm>
+              <a:off x="5784913" y="1757365"/>
+              <a:ext cx="360000" cy="360000"/>
+              <a:chOff x="3218024" y="1580157"/>
+              <a:chExt cx="360000" cy="360000"/>
+            </a:xfrm>
+          </p:grpSpPr>
+          <p:sp>
+            <p:nvSpPr>
+              <p:cNvPr id="210" name="Isosceles Triangle 209"/>
+              <p:cNvSpPr/>
+              <p:nvPr/>
+            </p:nvSpPr>
+            <p:spPr>
+              <a:xfrm flipV="1">
+                <a:off x="3218024" y="1580157"/>
+                <a:ext cx="360000" cy="360000"/>
+              </a:xfrm>
+              <a:prstGeom prst="triangle">
+                <a:avLst/>
+              </a:prstGeom>
+            </p:spPr>
+            <p:style>
+              <a:lnRef idx="2">
+                <a:schemeClr val="accent1">
+                  <a:shade val="50000"/>
+                </a:schemeClr>
+              </a:lnRef>
+              <a:fillRef idx="1">
+                <a:schemeClr val="accent1"/>
+              </a:fillRef>
+              <a:effectRef idx="0">
+                <a:schemeClr val="accent1"/>
+              </a:effectRef>
+              <a:fontRef idx="minor">
+                <a:schemeClr val="lt1"/>
+              </a:fontRef>
+            </p:style>
+            <p:txBody>
+              <a:bodyPr rtlCol="0" anchor="ctr"/>
+              <a:lstStyle/>
+              <a:p>
+                <a:pPr algn="ctr"/>
+                <a:endParaRPr lang="en-US"/>
+              </a:p>
+            </p:txBody>
+          </p:sp>
+          <p:sp>
+            <p:nvSpPr>
+              <p:cNvPr id="211" name="TextBox 210"/>
+              <p:cNvSpPr txBox="1"/>
+              <p:nvPr/>
+            </p:nvSpPr>
+            <p:spPr>
+              <a:xfrm>
+                <a:off x="3218024" y="1580157"/>
+                <a:ext cx="360000" cy="360000"/>
+              </a:xfrm>
+              <a:prstGeom prst="rect">
+                <a:avLst/>
+              </a:prstGeom>
+              <a:noFill/>
+              <a:ln>
+                <a:solidFill>
+                  <a:schemeClr val="bg1">
+                    <a:lumMod val="50000"/>
+                  </a:schemeClr>
+                </a:solidFill>
+              </a:ln>
+            </p:spPr>
+            <p:txBody>
+              <a:bodyPr wrap="square" rtlCol="0">
+                <a:spAutoFit/>
+              </a:bodyPr>
+              <a:lstStyle/>
+              <a:p>
+                <a:endParaRPr lang="en-US" dirty="0">
+                  <a:solidFill>
+                    <a:schemeClr val="bg1">
+                      <a:lumMod val="75000"/>
+                    </a:schemeClr>
+                  </a:solidFill>
+                </a:endParaRPr>
+              </a:p>
+            </p:txBody>
+          </p:sp>
+        </p:grpSp>
+        <p:sp>
+          <p:nvSpPr>
+            <p:cNvPr id="209" name="TextBox 208"/>
+            <p:cNvSpPr txBox="1"/>
+            <p:nvPr/>
+          </p:nvSpPr>
+          <p:spPr>
+            <a:xfrm>
+              <a:off x="5211464" y="1759645"/>
+              <a:ext cx="565449" cy="360000"/>
+            </a:xfrm>
+            <a:prstGeom prst="rect">
+              <a:avLst/>
+            </a:prstGeom>
+            <a:noFill/>
+            <a:ln>
+              <a:solidFill>
+                <a:schemeClr val="bg1">
+                  <a:lumMod val="50000"/>
+                </a:schemeClr>
+              </a:solidFill>
+            </a:ln>
+          </p:spPr>
+          <p:txBody>
+            <a:bodyPr wrap="square" rtlCol="0">
+              <a:spAutoFit/>
+            </a:bodyPr>
+            <a:lstStyle/>
+            <a:p>
+              <a:r>
+                <a:rPr lang="en-US" dirty="0" smtClean="0">
+                  <a:solidFill>
+                    <a:schemeClr val="bg1">
+                      <a:lumMod val="75000"/>
+                    </a:schemeClr>
+                  </a:solidFill>
+                </a:rPr>
+                <a:t>unit</a:t>
+              </a:r>
+              <a:endParaRPr lang="en-US" dirty="0">
+                <a:solidFill>
+                  <a:schemeClr val="bg1">
+                    <a:lumMod val="75000"/>
+                  </a:schemeClr>
+                </a:solidFill>
+              </a:endParaRPr>
+            </a:p>
+          </p:txBody>
+        </p:sp>
+      </p:grpSp>
+      <p:grpSp>
+        <p:nvGrpSpPr>
+          <p:cNvPr id="212" name="Group 211"/>
+          <p:cNvGrpSpPr/>
+          <p:nvPr/>
+        </p:nvGrpSpPr>
+        <p:grpSpPr>
+          <a:xfrm>
+            <a:off x="382195" y="5305889"/>
+            <a:ext cx="1579782" cy="667777"/>
+            <a:chOff x="4565132" y="1757365"/>
+            <a:chExt cx="1579782" cy="667777"/>
+          </a:xfrm>
+        </p:grpSpPr>
+        <p:sp>
+          <p:nvSpPr>
+            <p:cNvPr id="213" name="TextBox 212"/>
+            <p:cNvSpPr txBox="1"/>
+            <p:nvPr/>
+          </p:nvSpPr>
+          <p:spPr>
+            <a:xfrm>
+              <a:off x="4565132" y="1757823"/>
+              <a:ext cx="657323" cy="369332"/>
+            </a:xfrm>
+            <a:prstGeom prst="rect">
+              <a:avLst/>
+            </a:prstGeom>
+            <a:noFill/>
+            <a:ln>
+              <a:solidFill>
+                <a:schemeClr val="bg1">
+                  <a:lumMod val="50000"/>
+                </a:schemeClr>
+              </a:solidFill>
+            </a:ln>
+          </p:spPr>
+          <p:txBody>
+            <a:bodyPr wrap="square" rtlCol="0">
+              <a:spAutoFit/>
+            </a:bodyPr>
+            <a:lstStyle/>
+            <a:p>
+              <a:r>
+                <a:rPr lang="en-US" dirty="0" smtClean="0">
+                  <a:solidFill>
+                    <a:schemeClr val="bg1">
+                      <a:lumMod val="75000"/>
+                    </a:schemeClr>
+                  </a:solidFill>
+                </a:rPr>
+                <a:t>DO</a:t>
+              </a:r>
+              <a:endParaRPr lang="en-US" dirty="0">
+                <a:solidFill>
+                  <a:schemeClr val="bg1">
+                    <a:lumMod val="75000"/>
+                  </a:schemeClr>
+                </a:solidFill>
+              </a:endParaRPr>
+            </a:p>
+          </p:txBody>
+        </p:sp>
+        <p:sp>
+          <p:nvSpPr>
+            <p:cNvPr id="214" name="TextBox 213"/>
+            <p:cNvSpPr txBox="1"/>
+            <p:nvPr/>
+          </p:nvSpPr>
+          <p:spPr>
+            <a:xfrm>
+              <a:off x="5211464" y="2117365"/>
+              <a:ext cx="933450" cy="307777"/>
+            </a:xfrm>
+            <a:prstGeom prst="rect">
+              <a:avLst/>
+            </a:prstGeom>
+            <a:noFill/>
+            <a:ln>
+              <a:solidFill>
+                <a:schemeClr val="bg1">
+                  <a:lumMod val="50000"/>
+                </a:schemeClr>
+              </a:solidFill>
+              <a:prstDash val="dash"/>
+            </a:ln>
+          </p:spPr>
+          <p:txBody>
+            <a:bodyPr wrap="square" rtlCol="0">
+              <a:spAutoFit/>
+            </a:bodyPr>
+            <a:lstStyle/>
+            <a:p>
+              <a:r>
+                <a:rPr lang="en-US" sz="1400" dirty="0" smtClean="0"/>
+                <a:t>mg L</a:t>
+              </a:r>
+              <a:r>
+                <a:rPr lang="en-US" sz="1400" baseline="30000" dirty="0" smtClean="0"/>
+                <a:t>-1</a:t>
+              </a:r>
+            </a:p>
+          </p:txBody>
+        </p:sp>
+        <p:grpSp>
+          <p:nvGrpSpPr>
+            <p:cNvPr id="215" name="Group 214"/>
+            <p:cNvGrpSpPr/>
+            <p:nvPr/>
+          </p:nvGrpSpPr>
+          <p:grpSpPr>
+            <a:xfrm>
+              <a:off x="5784913" y="1757365"/>
+              <a:ext cx="360000" cy="360000"/>
+              <a:chOff x="3218024" y="1580157"/>
+              <a:chExt cx="360000" cy="360000"/>
+            </a:xfrm>
+          </p:grpSpPr>
+          <p:sp>
+            <p:nvSpPr>
+              <p:cNvPr id="217" name="Isosceles Triangle 216"/>
+              <p:cNvSpPr/>
+              <p:nvPr/>
+            </p:nvSpPr>
+            <p:spPr>
+              <a:xfrm flipV="1">
+                <a:off x="3218024" y="1580157"/>
+                <a:ext cx="360000" cy="360000"/>
+              </a:xfrm>
+              <a:prstGeom prst="triangle">
+                <a:avLst/>
+              </a:prstGeom>
+            </p:spPr>
+            <p:style>
+              <a:lnRef idx="2">
+                <a:schemeClr val="accent1">
+                  <a:shade val="50000"/>
+                </a:schemeClr>
+              </a:lnRef>
+              <a:fillRef idx="1">
+                <a:schemeClr val="accent1"/>
+              </a:fillRef>
+              <a:effectRef idx="0">
+                <a:schemeClr val="accent1"/>
+              </a:effectRef>
+              <a:fontRef idx="minor">
+                <a:schemeClr val="lt1"/>
+              </a:fontRef>
+            </p:style>
+            <p:txBody>
+              <a:bodyPr rtlCol="0" anchor="ctr"/>
+              <a:lstStyle/>
+              <a:p>
+                <a:pPr algn="ctr"/>
+                <a:endParaRPr lang="en-US"/>
+              </a:p>
+            </p:txBody>
+          </p:sp>
+          <p:sp>
+            <p:nvSpPr>
+              <p:cNvPr id="218" name="TextBox 217"/>
+              <p:cNvSpPr txBox="1"/>
+              <p:nvPr/>
+            </p:nvSpPr>
+            <p:spPr>
+              <a:xfrm>
+                <a:off x="3218024" y="1580157"/>
+                <a:ext cx="360000" cy="360000"/>
+              </a:xfrm>
+              <a:prstGeom prst="rect">
+                <a:avLst/>
+              </a:prstGeom>
+              <a:noFill/>
+              <a:ln>
+                <a:solidFill>
+                  <a:schemeClr val="bg1">
+                    <a:lumMod val="50000"/>
+                  </a:schemeClr>
+                </a:solidFill>
+              </a:ln>
+            </p:spPr>
+            <p:txBody>
+              <a:bodyPr wrap="square" rtlCol="0">
+                <a:spAutoFit/>
+              </a:bodyPr>
+              <a:lstStyle/>
+              <a:p>
+                <a:endParaRPr lang="en-US" dirty="0">
+                  <a:solidFill>
+                    <a:schemeClr val="bg1">
+                      <a:lumMod val="75000"/>
+                    </a:schemeClr>
+                  </a:solidFill>
+                </a:endParaRPr>
+              </a:p>
+            </p:txBody>
+          </p:sp>
+        </p:grpSp>
+        <p:sp>
+          <p:nvSpPr>
+            <p:cNvPr id="216" name="TextBox 215"/>
+            <p:cNvSpPr txBox="1"/>
+            <p:nvPr/>
+          </p:nvSpPr>
+          <p:spPr>
+            <a:xfrm>
+              <a:off x="5211464" y="1759645"/>
+              <a:ext cx="565449" cy="360000"/>
+            </a:xfrm>
+            <a:prstGeom prst="rect">
+              <a:avLst/>
+            </a:prstGeom>
+            <a:noFill/>
+            <a:ln>
+              <a:solidFill>
+                <a:schemeClr val="bg1">
+                  <a:lumMod val="50000"/>
+                </a:schemeClr>
+              </a:solidFill>
+            </a:ln>
+          </p:spPr>
+          <p:txBody>
+            <a:bodyPr wrap="square" rtlCol="0">
+              <a:spAutoFit/>
+            </a:bodyPr>
+            <a:lstStyle/>
+            <a:p>
+              <a:r>
+                <a:rPr lang="en-US" dirty="0" smtClean="0">
+                  <a:solidFill>
+                    <a:schemeClr val="bg1">
+                      <a:lumMod val="75000"/>
+                    </a:schemeClr>
+                  </a:solidFill>
+                </a:rPr>
+                <a:t>unit</a:t>
+              </a:r>
+              <a:endParaRPr lang="en-US" dirty="0">
+                <a:solidFill>
+                  <a:schemeClr val="bg1">
+                    <a:lumMod val="75000"/>
+                  </a:schemeClr>
+                </a:solidFill>
+              </a:endParaRPr>
+            </a:p>
+          </p:txBody>
+        </p:sp>
+      </p:grpSp>
+      <p:grpSp>
+        <p:nvGrpSpPr>
+          <p:cNvPr id="219" name="Group 218"/>
+          <p:cNvGrpSpPr/>
+          <p:nvPr/>
+        </p:nvGrpSpPr>
+        <p:grpSpPr>
+          <a:xfrm>
+            <a:off x="3395953" y="5305889"/>
+            <a:ext cx="1579782" cy="667777"/>
+            <a:chOff x="4565132" y="1757365"/>
+            <a:chExt cx="1579782" cy="667777"/>
+          </a:xfrm>
+        </p:grpSpPr>
+        <p:sp>
+          <p:nvSpPr>
+            <p:cNvPr id="220" name="TextBox 219"/>
+            <p:cNvSpPr txBox="1"/>
+            <p:nvPr/>
+          </p:nvSpPr>
+          <p:spPr>
+            <a:xfrm>
+              <a:off x="4565132" y="1757823"/>
+              <a:ext cx="657323" cy="369332"/>
+            </a:xfrm>
+            <a:prstGeom prst="rect">
+              <a:avLst/>
+            </a:prstGeom>
+            <a:noFill/>
+            <a:ln>
+              <a:solidFill>
+                <a:schemeClr val="bg1">
+                  <a:lumMod val="50000"/>
+                </a:schemeClr>
+              </a:solidFill>
+            </a:ln>
+          </p:spPr>
+          <p:txBody>
+            <a:bodyPr wrap="square" rtlCol="0">
+              <a:spAutoFit/>
+            </a:bodyPr>
+            <a:lstStyle/>
+            <a:p>
+              <a:r>
+                <a:rPr lang="en-US" dirty="0" smtClean="0">
+                  <a:solidFill>
+                    <a:schemeClr val="bg1">
+                      <a:lumMod val="75000"/>
+                    </a:schemeClr>
+                  </a:solidFill>
+                </a:rPr>
+                <a:t>Chl a</a:t>
+              </a:r>
+              <a:endParaRPr lang="en-US" dirty="0">
+                <a:solidFill>
+                  <a:schemeClr val="bg1">
+                    <a:lumMod val="75000"/>
+                  </a:schemeClr>
+                </a:solidFill>
+              </a:endParaRPr>
+            </a:p>
+          </p:txBody>
+        </p:sp>
+        <p:sp>
+          <p:nvSpPr>
+            <p:cNvPr id="221" name="TextBox 220"/>
+            <p:cNvSpPr txBox="1"/>
+            <p:nvPr/>
+          </p:nvSpPr>
+          <p:spPr>
+            <a:xfrm>
+              <a:off x="5211464" y="2117365"/>
+              <a:ext cx="933450" cy="307777"/>
+            </a:xfrm>
+            <a:prstGeom prst="rect">
+              <a:avLst/>
+            </a:prstGeom>
+            <a:noFill/>
+            <a:ln>
+              <a:solidFill>
+                <a:schemeClr val="bg1">
+                  <a:lumMod val="50000"/>
+                </a:schemeClr>
+              </a:solidFill>
+              <a:prstDash val="dash"/>
+            </a:ln>
+          </p:spPr>
+          <p:txBody>
+            <a:bodyPr wrap="square" rtlCol="0">
+              <a:spAutoFit/>
+            </a:bodyPr>
+            <a:lstStyle/>
+            <a:p>
+              <a:r>
+                <a:rPr lang="en-US" sz="1400" dirty="0">
+                  <a:latin typeface="Times New Roman" panose="02020603050405020304" pitchFamily="18" charset="0"/>
+                  <a:cs typeface="Times New Roman" panose="02020603050405020304" pitchFamily="18" charset="0"/>
+                </a:rPr>
+                <a:t>µ</a:t>
+              </a:r>
+              <a:r>
+                <a:rPr lang="en-US" sz="1400" dirty="0" smtClean="0"/>
+                <a:t>g L</a:t>
+              </a:r>
+              <a:r>
+                <a:rPr lang="en-US" sz="1400" baseline="30000" dirty="0" smtClean="0"/>
+                <a:t>-1</a:t>
+              </a:r>
+            </a:p>
+          </p:txBody>
+        </p:sp>
+        <p:grpSp>
+          <p:nvGrpSpPr>
+            <p:cNvPr id="222" name="Group 221"/>
+            <p:cNvGrpSpPr/>
+            <p:nvPr/>
+          </p:nvGrpSpPr>
+          <p:grpSpPr>
+            <a:xfrm>
+              <a:off x="5784913" y="1757365"/>
+              <a:ext cx="360000" cy="360000"/>
+              <a:chOff x="3218024" y="1580157"/>
+              <a:chExt cx="360000" cy="360000"/>
+            </a:xfrm>
+          </p:grpSpPr>
+          <p:sp>
+            <p:nvSpPr>
+              <p:cNvPr id="224" name="Isosceles Triangle 223"/>
+              <p:cNvSpPr/>
+              <p:nvPr/>
+            </p:nvSpPr>
+            <p:spPr>
+              <a:xfrm flipV="1">
+                <a:off x="3218024" y="1580157"/>
+                <a:ext cx="360000" cy="360000"/>
+              </a:xfrm>
+              <a:prstGeom prst="triangle">
+                <a:avLst/>
+              </a:prstGeom>
+            </p:spPr>
+            <p:style>
+              <a:lnRef idx="2">
+                <a:schemeClr val="accent1">
+                  <a:shade val="50000"/>
+                </a:schemeClr>
+              </a:lnRef>
+              <a:fillRef idx="1">
+                <a:schemeClr val="accent1"/>
+              </a:fillRef>
+              <a:effectRef idx="0">
+                <a:schemeClr val="accent1"/>
+              </a:effectRef>
+              <a:fontRef idx="minor">
+                <a:schemeClr val="lt1"/>
+              </a:fontRef>
+            </p:style>
+            <p:txBody>
+              <a:bodyPr rtlCol="0" anchor="ctr"/>
+              <a:lstStyle/>
+              <a:p>
+                <a:pPr algn="ctr"/>
+                <a:endParaRPr lang="en-US"/>
+              </a:p>
+            </p:txBody>
+          </p:sp>
+          <p:sp>
+            <p:nvSpPr>
+              <p:cNvPr id="225" name="TextBox 224"/>
+              <p:cNvSpPr txBox="1"/>
+              <p:nvPr/>
+            </p:nvSpPr>
+            <p:spPr>
+              <a:xfrm>
+                <a:off x="3218024" y="1580157"/>
+                <a:ext cx="360000" cy="360000"/>
+              </a:xfrm>
+              <a:prstGeom prst="rect">
+                <a:avLst/>
+              </a:prstGeom>
+              <a:noFill/>
+              <a:ln>
+                <a:solidFill>
+                  <a:schemeClr val="bg1">
+                    <a:lumMod val="50000"/>
+                  </a:schemeClr>
+                </a:solidFill>
+              </a:ln>
+            </p:spPr>
+            <p:txBody>
+              <a:bodyPr wrap="square" rtlCol="0">
+                <a:spAutoFit/>
+              </a:bodyPr>
+              <a:lstStyle/>
+              <a:p>
+                <a:endParaRPr lang="en-US" dirty="0">
+                  <a:solidFill>
+                    <a:schemeClr val="bg1">
+                      <a:lumMod val="75000"/>
+                    </a:schemeClr>
+                  </a:solidFill>
+                </a:endParaRPr>
+              </a:p>
+            </p:txBody>
+          </p:sp>
+        </p:grpSp>
+        <p:sp>
+          <p:nvSpPr>
+            <p:cNvPr id="223" name="TextBox 222"/>
+            <p:cNvSpPr txBox="1"/>
+            <p:nvPr/>
+          </p:nvSpPr>
+          <p:spPr>
+            <a:xfrm>
+              <a:off x="5211464" y="1759645"/>
+              <a:ext cx="565449" cy="360000"/>
+            </a:xfrm>
+            <a:prstGeom prst="rect">
+              <a:avLst/>
+            </a:prstGeom>
+            <a:noFill/>
+            <a:ln>
+              <a:solidFill>
+                <a:schemeClr val="bg1">
+                  <a:lumMod val="50000"/>
+                </a:schemeClr>
+              </a:solidFill>
+            </a:ln>
+          </p:spPr>
+          <p:txBody>
+            <a:bodyPr wrap="square" rtlCol="0">
+              <a:spAutoFit/>
+            </a:bodyPr>
+            <a:lstStyle/>
+            <a:p>
+              <a:r>
+                <a:rPr lang="en-US" dirty="0" smtClean="0">
+                  <a:solidFill>
+                    <a:schemeClr val="bg1">
+                      <a:lumMod val="75000"/>
+                    </a:schemeClr>
+                  </a:solidFill>
+                </a:rPr>
+                <a:t>unit</a:t>
+              </a:r>
+              <a:endParaRPr lang="en-US" dirty="0">
+                <a:solidFill>
+                  <a:schemeClr val="bg1">
+                    <a:lumMod val="75000"/>
+                  </a:schemeClr>
+                </a:solidFill>
+              </a:endParaRPr>
+            </a:p>
+          </p:txBody>
+        </p:sp>
+      </p:grpSp>
+      <p:sp>
+        <p:nvSpPr>
+          <p:cNvPr id="226" name="TextBox 225"/>
+          <p:cNvSpPr txBox="1"/>
+          <p:nvPr/>
+        </p:nvSpPr>
+        <p:spPr>
+          <a:xfrm>
+            <a:off x="10269387" y="5720966"/>
+            <a:ext cx="1291771" cy="369332"/>
+          </a:xfrm>
+          <a:prstGeom prst="rect">
+            <a:avLst/>
+          </a:prstGeom>
+          <a:noFill/>
+          <a:ln>
+            <a:solidFill>
+              <a:schemeClr val="accent1">
+                <a:lumMod val="60000"/>
+                <a:lumOff val="40000"/>
+              </a:schemeClr>
+            </a:solidFill>
+          </a:ln>
+          <a:effectLst/>
+        </p:spPr>
+        <p:txBody>
+          <a:bodyPr wrap="square" rtlCol="0">
+            <a:spAutoFit/>
+          </a:bodyPr>
+          <a:lstStyle/>
+          <a:p>
+            <a:pPr algn="ctr"/>
+            <a:r>
+              <a:rPr lang="en-US" b="1" dirty="0" smtClean="0"/>
+              <a:t>SAVE</a:t>
+            </a:r>
+            <a:endParaRPr lang="en-US" b="1" dirty="0"/>
+          </a:p>
+        </p:txBody>
+      </p:sp>
+      <p:sp>
+        <p:nvSpPr>
+          <p:cNvPr id="227" name="TextBox 226"/>
+          <p:cNvSpPr txBox="1"/>
+          <p:nvPr/>
+        </p:nvSpPr>
+        <p:spPr>
+          <a:xfrm>
+            <a:off x="10269387" y="6182631"/>
+            <a:ext cx="1291771" cy="369332"/>
+          </a:xfrm>
+          <a:prstGeom prst="rect">
+            <a:avLst/>
+          </a:prstGeom>
+          <a:noFill/>
+          <a:ln>
+            <a:solidFill>
+              <a:schemeClr val="accent1">
+                <a:lumMod val="60000"/>
+                <a:lumOff val="40000"/>
+              </a:schemeClr>
+            </a:solidFill>
+          </a:ln>
+          <a:effectLst/>
+        </p:spPr>
+        <p:txBody>
+          <a:bodyPr wrap="square" rtlCol="0">
+            <a:spAutoFit/>
+          </a:bodyPr>
+          <a:lstStyle/>
+          <a:p>
+            <a:pPr algn="ctr"/>
+            <a:r>
+              <a:rPr lang="en-US" b="1" dirty="0" smtClean="0"/>
+              <a:t>SUBMIT</a:t>
+            </a:r>
+          </a:p>
+        </p:txBody>
+      </p:sp>
+      <p:sp>
+        <p:nvSpPr>
+          <p:cNvPr id="228" name="TextBox 227"/>
+          <p:cNvSpPr txBox="1"/>
+          <p:nvPr/>
+        </p:nvSpPr>
+        <p:spPr>
+          <a:xfrm>
+            <a:off x="4946706" y="507309"/>
+            <a:ext cx="5919634" cy="369332"/>
+          </a:xfrm>
+          <a:prstGeom prst="rect">
+            <a:avLst/>
+          </a:prstGeom>
+          <a:noFill/>
+        </p:spPr>
+        <p:txBody>
+          <a:bodyPr wrap="none" rtlCol="0">
+            <a:spAutoFit/>
+          </a:bodyPr>
+          <a:lstStyle/>
+          <a:p>
+            <a:r>
               <a:rPr lang="en-US" dirty="0" smtClean="0"/>
-              <a:t>?</a:t>
+              <a:t>(Input data, select units, click save and submit to submit data)</a:t>
             </a:r>
             <a:endParaRPr lang="en-US" dirty="0"/>
+          </a:p>
+        </p:txBody>
+      </p:sp>
+      <p:sp>
+        <p:nvSpPr>
+          <p:cNvPr id="229" name="TextBox 228"/>
+          <p:cNvSpPr txBox="1"/>
+          <p:nvPr/>
+        </p:nvSpPr>
+        <p:spPr>
+          <a:xfrm>
+            <a:off x="10269387" y="2867359"/>
+            <a:ext cx="1291771" cy="369332"/>
+          </a:xfrm>
+          <a:prstGeom prst="rect">
+            <a:avLst/>
+          </a:prstGeom>
+          <a:noFill/>
+          <a:ln>
+            <a:solidFill>
+              <a:schemeClr val="accent1">
+                <a:lumMod val="60000"/>
+                <a:lumOff val="40000"/>
+              </a:schemeClr>
+            </a:solidFill>
+          </a:ln>
+          <a:effectLst/>
+        </p:spPr>
+        <p:txBody>
+          <a:bodyPr wrap="square" rtlCol="0">
+            <a:spAutoFit/>
+          </a:bodyPr>
+          <a:lstStyle/>
+          <a:p>
+            <a:pPr algn="ctr"/>
+            <a:r>
+              <a:rPr lang="en-US" b="1" dirty="0" smtClean="0"/>
+              <a:t>SAVE</a:t>
+            </a:r>
+            <a:endParaRPr lang="en-US" b="1" dirty="0"/>
           </a:p>
         </p:txBody>
       </p:sp>
     </p:spTree>
     <p:extLst>
       <p:ext uri="{BB962C8B-B14F-4D97-AF65-F5344CB8AC3E}">
-        <p14:creationId xmlns:p14="http://schemas.microsoft.com/office/powerpoint/2010/main" val="232391004"/>
+        <p14:creationId xmlns:p14="http://schemas.microsoft.com/office/powerpoint/2010/main" val="3688220285"/>
       </p:ext>
     </p:extLst>
   </p:cSld>
   <p:clrMapOvr>
     <a:masterClrMapping/>
   </p:clrMapOvr>
+  <p:timing>
+    <p:tnLst>
+      <p:par>
+        <p:cTn id="1" dur="indefinite" restart="never" nodeType="tmRoot"/>
+      </p:par>
+    </p:tnLst>
+  </p:timing>
 </p:sld>
 </file>
 
@@ -4192,6 +8060,101 @@
           <a:p>
             <a:r>
               <a:rPr lang="en-US" dirty="0" smtClean="0"/>
+              <a:t>web hosting services</a:t>
+            </a:r>
+            <a:endParaRPr lang="en-US" dirty="0"/>
+          </a:p>
+        </p:txBody>
+      </p:sp>
+      <p:sp>
+        <p:nvSpPr>
+          <p:cNvPr id="3" name="Content Placeholder 2"/>
+          <p:cNvSpPr>
+            <a:spLocks noGrp="1"/>
+          </p:cNvSpPr>
+          <p:nvPr>
+            <p:ph idx="1"/>
+          </p:nvPr>
+        </p:nvSpPr>
+        <p:spPr/>
+        <p:txBody>
+          <a:bodyPr/>
+          <a:lstStyle/>
+          <a:p>
+            <a:pPr lvl="0"/>
+            <a:r>
+              <a:rPr lang="en-US" dirty="0"/>
+              <a:t>What cloud services?</a:t>
+            </a:r>
+          </a:p>
+          <a:p>
+            <a:pPr lvl="0"/>
+            <a:r>
+              <a:rPr lang="en-US" dirty="0"/>
+              <a:t>Other options for website hosting?</a:t>
+            </a:r>
+          </a:p>
+          <a:p>
+            <a:pPr lvl="0"/>
+            <a:r>
+              <a:rPr lang="en-US" dirty="0"/>
+              <a:t>A later step? I can develop the website on my own machine then upload to a server</a:t>
+            </a:r>
+            <a:r>
+              <a:rPr lang="en-US" dirty="0" smtClean="0"/>
+              <a:t>?</a:t>
+            </a:r>
+            <a:endParaRPr lang="en-US" dirty="0"/>
+          </a:p>
+        </p:txBody>
+      </p:sp>
+    </p:spTree>
+    <p:extLst>
+      <p:ext uri="{BB962C8B-B14F-4D97-AF65-F5344CB8AC3E}">
+        <p14:creationId xmlns:p14="http://schemas.microsoft.com/office/powerpoint/2010/main" val="232391004"/>
+      </p:ext>
+    </p:extLst>
+  </p:cSld>
+  <p:clrMapOvr>
+    <a:masterClrMapping/>
+  </p:clrMapOvr>
+</p:sld>
+</file>
+
+<file path=ppt/slides/slide12.xml><?xml version="1.0" encoding="utf-8"?>
+<p:sld xmlns:a="http://schemas.openxmlformats.org/drawingml/2006/main" xmlns:r="http://schemas.openxmlformats.org/officeDocument/2006/relationships" xmlns:p="http://schemas.openxmlformats.org/presentationml/2006/main">
+  <p:cSld>
+    <p:spTree>
+      <p:nvGrpSpPr>
+        <p:cNvPr id="1" name=""/>
+        <p:cNvGrpSpPr/>
+        <p:nvPr/>
+      </p:nvGrpSpPr>
+      <p:grpSpPr>
+        <a:xfrm>
+          <a:off x="0" y="0"/>
+          <a:ext cx="0" cy="0"/>
+          <a:chOff x="0" y="0"/>
+          <a:chExt cx="0" cy="0"/>
+        </a:xfrm>
+      </p:grpSpPr>
+      <p:sp>
+        <p:nvSpPr>
+          <p:cNvPr id="2" name="Title 1"/>
+          <p:cNvSpPr>
+            <a:spLocks noGrp="1"/>
+          </p:cNvSpPr>
+          <p:nvPr>
+            <p:ph type="title"/>
+          </p:nvPr>
+        </p:nvSpPr>
+        <p:spPr/>
+        <p:txBody>
+          <a:bodyPr/>
+          <a:lstStyle/>
+          <a:p>
+            <a:r>
+              <a:rPr lang="en-US" dirty="0" smtClean="0"/>
               <a:t>tools</a:t>
             </a:r>
             <a:endParaRPr lang="en-US" dirty="0"/>
@@ -4299,8 +8262,8 @@
 </p:sld>
 </file>
 
-<file path=ppt/slides/slide2.xml><?xml version="1.0" encoding="utf-8"?>
-<p:sld xmlns:a="http://schemas.openxmlformats.org/drawingml/2006/main" xmlns:r="http://schemas.openxmlformats.org/officeDocument/2006/relationships" xmlns:p="http://schemas.openxmlformats.org/presentationml/2006/main">
+<file path=ppt/slides/slide13.xml><?xml version="1.0" encoding="utf-8"?>
+<p:sld xmlns:a="http://schemas.openxmlformats.org/drawingml/2006/main" xmlns:r="http://schemas.openxmlformats.org/officeDocument/2006/relationships" xmlns:p="http://schemas.openxmlformats.org/presentationml/2006/main" show="0">
   <p:cSld>
     <p:spTree>
       <p:nvGrpSpPr>
@@ -4630,7 +8593,7 @@
           <a:p>
             <a:r>
               <a:rPr lang="en-US" u="sng" dirty="0" smtClean="0"/>
-              <a:t>CSV file?</a:t>
+              <a:t>CSV/MS file</a:t>
             </a:r>
             <a:endParaRPr lang="en-US" u="sng" dirty="0"/>
           </a:p>
@@ -5878,6 +9841,1127 @@
     </p:spTree>
     <p:extLst>
       <p:ext uri="{BB962C8B-B14F-4D97-AF65-F5344CB8AC3E}">
+        <p14:creationId xmlns:p14="http://schemas.microsoft.com/office/powerpoint/2010/main" val="2386486311"/>
+      </p:ext>
+    </p:extLst>
+  </p:cSld>
+  <p:clrMapOvr>
+    <a:masterClrMapping/>
+  </p:clrMapOvr>
+  <mc:AlternateContent xmlns:mc="http://schemas.openxmlformats.org/markup-compatibility/2006">
+    <mc:Choice xmlns:p14="http://schemas.microsoft.com/office/powerpoint/2010/main" Requires="p14">
+      <p:transition spd="slow" p14:dur="2000"/>
+    </mc:Choice>
+    <mc:Fallback>
+      <p:transition spd="slow"/>
+    </mc:Fallback>
+  </mc:AlternateContent>
+  <p:timing>
+    <p:tnLst>
+      <p:par>
+        <p:cTn id="1" dur="indefinite" restart="never" nodeType="tmRoot"/>
+      </p:par>
+    </p:tnLst>
+  </p:timing>
+</p:sld>
+</file>
+
+<file path=ppt/slides/slide2.xml><?xml version="1.0" encoding="utf-8"?>
+<p:sld xmlns:a="http://schemas.openxmlformats.org/drawingml/2006/main" xmlns:r="http://schemas.openxmlformats.org/officeDocument/2006/relationships" xmlns:p="http://schemas.openxmlformats.org/presentationml/2006/main">
+  <p:cSld>
+    <p:spTree>
+      <p:nvGrpSpPr>
+        <p:cNvPr id="1" name=""/>
+        <p:cNvGrpSpPr/>
+        <p:nvPr/>
+      </p:nvGrpSpPr>
+      <p:grpSpPr>
+        <a:xfrm>
+          <a:off x="0" y="0"/>
+          <a:ext cx="0" cy="0"/>
+          <a:chOff x="0" y="0"/>
+          <a:chExt cx="0" cy="0"/>
+        </a:xfrm>
+      </p:grpSpPr>
+      <p:sp>
+        <p:nvSpPr>
+          <p:cNvPr id="4" name="TextBox 3"/>
+          <p:cNvSpPr txBox="1"/>
+          <p:nvPr/>
+        </p:nvSpPr>
+        <p:spPr>
+          <a:xfrm>
+            <a:off x="4205940" y="329178"/>
+            <a:ext cx="7681259" cy="5797816"/>
+          </a:xfrm>
+          <a:prstGeom prst="rect">
+            <a:avLst/>
+          </a:prstGeom>
+          <a:noFill/>
+          <a:ln>
+            <a:solidFill>
+              <a:srgbClr val="0070C0"/>
+            </a:solidFill>
+          </a:ln>
+        </p:spPr>
+        <p:txBody>
+          <a:bodyPr wrap="square" rtlCol="0" anchor="ctr" anchorCtr="0">
+            <a:noAutofit/>
+          </a:bodyPr>
+          <a:lstStyle/>
+          <a:p>
+            <a:pPr algn="ctr">
+              <a:lnSpc>
+                <a:spcPct val="150000"/>
+              </a:lnSpc>
+            </a:pPr>
+            <a:r>
+              <a:rPr lang="en-US" sz="8000" dirty="0" smtClean="0">
+                <a:latin typeface="Times New Roman" panose="02020603050405020304" pitchFamily="18" charset="0"/>
+                <a:cs typeface="Times New Roman" panose="02020603050405020304" pitchFamily="18" charset="0"/>
+              </a:rPr>
+              <a:t>MAP INTERFACE</a:t>
+            </a:r>
+          </a:p>
+          <a:p>
+            <a:pPr algn="ctr">
+              <a:lnSpc>
+                <a:spcPct val="150000"/>
+              </a:lnSpc>
+            </a:pPr>
+            <a:endParaRPr lang="en-US" sz="8000" dirty="0">
+              <a:latin typeface="Times New Roman" panose="02020603050405020304" pitchFamily="18" charset="0"/>
+              <a:cs typeface="Times New Roman" panose="02020603050405020304" pitchFamily="18" charset="0"/>
+            </a:endParaRPr>
+          </a:p>
+        </p:txBody>
+      </p:sp>
+      <p:sp>
+        <p:nvSpPr>
+          <p:cNvPr id="7" name="TextBox 6"/>
+          <p:cNvSpPr txBox="1"/>
+          <p:nvPr/>
+        </p:nvSpPr>
+        <p:spPr>
+          <a:xfrm>
+            <a:off x="924281" y="2106320"/>
+            <a:ext cx="1712686" cy="369332"/>
+          </a:xfrm>
+          <a:prstGeom prst="rect">
+            <a:avLst/>
+          </a:prstGeom>
+          <a:noFill/>
+          <a:ln>
+            <a:solidFill>
+              <a:srgbClr val="0070C0"/>
+            </a:solidFill>
+          </a:ln>
+        </p:spPr>
+        <p:txBody>
+          <a:bodyPr wrap="square" rtlCol="0">
+            <a:spAutoFit/>
+          </a:bodyPr>
+          <a:lstStyle/>
+          <a:p>
+            <a:pPr algn="ctr"/>
+            <a:r>
+              <a:rPr lang="en-US" dirty="0" smtClean="0"/>
+              <a:t>VIEW DATA</a:t>
+            </a:r>
+            <a:endParaRPr lang="en-US" dirty="0"/>
+          </a:p>
+        </p:txBody>
+      </p:sp>
+      <p:sp>
+        <p:nvSpPr>
+          <p:cNvPr id="8" name="TextBox 7"/>
+          <p:cNvSpPr txBox="1"/>
+          <p:nvPr/>
+        </p:nvSpPr>
+        <p:spPr>
+          <a:xfrm>
+            <a:off x="868129" y="4200345"/>
+            <a:ext cx="2055586" cy="369332"/>
+          </a:xfrm>
+          <a:prstGeom prst="rect">
+            <a:avLst/>
+          </a:prstGeom>
+          <a:noFill/>
+          <a:ln>
+            <a:solidFill>
+              <a:srgbClr val="0070C0"/>
+            </a:solidFill>
+          </a:ln>
+        </p:spPr>
+        <p:txBody>
+          <a:bodyPr wrap="square" rtlCol="0">
+            <a:spAutoFit/>
+          </a:bodyPr>
+          <a:lstStyle/>
+          <a:p>
+            <a:pPr algn="ctr"/>
+            <a:r>
+              <a:rPr lang="en-US" dirty="0" smtClean="0"/>
+              <a:t>DOWNLOAD DATA</a:t>
+            </a:r>
+            <a:endParaRPr lang="en-US" dirty="0"/>
+          </a:p>
+        </p:txBody>
+      </p:sp>
+      <p:sp>
+        <p:nvSpPr>
+          <p:cNvPr id="14" name="TextBox 13"/>
+          <p:cNvSpPr txBox="1"/>
+          <p:nvPr/>
+        </p:nvSpPr>
+        <p:spPr>
+          <a:xfrm>
+            <a:off x="1401837" y="1218622"/>
+            <a:ext cx="1712686" cy="369332"/>
+          </a:xfrm>
+          <a:prstGeom prst="rect">
+            <a:avLst/>
+          </a:prstGeom>
+          <a:noFill/>
+          <a:ln>
+            <a:solidFill>
+              <a:srgbClr val="0070C0"/>
+            </a:solidFill>
+          </a:ln>
+          <a:effectLst>
+            <a:innerShdw blurRad="63500" dist="50800" dir="16200000">
+              <a:prstClr val="black">
+                <a:alpha val="55000"/>
+              </a:prstClr>
+            </a:innerShdw>
+            <a:softEdge rad="31750"/>
+          </a:effectLst>
+        </p:spPr>
+        <p:txBody>
+          <a:bodyPr wrap="square" rtlCol="0">
+            <a:spAutoFit/>
+          </a:bodyPr>
+          <a:lstStyle/>
+          <a:p>
+            <a:r>
+              <a:rPr lang="en-US" u="sng" dirty="0" smtClean="0"/>
+              <a:t>Single Upload</a:t>
+            </a:r>
+            <a:endParaRPr lang="en-US" u="sng" dirty="0"/>
+          </a:p>
+        </p:txBody>
+      </p:sp>
+      <p:sp>
+        <p:nvSpPr>
+          <p:cNvPr id="40" name="TextBox 39"/>
+          <p:cNvSpPr txBox="1"/>
+          <p:nvPr/>
+        </p:nvSpPr>
+        <p:spPr>
+          <a:xfrm>
+            <a:off x="925360" y="414543"/>
+            <a:ext cx="1712686" cy="369332"/>
+          </a:xfrm>
+          <a:prstGeom prst="rect">
+            <a:avLst/>
+          </a:prstGeom>
+          <a:noFill/>
+          <a:ln>
+            <a:solidFill>
+              <a:srgbClr val="0070C0"/>
+            </a:solidFill>
+          </a:ln>
+        </p:spPr>
+        <p:txBody>
+          <a:bodyPr wrap="square" rtlCol="0">
+            <a:spAutoFit/>
+          </a:bodyPr>
+          <a:lstStyle/>
+          <a:p>
+            <a:pPr algn="ctr"/>
+            <a:r>
+              <a:rPr lang="en-US" dirty="0" smtClean="0"/>
+              <a:t>UPLOAD DATA</a:t>
+            </a:r>
+            <a:endParaRPr lang="en-US" dirty="0"/>
+          </a:p>
+        </p:txBody>
+      </p:sp>
+      <p:sp>
+        <p:nvSpPr>
+          <p:cNvPr id="42" name="TextBox 41"/>
+          <p:cNvSpPr txBox="1"/>
+          <p:nvPr/>
+        </p:nvSpPr>
+        <p:spPr>
+          <a:xfrm>
+            <a:off x="1401837" y="886430"/>
+            <a:ext cx="1712686" cy="369332"/>
+          </a:xfrm>
+          <a:prstGeom prst="rect">
+            <a:avLst/>
+          </a:prstGeom>
+          <a:noFill/>
+          <a:ln>
+            <a:solidFill>
+              <a:srgbClr val="0070C0"/>
+            </a:solidFill>
+          </a:ln>
+          <a:effectLst>
+            <a:innerShdw blurRad="63500" dist="50800" dir="16200000">
+              <a:prstClr val="black">
+                <a:alpha val="55000"/>
+              </a:prstClr>
+            </a:innerShdw>
+            <a:softEdge rad="31750"/>
+          </a:effectLst>
+        </p:spPr>
+        <p:txBody>
+          <a:bodyPr wrap="square" rtlCol="0">
+            <a:spAutoFit/>
+          </a:bodyPr>
+          <a:lstStyle/>
+          <a:p>
+            <a:r>
+              <a:rPr lang="en-US" u="sng" dirty="0" smtClean="0"/>
+              <a:t>Batch Upload</a:t>
+            </a:r>
+            <a:endParaRPr lang="en-US" u="sng" dirty="0"/>
+          </a:p>
+        </p:txBody>
+      </p:sp>
+      <p:sp>
+        <p:nvSpPr>
+          <p:cNvPr id="2" name="TextBox 1"/>
+          <p:cNvSpPr txBox="1"/>
+          <p:nvPr/>
+        </p:nvSpPr>
+        <p:spPr>
+          <a:xfrm>
+            <a:off x="396108" y="4663639"/>
+            <a:ext cx="944041" cy="369332"/>
+          </a:xfrm>
+          <a:prstGeom prst="rect">
+            <a:avLst/>
+          </a:prstGeom>
+          <a:noFill/>
+        </p:spPr>
+        <p:txBody>
+          <a:bodyPr wrap="none" rtlCol="0">
+            <a:spAutoFit/>
+          </a:bodyPr>
+          <a:lstStyle/>
+          <a:p>
+            <a:r>
+              <a:rPr lang="en-US" dirty="0" smtClean="0"/>
+              <a:t>Filter by</a:t>
+            </a:r>
+            <a:endParaRPr lang="en-US" dirty="0"/>
+          </a:p>
+        </p:txBody>
+      </p:sp>
+      <p:sp>
+        <p:nvSpPr>
+          <p:cNvPr id="41" name="TextBox 40"/>
+          <p:cNvSpPr txBox="1"/>
+          <p:nvPr/>
+        </p:nvSpPr>
+        <p:spPr>
+          <a:xfrm>
+            <a:off x="1392184" y="1581051"/>
+            <a:ext cx="1712686" cy="369332"/>
+          </a:xfrm>
+          <a:prstGeom prst="rect">
+            <a:avLst/>
+          </a:prstGeom>
+          <a:noFill/>
+          <a:ln>
+            <a:solidFill>
+              <a:srgbClr val="0070C0"/>
+            </a:solidFill>
+          </a:ln>
+          <a:effectLst>
+            <a:innerShdw blurRad="63500" dist="50800" dir="16200000">
+              <a:prstClr val="black">
+                <a:alpha val="55000"/>
+              </a:prstClr>
+            </a:innerShdw>
+            <a:softEdge rad="31750"/>
+          </a:effectLst>
+        </p:spPr>
+        <p:txBody>
+          <a:bodyPr wrap="square" rtlCol="0">
+            <a:spAutoFit/>
+          </a:bodyPr>
+          <a:lstStyle/>
+          <a:p>
+            <a:r>
+              <a:rPr lang="en-US" u="sng" dirty="0" smtClean="0"/>
+              <a:t>CSV/Excel file</a:t>
+            </a:r>
+            <a:endParaRPr lang="en-US" u="sng" dirty="0"/>
+          </a:p>
+        </p:txBody>
+      </p:sp>
+      <p:grpSp>
+        <p:nvGrpSpPr>
+          <p:cNvPr id="13" name="Group 12"/>
+          <p:cNvGrpSpPr/>
+          <p:nvPr/>
+        </p:nvGrpSpPr>
+        <p:grpSpPr>
+          <a:xfrm>
+            <a:off x="4618342" y="4889829"/>
+            <a:ext cx="1922962" cy="952709"/>
+            <a:chOff x="4529689" y="5103874"/>
+            <a:chExt cx="1922962" cy="952709"/>
+          </a:xfrm>
+        </p:grpSpPr>
+        <p:sp>
+          <p:nvSpPr>
+            <p:cNvPr id="3" name="TextBox 2"/>
+            <p:cNvSpPr txBox="1"/>
+            <p:nvPr/>
+          </p:nvSpPr>
+          <p:spPr>
+            <a:xfrm>
+              <a:off x="4529689" y="5103874"/>
+              <a:ext cx="1922962" cy="369332"/>
+            </a:xfrm>
+            <a:prstGeom prst="rect">
+              <a:avLst/>
+            </a:prstGeom>
+            <a:noFill/>
+          </p:spPr>
+          <p:txBody>
+            <a:bodyPr wrap="none" rtlCol="0">
+              <a:spAutoFit/>
+            </a:bodyPr>
+            <a:lstStyle/>
+            <a:p>
+              <a:r>
+                <a:rPr lang="en-US" dirty="0" smtClean="0"/>
+                <a:t>Adjust Symbol Size</a:t>
+              </a:r>
+              <a:endParaRPr lang="en-US" dirty="0"/>
+            </a:p>
+          </p:txBody>
+        </p:sp>
+        <p:cxnSp>
+          <p:nvCxnSpPr>
+            <p:cNvPr id="6" name="Straight Connector 5"/>
+            <p:cNvCxnSpPr/>
+            <p:nvPr/>
+          </p:nvCxnSpPr>
+          <p:spPr>
+            <a:xfrm>
+              <a:off x="4585528" y="5592127"/>
+              <a:ext cx="1867123" cy="0"/>
+            </a:xfrm>
+            <a:prstGeom prst="line">
+              <a:avLst/>
+            </a:prstGeom>
+          </p:spPr>
+          <p:style>
+            <a:lnRef idx="1">
+              <a:schemeClr val="accent1"/>
+            </a:lnRef>
+            <a:fillRef idx="0">
+              <a:schemeClr val="accent1"/>
+            </a:fillRef>
+            <a:effectRef idx="0">
+              <a:schemeClr val="accent1"/>
+            </a:effectRef>
+            <a:fontRef idx="minor">
+              <a:schemeClr val="tx1"/>
+            </a:fontRef>
+          </p:style>
+        </p:cxnSp>
+        <p:sp>
+          <p:nvSpPr>
+            <p:cNvPr id="43" name="Oval 42"/>
+            <p:cNvSpPr/>
+            <p:nvPr/>
+          </p:nvSpPr>
+          <p:spPr>
+            <a:xfrm>
+              <a:off x="6045250" y="5522430"/>
+              <a:ext cx="180000" cy="180000"/>
+            </a:xfrm>
+            <a:prstGeom prst="ellipse">
+              <a:avLst/>
+            </a:prstGeom>
+            <a:noFill/>
+          </p:spPr>
+          <p:style>
+            <a:lnRef idx="2">
+              <a:schemeClr val="accent1">
+                <a:shade val="50000"/>
+              </a:schemeClr>
+            </a:lnRef>
+            <a:fillRef idx="1">
+              <a:schemeClr val="accent1"/>
+            </a:fillRef>
+            <a:effectRef idx="0">
+              <a:schemeClr val="accent1"/>
+            </a:effectRef>
+            <a:fontRef idx="minor">
+              <a:schemeClr val="lt1"/>
+            </a:fontRef>
+          </p:style>
+          <p:txBody>
+            <a:bodyPr rtlCol="0" anchor="ctr"/>
+            <a:lstStyle/>
+            <a:p>
+              <a:pPr algn="ctr"/>
+              <a:endParaRPr lang="en-US"/>
+            </a:p>
+          </p:txBody>
+        </p:sp>
+        <p:sp>
+          <p:nvSpPr>
+            <p:cNvPr id="45" name="Oval 44"/>
+            <p:cNvSpPr/>
+            <p:nvPr/>
+          </p:nvSpPr>
+          <p:spPr>
+            <a:xfrm>
+              <a:off x="4742673" y="5522430"/>
+              <a:ext cx="180000" cy="180000"/>
+            </a:xfrm>
+            <a:prstGeom prst="ellipse">
+              <a:avLst/>
+            </a:prstGeom>
+            <a:noFill/>
+          </p:spPr>
+          <p:style>
+            <a:lnRef idx="2">
+              <a:schemeClr val="accent1">
+                <a:shade val="50000"/>
+              </a:schemeClr>
+            </a:lnRef>
+            <a:fillRef idx="1">
+              <a:schemeClr val="accent1"/>
+            </a:fillRef>
+            <a:effectRef idx="0">
+              <a:schemeClr val="accent1"/>
+            </a:effectRef>
+            <a:fontRef idx="minor">
+              <a:schemeClr val="lt1"/>
+            </a:fontRef>
+          </p:style>
+          <p:txBody>
+            <a:bodyPr rtlCol="0" anchor="ctr"/>
+            <a:lstStyle/>
+            <a:p>
+              <a:pPr algn="ctr"/>
+              <a:endParaRPr lang="en-US"/>
+            </a:p>
+          </p:txBody>
+        </p:sp>
+        <p:sp>
+          <p:nvSpPr>
+            <p:cNvPr id="12" name="TextBox 11"/>
+            <p:cNvSpPr txBox="1"/>
+            <p:nvPr/>
+          </p:nvSpPr>
+          <p:spPr>
+            <a:xfrm>
+              <a:off x="4529689" y="5687251"/>
+              <a:ext cx="556563" cy="369332"/>
+            </a:xfrm>
+            <a:prstGeom prst="rect">
+              <a:avLst/>
+            </a:prstGeom>
+            <a:noFill/>
+          </p:spPr>
+          <p:txBody>
+            <a:bodyPr wrap="none" rtlCol="0">
+              <a:spAutoFit/>
+            </a:bodyPr>
+            <a:lstStyle/>
+            <a:p>
+              <a:r>
+                <a:rPr lang="en-US" dirty="0" smtClean="0"/>
+                <a:t>Min</a:t>
+              </a:r>
+              <a:endParaRPr lang="en-US" dirty="0"/>
+            </a:p>
+          </p:txBody>
+        </p:sp>
+        <p:sp>
+          <p:nvSpPr>
+            <p:cNvPr id="46" name="TextBox 45"/>
+            <p:cNvSpPr txBox="1"/>
+            <p:nvPr/>
+          </p:nvSpPr>
+          <p:spPr>
+            <a:xfrm>
+              <a:off x="5827911" y="5687251"/>
+              <a:ext cx="589713" cy="369332"/>
+            </a:xfrm>
+            <a:prstGeom prst="rect">
+              <a:avLst/>
+            </a:prstGeom>
+            <a:noFill/>
+          </p:spPr>
+          <p:txBody>
+            <a:bodyPr wrap="none" rtlCol="0">
+              <a:spAutoFit/>
+            </a:bodyPr>
+            <a:lstStyle/>
+            <a:p>
+              <a:r>
+                <a:rPr lang="en-US" dirty="0" smtClean="0"/>
+                <a:t>Max</a:t>
+              </a:r>
+              <a:endParaRPr lang="en-US" dirty="0"/>
+            </a:p>
+          </p:txBody>
+        </p:sp>
+      </p:grpSp>
+      <p:sp>
+        <p:nvSpPr>
+          <p:cNvPr id="48" name="TextBox 47"/>
+          <p:cNvSpPr txBox="1"/>
+          <p:nvPr/>
+        </p:nvSpPr>
+        <p:spPr>
+          <a:xfrm>
+            <a:off x="7104426" y="4863664"/>
+            <a:ext cx="2026517" cy="369332"/>
+          </a:xfrm>
+          <a:prstGeom prst="rect">
+            <a:avLst/>
+          </a:prstGeom>
+          <a:noFill/>
+        </p:spPr>
+        <p:txBody>
+          <a:bodyPr wrap="none" rtlCol="0">
+            <a:spAutoFit/>
+          </a:bodyPr>
+          <a:lstStyle/>
+          <a:p>
+            <a:r>
+              <a:rPr lang="en-US" dirty="0" smtClean="0"/>
+              <a:t>Choose Color Ramp</a:t>
+            </a:r>
+            <a:endParaRPr lang="en-US" dirty="0"/>
+          </a:p>
+        </p:txBody>
+      </p:sp>
+      <p:grpSp>
+        <p:nvGrpSpPr>
+          <p:cNvPr id="56" name="Group 55"/>
+          <p:cNvGrpSpPr/>
+          <p:nvPr/>
+        </p:nvGrpSpPr>
+        <p:grpSpPr>
+          <a:xfrm>
+            <a:off x="7161976" y="5214360"/>
+            <a:ext cx="1771528" cy="649331"/>
+            <a:chOff x="677380" y="1490270"/>
+            <a:chExt cx="1771528" cy="649331"/>
+          </a:xfrm>
+        </p:grpSpPr>
+        <p:sp>
+          <p:nvSpPr>
+            <p:cNvPr id="57" name="TextBox 56"/>
+            <p:cNvSpPr txBox="1"/>
+            <p:nvPr/>
+          </p:nvSpPr>
+          <p:spPr>
+            <a:xfrm>
+              <a:off x="677380" y="1494049"/>
+              <a:ext cx="1407207" cy="369332"/>
+            </a:xfrm>
+            <a:prstGeom prst="rect">
+              <a:avLst/>
+            </a:prstGeom>
+            <a:noFill/>
+            <a:ln>
+              <a:solidFill>
+                <a:schemeClr val="bg1">
+                  <a:lumMod val="50000"/>
+                </a:schemeClr>
+              </a:solidFill>
+            </a:ln>
+          </p:spPr>
+          <p:txBody>
+            <a:bodyPr wrap="square" rtlCol="0">
+              <a:spAutoFit/>
+            </a:bodyPr>
+            <a:lstStyle/>
+            <a:p>
+              <a:r>
+                <a:rPr lang="en-US" dirty="0" smtClean="0">
+                  <a:solidFill>
+                    <a:schemeClr val="bg1">
+                      <a:lumMod val="75000"/>
+                    </a:schemeClr>
+                  </a:solidFill>
+                </a:rPr>
+                <a:t>Color Ramp</a:t>
+              </a:r>
+            </a:p>
+          </p:txBody>
+        </p:sp>
+        <p:grpSp>
+          <p:nvGrpSpPr>
+            <p:cNvPr id="58" name="Group 57"/>
+            <p:cNvGrpSpPr/>
+            <p:nvPr/>
+          </p:nvGrpSpPr>
+          <p:grpSpPr>
+            <a:xfrm>
+              <a:off x="2081365" y="1490270"/>
+              <a:ext cx="360000" cy="360000"/>
+              <a:chOff x="3218024" y="1580157"/>
+              <a:chExt cx="360000" cy="360000"/>
+            </a:xfrm>
+          </p:grpSpPr>
+          <p:sp>
+            <p:nvSpPr>
+              <p:cNvPr id="60" name="Isosceles Triangle 59"/>
+              <p:cNvSpPr/>
+              <p:nvPr/>
+            </p:nvSpPr>
+            <p:spPr>
+              <a:xfrm flipV="1">
+                <a:off x="3218024" y="1580157"/>
+                <a:ext cx="360000" cy="360000"/>
+              </a:xfrm>
+              <a:prstGeom prst="triangle">
+                <a:avLst/>
+              </a:prstGeom>
+            </p:spPr>
+            <p:style>
+              <a:lnRef idx="2">
+                <a:schemeClr val="accent1">
+                  <a:shade val="50000"/>
+                </a:schemeClr>
+              </a:lnRef>
+              <a:fillRef idx="1">
+                <a:schemeClr val="accent1"/>
+              </a:fillRef>
+              <a:effectRef idx="0">
+                <a:schemeClr val="accent1"/>
+              </a:effectRef>
+              <a:fontRef idx="minor">
+                <a:schemeClr val="lt1"/>
+              </a:fontRef>
+            </p:style>
+            <p:txBody>
+              <a:bodyPr rtlCol="0" anchor="ctr"/>
+              <a:lstStyle/>
+              <a:p>
+                <a:pPr algn="ctr"/>
+                <a:endParaRPr lang="en-US"/>
+              </a:p>
+            </p:txBody>
+          </p:sp>
+          <p:sp>
+            <p:nvSpPr>
+              <p:cNvPr id="61" name="TextBox 60"/>
+              <p:cNvSpPr txBox="1"/>
+              <p:nvPr/>
+            </p:nvSpPr>
+            <p:spPr>
+              <a:xfrm>
+                <a:off x="3218024" y="1580157"/>
+                <a:ext cx="360000" cy="360000"/>
+              </a:xfrm>
+              <a:prstGeom prst="rect">
+                <a:avLst/>
+              </a:prstGeom>
+              <a:noFill/>
+              <a:ln>
+                <a:solidFill>
+                  <a:schemeClr val="bg1">
+                    <a:lumMod val="50000"/>
+                  </a:schemeClr>
+                </a:solidFill>
+              </a:ln>
+            </p:spPr>
+            <p:txBody>
+              <a:bodyPr wrap="square" rtlCol="0">
+                <a:spAutoFit/>
+              </a:bodyPr>
+              <a:lstStyle/>
+              <a:p>
+                <a:endParaRPr lang="en-US" dirty="0">
+                  <a:solidFill>
+                    <a:schemeClr val="bg1">
+                      <a:lumMod val="75000"/>
+                    </a:schemeClr>
+                  </a:solidFill>
+                </a:endParaRPr>
+              </a:p>
+            </p:txBody>
+          </p:sp>
+        </p:grpSp>
+        <p:sp>
+          <p:nvSpPr>
+            <p:cNvPr id="59" name="TextBox 58"/>
+            <p:cNvSpPr txBox="1"/>
+            <p:nvPr/>
+          </p:nvSpPr>
+          <p:spPr>
+            <a:xfrm>
+              <a:off x="677380" y="1862602"/>
+              <a:ext cx="1771528" cy="276999"/>
+            </a:xfrm>
+            <a:prstGeom prst="rect">
+              <a:avLst/>
+            </a:prstGeom>
+            <a:noFill/>
+            <a:ln>
+              <a:solidFill>
+                <a:schemeClr val="bg1">
+                  <a:lumMod val="50000"/>
+                </a:schemeClr>
+              </a:solidFill>
+              <a:prstDash val="dash"/>
+            </a:ln>
+          </p:spPr>
+          <p:txBody>
+            <a:bodyPr wrap="square" rtlCol="0">
+              <a:spAutoFit/>
+            </a:bodyPr>
+            <a:lstStyle/>
+            <a:p>
+              <a:endParaRPr lang="en-US" sz="1200" dirty="0"/>
+            </a:p>
+          </p:txBody>
+        </p:sp>
+      </p:grpSp>
+      <p:grpSp>
+        <p:nvGrpSpPr>
+          <p:cNvPr id="15" name="Group 14"/>
+          <p:cNvGrpSpPr/>
+          <p:nvPr/>
+        </p:nvGrpSpPr>
+        <p:grpSpPr>
+          <a:xfrm>
+            <a:off x="1398765" y="2842904"/>
+            <a:ext cx="1505881" cy="369332"/>
+            <a:chOff x="1401837" y="2537577"/>
+            <a:chExt cx="1505881" cy="369332"/>
+          </a:xfrm>
+        </p:grpSpPr>
+        <p:sp>
+          <p:nvSpPr>
+            <p:cNvPr id="9" name="TextBox 8"/>
+            <p:cNvSpPr txBox="1"/>
+            <p:nvPr/>
+          </p:nvSpPr>
+          <p:spPr>
+            <a:xfrm>
+              <a:off x="2020145" y="2537577"/>
+              <a:ext cx="612483" cy="369332"/>
+            </a:xfrm>
+            <a:prstGeom prst="rect">
+              <a:avLst/>
+            </a:prstGeom>
+            <a:noFill/>
+            <a:ln>
+              <a:noFill/>
+            </a:ln>
+          </p:spPr>
+          <p:txBody>
+            <a:bodyPr wrap="square" rtlCol="0">
+              <a:spAutoFit/>
+            </a:bodyPr>
+            <a:lstStyle/>
+            <a:p>
+              <a:pPr algn="ctr"/>
+              <a:r>
+                <a:rPr lang="en-US" dirty="0" smtClean="0"/>
+                <a:t>CO</a:t>
+              </a:r>
+              <a:r>
+                <a:rPr lang="en-US" baseline="-25000" dirty="0" smtClean="0"/>
+                <a:t>2</a:t>
+              </a:r>
+              <a:endParaRPr lang="en-US" baseline="-25000" dirty="0"/>
+            </a:p>
+          </p:txBody>
+        </p:sp>
+        <p:cxnSp>
+          <p:nvCxnSpPr>
+            <p:cNvPr id="16" name="Straight Connector 15"/>
+            <p:cNvCxnSpPr/>
+            <p:nvPr/>
+          </p:nvCxnSpPr>
+          <p:spPr>
+            <a:xfrm flipV="1">
+              <a:off x="1747229" y="2722243"/>
+              <a:ext cx="360000" cy="3554"/>
+            </a:xfrm>
+            <a:prstGeom prst="line">
+              <a:avLst/>
+            </a:prstGeom>
+            <a:ln w="25400"/>
+          </p:spPr>
+          <p:style>
+            <a:lnRef idx="1">
+              <a:schemeClr val="accent1"/>
+            </a:lnRef>
+            <a:fillRef idx="0">
+              <a:schemeClr val="accent1"/>
+            </a:fillRef>
+            <a:effectRef idx="0">
+              <a:schemeClr val="accent1"/>
+            </a:effectRef>
+            <a:fontRef idx="minor">
+              <a:schemeClr val="tx1"/>
+            </a:fontRef>
+          </p:style>
+        </p:cxnSp>
+        <p:cxnSp>
+          <p:nvCxnSpPr>
+            <p:cNvPr id="17" name="Straight Connector 16"/>
+            <p:cNvCxnSpPr/>
+            <p:nvPr/>
+          </p:nvCxnSpPr>
+          <p:spPr>
+            <a:xfrm flipV="1">
+              <a:off x="2547718" y="2722243"/>
+              <a:ext cx="360000" cy="3554"/>
+            </a:xfrm>
+            <a:prstGeom prst="line">
+              <a:avLst/>
+            </a:prstGeom>
+            <a:ln w="25400"/>
+          </p:spPr>
+          <p:style>
+            <a:lnRef idx="1">
+              <a:schemeClr val="accent1"/>
+            </a:lnRef>
+            <a:fillRef idx="0">
+              <a:schemeClr val="accent1"/>
+            </a:fillRef>
+            <a:effectRef idx="0">
+              <a:schemeClr val="accent1"/>
+            </a:effectRef>
+            <a:fontRef idx="minor">
+              <a:schemeClr val="tx1"/>
+            </a:fontRef>
+          </p:style>
+        </p:cxnSp>
+        <p:sp>
+          <p:nvSpPr>
+            <p:cNvPr id="23" name="Rectangle 22"/>
+            <p:cNvSpPr/>
+            <p:nvPr/>
+          </p:nvSpPr>
+          <p:spPr>
+            <a:xfrm>
+              <a:off x="1401837" y="2632213"/>
+              <a:ext cx="180000" cy="180000"/>
+            </a:xfrm>
+            <a:prstGeom prst="rect">
+              <a:avLst/>
+            </a:prstGeom>
+            <a:noFill/>
+          </p:spPr>
+          <p:style>
+            <a:lnRef idx="2">
+              <a:schemeClr val="accent1">
+                <a:shade val="50000"/>
+              </a:schemeClr>
+            </a:lnRef>
+            <a:fillRef idx="1">
+              <a:schemeClr val="accent1"/>
+            </a:fillRef>
+            <a:effectRef idx="0">
+              <a:schemeClr val="accent1"/>
+            </a:effectRef>
+            <a:fontRef idx="minor">
+              <a:schemeClr val="lt1"/>
+            </a:fontRef>
+          </p:style>
+          <p:txBody>
+            <a:bodyPr rtlCol="0" anchor="ctr"/>
+            <a:lstStyle/>
+            <a:p>
+              <a:pPr algn="ctr"/>
+              <a:endParaRPr lang="en-US"/>
+            </a:p>
+          </p:txBody>
+        </p:sp>
+      </p:grpSp>
+      <p:sp>
+        <p:nvSpPr>
+          <p:cNvPr id="71" name="TextBox 70"/>
+          <p:cNvSpPr txBox="1"/>
+          <p:nvPr/>
+        </p:nvSpPr>
+        <p:spPr>
+          <a:xfrm>
+            <a:off x="1398765" y="4758014"/>
+            <a:ext cx="1407207" cy="369332"/>
+          </a:xfrm>
+          <a:prstGeom prst="rect">
+            <a:avLst/>
+          </a:prstGeom>
+          <a:noFill/>
+          <a:ln>
+            <a:solidFill>
+              <a:schemeClr val="bg1">
+                <a:lumMod val="50000"/>
+              </a:schemeClr>
+            </a:solidFill>
+          </a:ln>
+        </p:spPr>
+        <p:txBody>
+          <a:bodyPr wrap="square" rtlCol="0">
+            <a:spAutoFit/>
+          </a:bodyPr>
+          <a:lstStyle/>
+          <a:p>
+            <a:r>
+              <a:rPr lang="en-US" dirty="0" smtClean="0">
+                <a:solidFill>
+                  <a:schemeClr val="bg1">
+                    <a:lumMod val="75000"/>
+                  </a:schemeClr>
+                </a:solidFill>
+              </a:rPr>
+              <a:t>Location</a:t>
+            </a:r>
+          </a:p>
+        </p:txBody>
+      </p:sp>
+      <p:sp>
+        <p:nvSpPr>
+          <p:cNvPr id="76" name="TextBox 75"/>
+          <p:cNvSpPr txBox="1"/>
+          <p:nvPr/>
+        </p:nvSpPr>
+        <p:spPr>
+          <a:xfrm>
+            <a:off x="1397154" y="5127680"/>
+            <a:ext cx="1407207" cy="369332"/>
+          </a:xfrm>
+          <a:prstGeom prst="rect">
+            <a:avLst/>
+          </a:prstGeom>
+          <a:noFill/>
+          <a:ln>
+            <a:solidFill>
+              <a:schemeClr val="bg1">
+                <a:lumMod val="50000"/>
+              </a:schemeClr>
+            </a:solidFill>
+          </a:ln>
+        </p:spPr>
+        <p:txBody>
+          <a:bodyPr wrap="square" rtlCol="0">
+            <a:spAutoFit/>
+          </a:bodyPr>
+          <a:lstStyle/>
+          <a:p>
+            <a:r>
+              <a:rPr lang="en-US" dirty="0" smtClean="0">
+                <a:solidFill>
+                  <a:schemeClr val="bg1">
+                    <a:lumMod val="75000"/>
+                  </a:schemeClr>
+                </a:solidFill>
+              </a:rPr>
+              <a:t>Date Range</a:t>
+            </a:r>
+          </a:p>
+        </p:txBody>
+      </p:sp>
+      <p:sp>
+        <p:nvSpPr>
+          <p:cNvPr id="81" name="TextBox 80"/>
+          <p:cNvSpPr txBox="1"/>
+          <p:nvPr/>
+        </p:nvSpPr>
+        <p:spPr>
+          <a:xfrm>
+            <a:off x="1397154" y="5495788"/>
+            <a:ext cx="1407207" cy="369332"/>
+          </a:xfrm>
+          <a:prstGeom prst="rect">
+            <a:avLst/>
+          </a:prstGeom>
+          <a:noFill/>
+          <a:ln>
+            <a:solidFill>
+              <a:schemeClr val="bg1">
+                <a:lumMod val="50000"/>
+              </a:schemeClr>
+            </a:solidFill>
+          </a:ln>
+        </p:spPr>
+        <p:txBody>
+          <a:bodyPr wrap="square" rtlCol="0">
+            <a:spAutoFit/>
+          </a:bodyPr>
+          <a:lstStyle/>
+          <a:p>
+            <a:r>
+              <a:rPr lang="en-US" dirty="0" smtClean="0">
+                <a:solidFill>
+                  <a:schemeClr val="bg1">
+                    <a:lumMod val="75000"/>
+                  </a:schemeClr>
+                </a:solidFill>
+              </a:rPr>
+              <a:t>Gas Type</a:t>
+            </a:r>
+          </a:p>
+        </p:txBody>
+      </p:sp>
+      <p:sp>
+        <p:nvSpPr>
+          <p:cNvPr id="85" name="TextBox 84"/>
+          <p:cNvSpPr txBox="1"/>
+          <p:nvPr/>
+        </p:nvSpPr>
+        <p:spPr>
+          <a:xfrm>
+            <a:off x="1397154" y="5864264"/>
+            <a:ext cx="1407207" cy="369332"/>
+          </a:xfrm>
+          <a:prstGeom prst="rect">
+            <a:avLst/>
+          </a:prstGeom>
+          <a:noFill/>
+          <a:ln>
+            <a:solidFill>
+              <a:schemeClr val="bg1">
+                <a:lumMod val="50000"/>
+              </a:schemeClr>
+            </a:solidFill>
+          </a:ln>
+        </p:spPr>
+        <p:txBody>
+          <a:bodyPr wrap="square" rtlCol="0">
+            <a:spAutoFit/>
+          </a:bodyPr>
+          <a:lstStyle/>
+          <a:p>
+            <a:r>
+              <a:rPr lang="en-US" dirty="0" smtClean="0">
+                <a:solidFill>
+                  <a:schemeClr val="bg1">
+                    <a:lumMod val="75000"/>
+                  </a:schemeClr>
+                </a:solidFill>
+              </a:rPr>
+              <a:t>…</a:t>
+            </a:r>
+          </a:p>
+        </p:txBody>
+      </p:sp>
+    </p:spTree>
+    <p:extLst>
+      <p:ext uri="{BB962C8B-B14F-4D97-AF65-F5344CB8AC3E}">
         <p14:creationId xmlns:p14="http://schemas.microsoft.com/office/powerpoint/2010/main" val="1405384632"/>
       </p:ext>
     </p:extLst>
@@ -5896,6 +10980,295 @@
 </file>
 
 <file path=ppt/slides/slide3.xml><?xml version="1.0" encoding="utf-8"?>
+<p:sld xmlns:a="http://schemas.openxmlformats.org/drawingml/2006/main" xmlns:r="http://schemas.openxmlformats.org/officeDocument/2006/relationships" xmlns:p="http://schemas.openxmlformats.org/presentationml/2006/main">
+  <p:cSld>
+    <p:spTree>
+      <p:nvGrpSpPr>
+        <p:cNvPr id="1" name=""/>
+        <p:cNvGrpSpPr/>
+        <p:nvPr/>
+      </p:nvGrpSpPr>
+      <p:grpSpPr>
+        <a:xfrm>
+          <a:off x="0" y="0"/>
+          <a:ext cx="0" cy="0"/>
+          <a:chOff x="0" y="0"/>
+          <a:chExt cx="0" cy="0"/>
+        </a:xfrm>
+      </p:grpSpPr>
+      <p:sp>
+        <p:nvSpPr>
+          <p:cNvPr id="4" name="TextBox 3"/>
+          <p:cNvSpPr txBox="1"/>
+          <p:nvPr/>
+        </p:nvSpPr>
+        <p:spPr>
+          <a:xfrm>
+            <a:off x="580834" y="439342"/>
+            <a:ext cx="1712686" cy="369332"/>
+          </a:xfrm>
+          <a:prstGeom prst="rect">
+            <a:avLst/>
+          </a:prstGeom>
+          <a:noFill/>
+          <a:ln>
+            <a:solidFill>
+              <a:srgbClr val="0070C0"/>
+            </a:solidFill>
+          </a:ln>
+        </p:spPr>
+        <p:txBody>
+          <a:bodyPr wrap="square" rtlCol="0">
+            <a:spAutoFit/>
+          </a:bodyPr>
+          <a:lstStyle/>
+          <a:p>
+            <a:pPr algn="ctr"/>
+            <a:r>
+              <a:rPr lang="en-US" dirty="0" smtClean="0"/>
+              <a:t>UPLOAD DATA</a:t>
+            </a:r>
+            <a:endParaRPr lang="en-US" dirty="0"/>
+          </a:p>
+        </p:txBody>
+      </p:sp>
+      <p:sp>
+        <p:nvSpPr>
+          <p:cNvPr id="5" name="TextBox 4"/>
+          <p:cNvSpPr txBox="1"/>
+          <p:nvPr/>
+        </p:nvSpPr>
+        <p:spPr>
+          <a:xfrm>
+            <a:off x="2448908" y="439342"/>
+            <a:ext cx="3737580" cy="369332"/>
+          </a:xfrm>
+          <a:prstGeom prst="rect">
+            <a:avLst/>
+          </a:prstGeom>
+          <a:noFill/>
+          <a:ln>
+            <a:solidFill>
+              <a:srgbClr val="0070C0"/>
+            </a:solidFill>
+          </a:ln>
+          <a:effectLst>
+            <a:innerShdw blurRad="63500" dist="50800" dir="16200000">
+              <a:prstClr val="black">
+                <a:alpha val="55000"/>
+              </a:prstClr>
+            </a:innerShdw>
+            <a:softEdge rad="31750"/>
+          </a:effectLst>
+        </p:spPr>
+        <p:txBody>
+          <a:bodyPr wrap="square" rtlCol="0">
+            <a:spAutoFit/>
+          </a:bodyPr>
+          <a:lstStyle/>
+          <a:p>
+            <a:r>
+              <a:rPr lang="en-US" u="sng" dirty="0" smtClean="0"/>
+              <a:t>CSV/Excel</a:t>
+            </a:r>
+            <a:r>
+              <a:rPr lang="en-US" u="sng" dirty="0" smtClean="0"/>
+              <a:t> </a:t>
+            </a:r>
+            <a:r>
+              <a:rPr lang="en-US" u="sng" dirty="0" smtClean="0"/>
+              <a:t>Upload Form</a:t>
+            </a:r>
+            <a:endParaRPr lang="en-US" u="sng" dirty="0"/>
+          </a:p>
+        </p:txBody>
+      </p:sp>
+      <p:sp>
+        <p:nvSpPr>
+          <p:cNvPr id="7" name="TextBox 6"/>
+          <p:cNvSpPr txBox="1"/>
+          <p:nvPr/>
+        </p:nvSpPr>
+        <p:spPr>
+          <a:xfrm>
+            <a:off x="757238" y="1610917"/>
+            <a:ext cx="5900738" cy="461665"/>
+          </a:xfrm>
+          <a:prstGeom prst="rect">
+            <a:avLst/>
+          </a:prstGeom>
+          <a:noFill/>
+          <a:ln>
+            <a:solidFill>
+              <a:srgbClr val="0070C0"/>
+            </a:solidFill>
+          </a:ln>
+          <a:effectLst>
+            <a:innerShdw blurRad="63500" dist="50800" dir="16200000">
+              <a:prstClr val="black">
+                <a:alpha val="55000"/>
+              </a:prstClr>
+            </a:innerShdw>
+            <a:softEdge rad="31750"/>
+          </a:effectLst>
+        </p:spPr>
+        <p:txBody>
+          <a:bodyPr wrap="square" rtlCol="0">
+            <a:spAutoFit/>
+          </a:bodyPr>
+          <a:lstStyle/>
+          <a:p>
+            <a:r>
+              <a:rPr lang="en-US" sz="2400" u="sng" dirty="0" smtClean="0"/>
+              <a:t>Download Data Upload Template</a:t>
+            </a:r>
+            <a:endParaRPr lang="en-US" sz="2400" u="sng" dirty="0"/>
+          </a:p>
+        </p:txBody>
+      </p:sp>
+      <p:sp>
+        <p:nvSpPr>
+          <p:cNvPr id="8" name="TextBox 7"/>
+          <p:cNvSpPr txBox="1"/>
+          <p:nvPr/>
+        </p:nvSpPr>
+        <p:spPr>
+          <a:xfrm>
+            <a:off x="757238" y="2225280"/>
+            <a:ext cx="5023455" cy="461665"/>
+          </a:xfrm>
+          <a:prstGeom prst="rect">
+            <a:avLst/>
+          </a:prstGeom>
+          <a:noFill/>
+          <a:ln>
+            <a:solidFill>
+              <a:srgbClr val="0070C0"/>
+            </a:solidFill>
+          </a:ln>
+          <a:effectLst>
+            <a:innerShdw blurRad="63500" dist="50800" dir="16200000">
+              <a:prstClr val="black">
+                <a:alpha val="55000"/>
+              </a:prstClr>
+            </a:innerShdw>
+            <a:softEdge rad="31750"/>
+          </a:effectLst>
+        </p:spPr>
+        <p:txBody>
+          <a:bodyPr wrap="square" rtlCol="0">
+            <a:spAutoFit/>
+          </a:bodyPr>
+          <a:lstStyle/>
+          <a:p>
+            <a:r>
+              <a:rPr lang="en-US" sz="2400" u="sng" dirty="0" smtClean="0"/>
+              <a:t>Download Metadata Upload Template</a:t>
+            </a:r>
+            <a:endParaRPr lang="en-US" sz="2400" u="sng" dirty="0"/>
+          </a:p>
+        </p:txBody>
+      </p:sp>
+      <p:sp>
+        <p:nvSpPr>
+          <p:cNvPr id="9" name="TextBox 8"/>
+          <p:cNvSpPr txBox="1"/>
+          <p:nvPr/>
+        </p:nvSpPr>
+        <p:spPr>
+          <a:xfrm>
+            <a:off x="714376" y="4168379"/>
+            <a:ext cx="5900738" cy="461665"/>
+          </a:xfrm>
+          <a:prstGeom prst="rect">
+            <a:avLst/>
+          </a:prstGeom>
+          <a:noFill/>
+          <a:ln>
+            <a:solidFill>
+              <a:srgbClr val="0070C0"/>
+            </a:solidFill>
+          </a:ln>
+          <a:effectLst>
+            <a:innerShdw blurRad="63500" dist="50800" dir="16200000">
+              <a:prstClr val="black">
+                <a:alpha val="55000"/>
+              </a:prstClr>
+            </a:innerShdw>
+            <a:softEdge rad="31750"/>
+          </a:effectLst>
+        </p:spPr>
+        <p:txBody>
+          <a:bodyPr wrap="square" rtlCol="0">
+            <a:spAutoFit/>
+          </a:bodyPr>
+          <a:lstStyle/>
+          <a:p>
+            <a:r>
+              <a:rPr lang="en-US" sz="2400" u="sng" dirty="0" smtClean="0"/>
+              <a:t>Upload Data</a:t>
+            </a:r>
+            <a:endParaRPr lang="en-US" sz="2400" u="sng" dirty="0"/>
+          </a:p>
+        </p:txBody>
+      </p:sp>
+      <p:sp>
+        <p:nvSpPr>
+          <p:cNvPr id="10" name="TextBox 9"/>
+          <p:cNvSpPr txBox="1"/>
+          <p:nvPr/>
+        </p:nvSpPr>
+        <p:spPr>
+          <a:xfrm>
+            <a:off x="714376" y="4782742"/>
+            <a:ext cx="5023455" cy="461665"/>
+          </a:xfrm>
+          <a:prstGeom prst="rect">
+            <a:avLst/>
+          </a:prstGeom>
+          <a:noFill/>
+          <a:ln>
+            <a:solidFill>
+              <a:srgbClr val="0070C0"/>
+            </a:solidFill>
+          </a:ln>
+          <a:effectLst>
+            <a:innerShdw blurRad="63500" dist="50800" dir="16200000">
+              <a:prstClr val="black">
+                <a:alpha val="55000"/>
+              </a:prstClr>
+            </a:innerShdw>
+            <a:softEdge rad="31750"/>
+          </a:effectLst>
+        </p:spPr>
+        <p:txBody>
+          <a:bodyPr wrap="square" rtlCol="0">
+            <a:spAutoFit/>
+          </a:bodyPr>
+          <a:lstStyle/>
+          <a:p>
+            <a:r>
+              <a:rPr lang="en-US" sz="2400" u="sng" dirty="0" smtClean="0"/>
+              <a:t>Upload Metadata</a:t>
+            </a:r>
+            <a:endParaRPr lang="en-US" sz="2400" u="sng" dirty="0"/>
+          </a:p>
+        </p:txBody>
+      </p:sp>
+    </p:spTree>
+    <p:extLst>
+      <p:ext uri="{BB962C8B-B14F-4D97-AF65-F5344CB8AC3E}">
+        <p14:creationId xmlns:p14="http://schemas.microsoft.com/office/powerpoint/2010/main" val="2125943238"/>
+      </p:ext>
+    </p:extLst>
+  </p:cSld>
+  <p:clrMapOvr>
+    <a:masterClrMapping/>
+  </p:clrMapOvr>
+</p:sld>
+</file>
+
+<file path=ppt/slides/slide4.xml><?xml version="1.0" encoding="utf-8"?>
 <p:sld xmlns:a="http://schemas.openxmlformats.org/drawingml/2006/main" xmlns:r="http://schemas.openxmlformats.org/officeDocument/2006/relationships" xmlns:p="http://schemas.openxmlformats.org/presentationml/2006/main">
   <p:cSld>
     <p:spTree>
@@ -8836,7 +14209,7 @@
 </p:sld>
 </file>
 
-<file path=ppt/slides/slide4.xml><?xml version="1.0" encoding="utf-8"?>
+<file path=ppt/slides/slide5.xml><?xml version="1.0" encoding="utf-8"?>
 <p:sld xmlns:a="http://schemas.openxmlformats.org/drawingml/2006/main" xmlns:r="http://schemas.openxmlformats.org/officeDocument/2006/relationships" xmlns:p="http://schemas.openxmlformats.org/presentationml/2006/main">
   <p:cSld>
     <p:spTree>
@@ -12911,7 +18284,7 @@
 </p:sld>
 </file>
 
-<file path=ppt/slides/slide5.xml><?xml version="1.0" encoding="utf-8"?>
+<file path=ppt/slides/slide6.xml><?xml version="1.0" encoding="utf-8"?>
 <p:sld xmlns:a="http://schemas.openxmlformats.org/drawingml/2006/main" xmlns:r="http://schemas.openxmlformats.org/officeDocument/2006/relationships" xmlns:p="http://schemas.openxmlformats.org/presentationml/2006/main">
   <p:cSld>
     <p:spTree>
@@ -16349,7 +21722,7 @@
 </p:sld>
 </file>
 
-<file path=ppt/slides/slide6.xml><?xml version="1.0" encoding="utf-8"?>
+<file path=ppt/slides/slide7.xml><?xml version="1.0" encoding="utf-8"?>
 <p:sld xmlns:a="http://schemas.openxmlformats.org/drawingml/2006/main" xmlns:r="http://schemas.openxmlformats.org/officeDocument/2006/relationships" xmlns:p="http://schemas.openxmlformats.org/presentationml/2006/main">
   <p:cSld>
     <p:spTree>
@@ -17195,7 +22568,7 @@
 </p:sld>
 </file>
 
-<file path=ppt/slides/slide7.xml><?xml version="1.0" encoding="utf-8"?>
+<file path=ppt/slides/slide8.xml><?xml version="1.0" encoding="utf-8"?>
 <p:sld xmlns:a="http://schemas.openxmlformats.org/drawingml/2006/main" xmlns:r="http://schemas.openxmlformats.org/officeDocument/2006/relationships" xmlns:p="http://schemas.openxmlformats.org/presentationml/2006/main">
   <p:cSld>
     <p:spTree>
@@ -20756,7 +26129,7 @@
 </p:sld>
 </file>
 
-<file path=ppt/slides/slide8.xml><?xml version="1.0" encoding="utf-8"?>
+<file path=ppt/slides/slide9.xml><?xml version="1.0" encoding="utf-8"?>
 <p:sld xmlns:a="http://schemas.openxmlformats.org/drawingml/2006/main" xmlns:r="http://schemas.openxmlformats.org/officeDocument/2006/relationships" xmlns:p="http://schemas.openxmlformats.org/presentationml/2006/main">
   <p:cSld>
     <p:spTree>
@@ -24513,3883 +29886,6 @@
     <p:extLst>
       <p:ext uri="{BB962C8B-B14F-4D97-AF65-F5344CB8AC3E}">
         <p14:creationId xmlns:p14="http://schemas.microsoft.com/office/powerpoint/2010/main" val="3946922303"/>
-      </p:ext>
-    </p:extLst>
-  </p:cSld>
-  <p:clrMapOvr>
-    <a:masterClrMapping/>
-  </p:clrMapOvr>
-  <p:timing>
-    <p:tnLst>
-      <p:par>
-        <p:cTn id="1" dur="indefinite" restart="never" nodeType="tmRoot"/>
-      </p:par>
-    </p:tnLst>
-  </p:timing>
-</p:sld>
-</file>
-
-<file path=ppt/slides/slide9.xml><?xml version="1.0" encoding="utf-8"?>
-<p:sld xmlns:a="http://schemas.openxmlformats.org/drawingml/2006/main" xmlns:r="http://schemas.openxmlformats.org/officeDocument/2006/relationships" xmlns:p="http://schemas.openxmlformats.org/presentationml/2006/main">
-  <p:cSld>
-    <p:spTree>
-      <p:nvGrpSpPr>
-        <p:cNvPr id="1" name=""/>
-        <p:cNvGrpSpPr/>
-        <p:nvPr/>
-      </p:nvGrpSpPr>
-      <p:grpSpPr>
-        <a:xfrm>
-          <a:off x="0" y="0"/>
-          <a:ext cx="0" cy="0"/>
-          <a:chOff x="0" y="0"/>
-          <a:chExt cx="0" cy="0"/>
-        </a:xfrm>
-      </p:grpSpPr>
-      <p:sp>
-        <p:nvSpPr>
-          <p:cNvPr id="5" name="TextBox 4"/>
-          <p:cNvSpPr txBox="1"/>
-          <p:nvPr/>
-        </p:nvSpPr>
-        <p:spPr>
-          <a:xfrm>
-            <a:off x="580834" y="439342"/>
-            <a:ext cx="1712686" cy="369332"/>
-          </a:xfrm>
-          <a:prstGeom prst="rect">
-            <a:avLst/>
-          </a:prstGeom>
-          <a:noFill/>
-          <a:ln>
-            <a:solidFill>
-              <a:srgbClr val="0070C0"/>
-            </a:solidFill>
-          </a:ln>
-        </p:spPr>
-        <p:txBody>
-          <a:bodyPr wrap="square" rtlCol="0">
-            <a:spAutoFit/>
-          </a:bodyPr>
-          <a:lstStyle/>
-          <a:p>
-            <a:pPr algn="ctr"/>
-            <a:r>
-              <a:rPr lang="en-US" dirty="0" smtClean="0"/>
-              <a:t>UPLOAD DATA</a:t>
-            </a:r>
-            <a:endParaRPr lang="en-US" dirty="0"/>
-          </a:p>
-        </p:txBody>
-      </p:sp>
-      <p:sp>
-        <p:nvSpPr>
-          <p:cNvPr id="13" name="TextBox 12"/>
-          <p:cNvSpPr txBox="1"/>
-          <p:nvPr/>
-        </p:nvSpPr>
-        <p:spPr>
-          <a:xfrm>
-            <a:off x="2448909" y="439342"/>
-            <a:ext cx="2339620" cy="369332"/>
-          </a:xfrm>
-          <a:prstGeom prst="rect">
-            <a:avLst/>
-          </a:prstGeom>
-          <a:noFill/>
-          <a:ln>
-            <a:solidFill>
-              <a:srgbClr val="0070C0"/>
-            </a:solidFill>
-          </a:ln>
-          <a:effectLst>
-            <a:innerShdw blurRad="63500" dist="50800" dir="16200000">
-              <a:prstClr val="black">
-                <a:alpha val="55000"/>
-              </a:prstClr>
-            </a:innerShdw>
-            <a:softEdge rad="31750"/>
-          </a:effectLst>
-        </p:spPr>
-        <p:txBody>
-          <a:bodyPr wrap="square" rtlCol="0">
-            <a:spAutoFit/>
-          </a:bodyPr>
-          <a:lstStyle/>
-          <a:p>
-            <a:r>
-              <a:rPr lang="en-US" u="sng" dirty="0" smtClean="0"/>
-              <a:t>Single Upload Form</a:t>
-            </a:r>
-            <a:endParaRPr lang="en-US" u="sng" dirty="0"/>
-          </a:p>
-        </p:txBody>
-      </p:sp>
-      <p:sp>
-        <p:nvSpPr>
-          <p:cNvPr id="21" name="TextBox 20"/>
-          <p:cNvSpPr txBox="1"/>
-          <p:nvPr/>
-        </p:nvSpPr>
-        <p:spPr>
-          <a:xfrm>
-            <a:off x="580834" y="1049049"/>
-            <a:ext cx="2818400" cy="369332"/>
-          </a:xfrm>
-          <a:prstGeom prst="rect">
-            <a:avLst/>
-          </a:prstGeom>
-          <a:noFill/>
-        </p:spPr>
-        <p:txBody>
-          <a:bodyPr wrap="none" rtlCol="0">
-            <a:spAutoFit/>
-          </a:bodyPr>
-          <a:lstStyle/>
-          <a:p>
-            <a:r>
-              <a:rPr lang="en-US" b="1" dirty="0" smtClean="0"/>
-              <a:t>Part 5: Gas transfer velocity</a:t>
-            </a:r>
-            <a:endParaRPr lang="en-US" b="1" dirty="0"/>
-          </a:p>
-        </p:txBody>
-      </p:sp>
-      <p:sp>
-        <p:nvSpPr>
-          <p:cNvPr id="22" name="TextBox 21"/>
-          <p:cNvSpPr txBox="1"/>
-          <p:nvPr/>
-        </p:nvSpPr>
-        <p:spPr>
-          <a:xfrm>
-            <a:off x="580834" y="3052025"/>
-            <a:ext cx="3533788" cy="369332"/>
-          </a:xfrm>
-          <a:prstGeom prst="rect">
-            <a:avLst/>
-          </a:prstGeom>
-          <a:noFill/>
-        </p:spPr>
-        <p:txBody>
-          <a:bodyPr wrap="none" rtlCol="0">
-            <a:spAutoFit/>
-          </a:bodyPr>
-          <a:lstStyle/>
-          <a:p>
-            <a:r>
-              <a:rPr lang="en-US" b="1" dirty="0" smtClean="0"/>
-              <a:t>Part 6: Other </a:t>
-            </a:r>
-            <a:r>
-              <a:rPr lang="en-US" b="1" i="1" dirty="0" smtClean="0"/>
-              <a:t>in situ </a:t>
-            </a:r>
-            <a:r>
-              <a:rPr lang="en-US" b="1" dirty="0" smtClean="0"/>
-              <a:t>measurements</a:t>
-            </a:r>
-            <a:endParaRPr lang="en-US" b="1" dirty="0"/>
-          </a:p>
-        </p:txBody>
-      </p:sp>
-      <p:grpSp>
-        <p:nvGrpSpPr>
-          <p:cNvPr id="97" name="Group 96"/>
-          <p:cNvGrpSpPr/>
-          <p:nvPr/>
-        </p:nvGrpSpPr>
-        <p:grpSpPr>
-          <a:xfrm>
-            <a:off x="92000" y="1671448"/>
-            <a:ext cx="1869978" cy="883220"/>
-            <a:chOff x="4274936" y="1757365"/>
-            <a:chExt cx="1869978" cy="883220"/>
-          </a:xfrm>
-        </p:grpSpPr>
-        <p:sp>
-          <p:nvSpPr>
-            <p:cNvPr id="98" name="TextBox 97"/>
-            <p:cNvSpPr txBox="1"/>
-            <p:nvPr/>
-          </p:nvSpPr>
-          <p:spPr>
-            <a:xfrm>
-              <a:off x="4274936" y="1757823"/>
-              <a:ext cx="947520" cy="369332"/>
-            </a:xfrm>
-            <a:prstGeom prst="rect">
-              <a:avLst/>
-            </a:prstGeom>
-            <a:noFill/>
-            <a:ln>
-              <a:solidFill>
-                <a:schemeClr val="bg1">
-                  <a:lumMod val="50000"/>
-                </a:schemeClr>
-              </a:solidFill>
-            </a:ln>
-          </p:spPr>
-          <p:txBody>
-            <a:bodyPr wrap="square" rtlCol="0">
-              <a:spAutoFit/>
-            </a:bodyPr>
-            <a:lstStyle/>
-            <a:p>
-              <a:r>
-                <a:rPr lang="en-US" dirty="0" smtClean="0">
-                  <a:solidFill>
-                    <a:schemeClr val="bg1">
-                      <a:lumMod val="75000"/>
-                    </a:schemeClr>
-                  </a:solidFill>
-                </a:rPr>
-                <a:t>k</a:t>
-              </a:r>
-              <a:r>
-                <a:rPr lang="en-US" baseline="-25000" dirty="0" smtClean="0">
-                  <a:solidFill>
-                    <a:schemeClr val="bg1">
-                      <a:lumMod val="75000"/>
-                    </a:schemeClr>
-                  </a:solidFill>
-                </a:rPr>
-                <a:t>600</a:t>
-              </a:r>
-              <a:r>
-                <a:rPr lang="en-US" dirty="0" smtClean="0">
-                  <a:solidFill>
-                    <a:schemeClr val="bg1">
-                      <a:lumMod val="75000"/>
-                    </a:schemeClr>
-                  </a:solidFill>
-                </a:rPr>
-                <a:t>-CO</a:t>
-              </a:r>
-              <a:r>
-                <a:rPr lang="en-US" baseline="-25000" dirty="0" smtClean="0">
-                  <a:solidFill>
-                    <a:schemeClr val="bg1">
-                      <a:lumMod val="75000"/>
-                    </a:schemeClr>
-                  </a:solidFill>
-                </a:rPr>
-                <a:t>2</a:t>
-              </a:r>
-              <a:endParaRPr lang="en-US" baseline="-25000" dirty="0">
-                <a:solidFill>
-                  <a:schemeClr val="bg1">
-                    <a:lumMod val="75000"/>
-                  </a:schemeClr>
-                </a:solidFill>
-              </a:endParaRPr>
-            </a:p>
-          </p:txBody>
-        </p:sp>
-        <p:sp>
-          <p:nvSpPr>
-            <p:cNvPr id="100" name="TextBox 99"/>
-            <p:cNvSpPr txBox="1"/>
-            <p:nvPr/>
-          </p:nvSpPr>
-          <p:spPr>
-            <a:xfrm>
-              <a:off x="5211464" y="2117365"/>
-              <a:ext cx="933450" cy="523220"/>
-            </a:xfrm>
-            <a:prstGeom prst="rect">
-              <a:avLst/>
-            </a:prstGeom>
-            <a:noFill/>
-            <a:ln>
-              <a:solidFill>
-                <a:schemeClr val="bg1">
-                  <a:lumMod val="50000"/>
-                </a:schemeClr>
-              </a:solidFill>
-              <a:prstDash val="dash"/>
-            </a:ln>
-          </p:spPr>
-          <p:txBody>
-            <a:bodyPr wrap="square" rtlCol="0">
-              <a:spAutoFit/>
-            </a:bodyPr>
-            <a:lstStyle/>
-            <a:p>
-              <a:r>
-                <a:rPr lang="en-US" sz="1400" dirty="0" smtClean="0"/>
-                <a:t>m d</a:t>
-              </a:r>
-              <a:r>
-                <a:rPr lang="en-US" sz="1400" baseline="30000" dirty="0" smtClean="0"/>
-                <a:t>-1</a:t>
-              </a:r>
-            </a:p>
-            <a:p>
-              <a:r>
-                <a:rPr lang="en-US" sz="1400" dirty="0" smtClean="0"/>
-                <a:t>cm s</a:t>
-              </a:r>
-              <a:r>
-                <a:rPr lang="en-US" sz="1400" baseline="30000" dirty="0" smtClean="0"/>
-                <a:t>-1</a:t>
-              </a:r>
-            </a:p>
-          </p:txBody>
-        </p:sp>
-        <p:grpSp>
-          <p:nvGrpSpPr>
-            <p:cNvPr id="101" name="Group 100"/>
-            <p:cNvGrpSpPr/>
-            <p:nvPr/>
-          </p:nvGrpSpPr>
-          <p:grpSpPr>
-            <a:xfrm>
-              <a:off x="5784913" y="1757365"/>
-              <a:ext cx="360000" cy="360000"/>
-              <a:chOff x="3218024" y="1580157"/>
-              <a:chExt cx="360000" cy="360000"/>
-            </a:xfrm>
-          </p:grpSpPr>
-          <p:sp>
-            <p:nvSpPr>
-              <p:cNvPr id="107" name="Isosceles Triangle 106"/>
-              <p:cNvSpPr/>
-              <p:nvPr/>
-            </p:nvSpPr>
-            <p:spPr>
-              <a:xfrm flipV="1">
-                <a:off x="3218024" y="1580157"/>
-                <a:ext cx="360000" cy="360000"/>
-              </a:xfrm>
-              <a:prstGeom prst="triangle">
-                <a:avLst/>
-              </a:prstGeom>
-            </p:spPr>
-            <p:style>
-              <a:lnRef idx="2">
-                <a:schemeClr val="accent1">
-                  <a:shade val="50000"/>
-                </a:schemeClr>
-              </a:lnRef>
-              <a:fillRef idx="1">
-                <a:schemeClr val="accent1"/>
-              </a:fillRef>
-              <a:effectRef idx="0">
-                <a:schemeClr val="accent1"/>
-              </a:effectRef>
-              <a:fontRef idx="minor">
-                <a:schemeClr val="lt1"/>
-              </a:fontRef>
-            </p:style>
-            <p:txBody>
-              <a:bodyPr rtlCol="0" anchor="ctr"/>
-              <a:lstStyle/>
-              <a:p>
-                <a:pPr algn="ctr"/>
-                <a:endParaRPr lang="en-US"/>
-              </a:p>
-            </p:txBody>
-          </p:sp>
-          <p:sp>
-            <p:nvSpPr>
-              <p:cNvPr id="108" name="TextBox 107"/>
-              <p:cNvSpPr txBox="1"/>
-              <p:nvPr/>
-            </p:nvSpPr>
-            <p:spPr>
-              <a:xfrm>
-                <a:off x="3218024" y="1580157"/>
-                <a:ext cx="360000" cy="360000"/>
-              </a:xfrm>
-              <a:prstGeom prst="rect">
-                <a:avLst/>
-              </a:prstGeom>
-              <a:noFill/>
-              <a:ln>
-                <a:solidFill>
-                  <a:schemeClr val="bg1">
-                    <a:lumMod val="50000"/>
-                  </a:schemeClr>
-                </a:solidFill>
-              </a:ln>
-            </p:spPr>
-            <p:txBody>
-              <a:bodyPr wrap="square" rtlCol="0">
-                <a:spAutoFit/>
-              </a:bodyPr>
-              <a:lstStyle/>
-              <a:p>
-                <a:endParaRPr lang="en-US" dirty="0">
-                  <a:solidFill>
-                    <a:schemeClr val="bg1">
-                      <a:lumMod val="75000"/>
-                    </a:schemeClr>
-                  </a:solidFill>
-                </a:endParaRPr>
-              </a:p>
-            </p:txBody>
-          </p:sp>
-        </p:grpSp>
-        <p:sp>
-          <p:nvSpPr>
-            <p:cNvPr id="102" name="TextBox 101"/>
-            <p:cNvSpPr txBox="1"/>
-            <p:nvPr/>
-          </p:nvSpPr>
-          <p:spPr>
-            <a:xfrm>
-              <a:off x="5211464" y="1759645"/>
-              <a:ext cx="565449" cy="360000"/>
-            </a:xfrm>
-            <a:prstGeom prst="rect">
-              <a:avLst/>
-            </a:prstGeom>
-            <a:noFill/>
-            <a:ln>
-              <a:solidFill>
-                <a:schemeClr val="bg1">
-                  <a:lumMod val="50000"/>
-                </a:schemeClr>
-              </a:solidFill>
-            </a:ln>
-          </p:spPr>
-          <p:txBody>
-            <a:bodyPr wrap="square" rtlCol="0">
-              <a:spAutoFit/>
-            </a:bodyPr>
-            <a:lstStyle/>
-            <a:p>
-              <a:r>
-                <a:rPr lang="en-US" dirty="0" smtClean="0">
-                  <a:solidFill>
-                    <a:schemeClr val="bg1">
-                      <a:lumMod val="75000"/>
-                    </a:schemeClr>
-                  </a:solidFill>
-                </a:rPr>
-                <a:t>unit</a:t>
-              </a:r>
-              <a:endParaRPr lang="en-US" dirty="0">
-                <a:solidFill>
-                  <a:schemeClr val="bg1">
-                    <a:lumMod val="75000"/>
-                  </a:schemeClr>
-                </a:solidFill>
-              </a:endParaRPr>
-            </a:p>
-          </p:txBody>
-        </p:sp>
-      </p:grpSp>
-      <p:grpSp>
-        <p:nvGrpSpPr>
-          <p:cNvPr id="109" name="Group 108"/>
-          <p:cNvGrpSpPr/>
-          <p:nvPr/>
-        </p:nvGrpSpPr>
-        <p:grpSpPr>
-          <a:xfrm>
-            <a:off x="2102013" y="1671448"/>
-            <a:ext cx="1869978" cy="883220"/>
-            <a:chOff x="4274936" y="1757365"/>
-            <a:chExt cx="1869978" cy="883220"/>
-          </a:xfrm>
-        </p:grpSpPr>
-        <p:sp>
-          <p:nvSpPr>
-            <p:cNvPr id="113" name="TextBox 112"/>
-            <p:cNvSpPr txBox="1"/>
-            <p:nvPr/>
-          </p:nvSpPr>
-          <p:spPr>
-            <a:xfrm>
-              <a:off x="4274936" y="1757823"/>
-              <a:ext cx="947520" cy="369332"/>
-            </a:xfrm>
-            <a:prstGeom prst="rect">
-              <a:avLst/>
-            </a:prstGeom>
-            <a:noFill/>
-            <a:ln>
-              <a:solidFill>
-                <a:schemeClr val="bg1">
-                  <a:lumMod val="50000"/>
-                </a:schemeClr>
-              </a:solidFill>
-            </a:ln>
-          </p:spPr>
-          <p:txBody>
-            <a:bodyPr wrap="square" rtlCol="0">
-              <a:spAutoFit/>
-            </a:bodyPr>
-            <a:lstStyle/>
-            <a:p>
-              <a:r>
-                <a:rPr lang="en-US" dirty="0" smtClean="0">
-                  <a:solidFill>
-                    <a:schemeClr val="bg1">
-                      <a:lumMod val="75000"/>
-                    </a:schemeClr>
-                  </a:solidFill>
-                </a:rPr>
-                <a:t>k-CO</a:t>
-              </a:r>
-              <a:r>
-                <a:rPr lang="en-US" baseline="-25000" dirty="0" smtClean="0">
-                  <a:solidFill>
-                    <a:schemeClr val="bg1">
-                      <a:lumMod val="75000"/>
-                    </a:schemeClr>
-                  </a:solidFill>
-                </a:rPr>
-                <a:t>2</a:t>
-              </a:r>
-              <a:endParaRPr lang="en-US" baseline="-25000" dirty="0">
-                <a:solidFill>
-                  <a:schemeClr val="bg1">
-                    <a:lumMod val="75000"/>
-                  </a:schemeClr>
-                </a:solidFill>
-              </a:endParaRPr>
-            </a:p>
-          </p:txBody>
-        </p:sp>
-        <p:sp>
-          <p:nvSpPr>
-            <p:cNvPr id="114" name="TextBox 113"/>
-            <p:cNvSpPr txBox="1"/>
-            <p:nvPr/>
-          </p:nvSpPr>
-          <p:spPr>
-            <a:xfrm>
-              <a:off x="5211464" y="2117365"/>
-              <a:ext cx="933450" cy="523220"/>
-            </a:xfrm>
-            <a:prstGeom prst="rect">
-              <a:avLst/>
-            </a:prstGeom>
-            <a:noFill/>
-            <a:ln>
-              <a:solidFill>
-                <a:schemeClr val="bg1">
-                  <a:lumMod val="50000"/>
-                </a:schemeClr>
-              </a:solidFill>
-              <a:prstDash val="dash"/>
-            </a:ln>
-          </p:spPr>
-          <p:txBody>
-            <a:bodyPr wrap="square" rtlCol="0">
-              <a:spAutoFit/>
-            </a:bodyPr>
-            <a:lstStyle/>
-            <a:p>
-              <a:r>
-                <a:rPr lang="en-US" sz="1400" dirty="0" smtClean="0"/>
-                <a:t>m d</a:t>
-              </a:r>
-              <a:r>
-                <a:rPr lang="en-US" sz="1400" baseline="30000" dirty="0" smtClean="0"/>
-                <a:t>-1</a:t>
-              </a:r>
-            </a:p>
-            <a:p>
-              <a:r>
-                <a:rPr lang="en-US" sz="1400" dirty="0" smtClean="0"/>
-                <a:t>cm s</a:t>
-              </a:r>
-              <a:r>
-                <a:rPr lang="en-US" sz="1400" baseline="30000" dirty="0" smtClean="0"/>
-                <a:t>-1</a:t>
-              </a:r>
-            </a:p>
-          </p:txBody>
-        </p:sp>
-        <p:grpSp>
-          <p:nvGrpSpPr>
-            <p:cNvPr id="116" name="Group 115"/>
-            <p:cNvGrpSpPr/>
-            <p:nvPr/>
-          </p:nvGrpSpPr>
-          <p:grpSpPr>
-            <a:xfrm>
-              <a:off x="5784913" y="1757365"/>
-              <a:ext cx="360000" cy="360000"/>
-              <a:chOff x="3218024" y="1580157"/>
-              <a:chExt cx="360000" cy="360000"/>
-            </a:xfrm>
-          </p:grpSpPr>
-          <p:sp>
-            <p:nvSpPr>
-              <p:cNvPr id="125" name="Isosceles Triangle 124"/>
-              <p:cNvSpPr/>
-              <p:nvPr/>
-            </p:nvSpPr>
-            <p:spPr>
-              <a:xfrm flipV="1">
-                <a:off x="3218024" y="1580157"/>
-                <a:ext cx="360000" cy="360000"/>
-              </a:xfrm>
-              <a:prstGeom prst="triangle">
-                <a:avLst/>
-              </a:prstGeom>
-            </p:spPr>
-            <p:style>
-              <a:lnRef idx="2">
-                <a:schemeClr val="accent1">
-                  <a:shade val="50000"/>
-                </a:schemeClr>
-              </a:lnRef>
-              <a:fillRef idx="1">
-                <a:schemeClr val="accent1"/>
-              </a:fillRef>
-              <a:effectRef idx="0">
-                <a:schemeClr val="accent1"/>
-              </a:effectRef>
-              <a:fontRef idx="minor">
-                <a:schemeClr val="lt1"/>
-              </a:fontRef>
-            </p:style>
-            <p:txBody>
-              <a:bodyPr rtlCol="0" anchor="ctr"/>
-              <a:lstStyle/>
-              <a:p>
-                <a:pPr algn="ctr"/>
-                <a:endParaRPr lang="en-US"/>
-              </a:p>
-            </p:txBody>
-          </p:sp>
-          <p:sp>
-            <p:nvSpPr>
-              <p:cNvPr id="130" name="TextBox 129"/>
-              <p:cNvSpPr txBox="1"/>
-              <p:nvPr/>
-            </p:nvSpPr>
-            <p:spPr>
-              <a:xfrm>
-                <a:off x="3218024" y="1580157"/>
-                <a:ext cx="360000" cy="360000"/>
-              </a:xfrm>
-              <a:prstGeom prst="rect">
-                <a:avLst/>
-              </a:prstGeom>
-              <a:noFill/>
-              <a:ln>
-                <a:solidFill>
-                  <a:schemeClr val="bg1">
-                    <a:lumMod val="50000"/>
-                  </a:schemeClr>
-                </a:solidFill>
-              </a:ln>
-            </p:spPr>
-            <p:txBody>
-              <a:bodyPr wrap="square" rtlCol="0">
-                <a:spAutoFit/>
-              </a:bodyPr>
-              <a:lstStyle/>
-              <a:p>
-                <a:endParaRPr lang="en-US" dirty="0">
-                  <a:solidFill>
-                    <a:schemeClr val="bg1">
-                      <a:lumMod val="75000"/>
-                    </a:schemeClr>
-                  </a:solidFill>
-                </a:endParaRPr>
-              </a:p>
-            </p:txBody>
-          </p:sp>
-        </p:grpSp>
-        <p:sp>
-          <p:nvSpPr>
-            <p:cNvPr id="123" name="TextBox 122"/>
-            <p:cNvSpPr txBox="1"/>
-            <p:nvPr/>
-          </p:nvSpPr>
-          <p:spPr>
-            <a:xfrm>
-              <a:off x="5211464" y="1759645"/>
-              <a:ext cx="565449" cy="360000"/>
-            </a:xfrm>
-            <a:prstGeom prst="rect">
-              <a:avLst/>
-            </a:prstGeom>
-            <a:noFill/>
-            <a:ln>
-              <a:solidFill>
-                <a:schemeClr val="bg1">
-                  <a:lumMod val="50000"/>
-                </a:schemeClr>
-              </a:solidFill>
-            </a:ln>
-          </p:spPr>
-          <p:txBody>
-            <a:bodyPr wrap="square" rtlCol="0">
-              <a:spAutoFit/>
-            </a:bodyPr>
-            <a:lstStyle/>
-            <a:p>
-              <a:r>
-                <a:rPr lang="en-US" dirty="0" smtClean="0">
-                  <a:solidFill>
-                    <a:schemeClr val="bg1">
-                      <a:lumMod val="75000"/>
-                    </a:schemeClr>
-                  </a:solidFill>
-                </a:rPr>
-                <a:t>unit</a:t>
-              </a:r>
-              <a:endParaRPr lang="en-US" dirty="0">
-                <a:solidFill>
-                  <a:schemeClr val="bg1">
-                    <a:lumMod val="75000"/>
-                  </a:schemeClr>
-                </a:solidFill>
-              </a:endParaRPr>
-            </a:p>
-          </p:txBody>
-        </p:sp>
-      </p:grpSp>
-      <p:grpSp>
-        <p:nvGrpSpPr>
-          <p:cNvPr id="131" name="Group 130"/>
-          <p:cNvGrpSpPr/>
-          <p:nvPr/>
-        </p:nvGrpSpPr>
-        <p:grpSpPr>
-          <a:xfrm>
-            <a:off x="4112026" y="1671448"/>
-            <a:ext cx="1869978" cy="883220"/>
-            <a:chOff x="4274936" y="1757365"/>
-            <a:chExt cx="1869978" cy="883220"/>
-          </a:xfrm>
-        </p:grpSpPr>
-        <p:sp>
-          <p:nvSpPr>
-            <p:cNvPr id="150" name="TextBox 149"/>
-            <p:cNvSpPr txBox="1"/>
-            <p:nvPr/>
-          </p:nvSpPr>
-          <p:spPr>
-            <a:xfrm>
-              <a:off x="4274936" y="1757823"/>
-              <a:ext cx="947520" cy="369332"/>
-            </a:xfrm>
-            <a:prstGeom prst="rect">
-              <a:avLst/>
-            </a:prstGeom>
-            <a:noFill/>
-            <a:ln>
-              <a:solidFill>
-                <a:schemeClr val="bg1">
-                  <a:lumMod val="50000"/>
-                </a:schemeClr>
-              </a:solidFill>
-            </a:ln>
-          </p:spPr>
-          <p:txBody>
-            <a:bodyPr wrap="square" rtlCol="0">
-              <a:spAutoFit/>
-            </a:bodyPr>
-            <a:lstStyle/>
-            <a:p>
-              <a:r>
-                <a:rPr lang="en-US" dirty="0" smtClean="0">
-                  <a:solidFill>
-                    <a:schemeClr val="bg1">
-                      <a:lumMod val="75000"/>
-                    </a:schemeClr>
-                  </a:solidFill>
-                </a:rPr>
-                <a:t>k</a:t>
-              </a:r>
-              <a:r>
-                <a:rPr lang="en-US" baseline="-25000" dirty="0" smtClean="0">
-                  <a:solidFill>
-                    <a:schemeClr val="bg1">
-                      <a:lumMod val="75000"/>
-                    </a:schemeClr>
-                  </a:solidFill>
-                </a:rPr>
-                <a:t>600</a:t>
-              </a:r>
-              <a:r>
-                <a:rPr lang="en-US" dirty="0" smtClean="0">
-                  <a:solidFill>
-                    <a:schemeClr val="bg1">
-                      <a:lumMod val="75000"/>
-                    </a:schemeClr>
-                  </a:solidFill>
-                </a:rPr>
-                <a:t>-CH</a:t>
-              </a:r>
-              <a:r>
-                <a:rPr lang="en-US" baseline="-25000" dirty="0">
-                  <a:solidFill>
-                    <a:schemeClr val="bg1">
-                      <a:lumMod val="75000"/>
-                    </a:schemeClr>
-                  </a:solidFill>
-                </a:rPr>
-                <a:t>4</a:t>
-              </a:r>
-            </a:p>
-          </p:txBody>
-        </p:sp>
-        <p:sp>
-          <p:nvSpPr>
-            <p:cNvPr id="151" name="TextBox 150"/>
-            <p:cNvSpPr txBox="1"/>
-            <p:nvPr/>
-          </p:nvSpPr>
-          <p:spPr>
-            <a:xfrm>
-              <a:off x="5211464" y="2117365"/>
-              <a:ext cx="933450" cy="523220"/>
-            </a:xfrm>
-            <a:prstGeom prst="rect">
-              <a:avLst/>
-            </a:prstGeom>
-            <a:noFill/>
-            <a:ln>
-              <a:solidFill>
-                <a:schemeClr val="bg1">
-                  <a:lumMod val="50000"/>
-                </a:schemeClr>
-              </a:solidFill>
-              <a:prstDash val="dash"/>
-            </a:ln>
-          </p:spPr>
-          <p:txBody>
-            <a:bodyPr wrap="square" rtlCol="0">
-              <a:spAutoFit/>
-            </a:bodyPr>
-            <a:lstStyle/>
-            <a:p>
-              <a:r>
-                <a:rPr lang="en-US" sz="1400" dirty="0" smtClean="0"/>
-                <a:t>m d</a:t>
-              </a:r>
-              <a:r>
-                <a:rPr lang="en-US" sz="1400" baseline="30000" dirty="0" smtClean="0"/>
-                <a:t>-1</a:t>
-              </a:r>
-            </a:p>
-            <a:p>
-              <a:r>
-                <a:rPr lang="en-US" sz="1400" dirty="0" smtClean="0"/>
-                <a:t>cm s</a:t>
-              </a:r>
-              <a:r>
-                <a:rPr lang="en-US" sz="1400" baseline="30000" dirty="0" smtClean="0"/>
-                <a:t>-1</a:t>
-              </a:r>
-            </a:p>
-          </p:txBody>
-        </p:sp>
-        <p:grpSp>
-          <p:nvGrpSpPr>
-            <p:cNvPr id="152" name="Group 151"/>
-            <p:cNvGrpSpPr/>
-            <p:nvPr/>
-          </p:nvGrpSpPr>
-          <p:grpSpPr>
-            <a:xfrm>
-              <a:off x="5784913" y="1757365"/>
-              <a:ext cx="360000" cy="360000"/>
-              <a:chOff x="3218024" y="1580157"/>
-              <a:chExt cx="360000" cy="360000"/>
-            </a:xfrm>
-          </p:grpSpPr>
-          <p:sp>
-            <p:nvSpPr>
-              <p:cNvPr id="154" name="Isosceles Triangle 153"/>
-              <p:cNvSpPr/>
-              <p:nvPr/>
-            </p:nvSpPr>
-            <p:spPr>
-              <a:xfrm flipV="1">
-                <a:off x="3218024" y="1580157"/>
-                <a:ext cx="360000" cy="360000"/>
-              </a:xfrm>
-              <a:prstGeom prst="triangle">
-                <a:avLst/>
-              </a:prstGeom>
-            </p:spPr>
-            <p:style>
-              <a:lnRef idx="2">
-                <a:schemeClr val="accent1">
-                  <a:shade val="50000"/>
-                </a:schemeClr>
-              </a:lnRef>
-              <a:fillRef idx="1">
-                <a:schemeClr val="accent1"/>
-              </a:fillRef>
-              <a:effectRef idx="0">
-                <a:schemeClr val="accent1"/>
-              </a:effectRef>
-              <a:fontRef idx="minor">
-                <a:schemeClr val="lt1"/>
-              </a:fontRef>
-            </p:style>
-            <p:txBody>
-              <a:bodyPr rtlCol="0" anchor="ctr"/>
-              <a:lstStyle/>
-              <a:p>
-                <a:pPr algn="ctr"/>
-                <a:endParaRPr lang="en-US"/>
-              </a:p>
-            </p:txBody>
-          </p:sp>
-          <p:sp>
-            <p:nvSpPr>
-              <p:cNvPr id="155" name="TextBox 154"/>
-              <p:cNvSpPr txBox="1"/>
-              <p:nvPr/>
-            </p:nvSpPr>
-            <p:spPr>
-              <a:xfrm>
-                <a:off x="3218024" y="1580157"/>
-                <a:ext cx="360000" cy="360000"/>
-              </a:xfrm>
-              <a:prstGeom prst="rect">
-                <a:avLst/>
-              </a:prstGeom>
-              <a:noFill/>
-              <a:ln>
-                <a:solidFill>
-                  <a:schemeClr val="bg1">
-                    <a:lumMod val="50000"/>
-                  </a:schemeClr>
-                </a:solidFill>
-              </a:ln>
-            </p:spPr>
-            <p:txBody>
-              <a:bodyPr wrap="square" rtlCol="0">
-                <a:spAutoFit/>
-              </a:bodyPr>
-              <a:lstStyle/>
-              <a:p>
-                <a:endParaRPr lang="en-US" dirty="0">
-                  <a:solidFill>
-                    <a:schemeClr val="bg1">
-                      <a:lumMod val="75000"/>
-                    </a:schemeClr>
-                  </a:solidFill>
-                </a:endParaRPr>
-              </a:p>
-            </p:txBody>
-          </p:sp>
-        </p:grpSp>
-        <p:sp>
-          <p:nvSpPr>
-            <p:cNvPr id="153" name="TextBox 152"/>
-            <p:cNvSpPr txBox="1"/>
-            <p:nvPr/>
-          </p:nvSpPr>
-          <p:spPr>
-            <a:xfrm>
-              <a:off x="5211464" y="1759645"/>
-              <a:ext cx="565449" cy="360000"/>
-            </a:xfrm>
-            <a:prstGeom prst="rect">
-              <a:avLst/>
-            </a:prstGeom>
-            <a:noFill/>
-            <a:ln>
-              <a:solidFill>
-                <a:schemeClr val="bg1">
-                  <a:lumMod val="50000"/>
-                </a:schemeClr>
-              </a:solidFill>
-            </a:ln>
-          </p:spPr>
-          <p:txBody>
-            <a:bodyPr wrap="square" rtlCol="0">
-              <a:spAutoFit/>
-            </a:bodyPr>
-            <a:lstStyle/>
-            <a:p>
-              <a:r>
-                <a:rPr lang="en-US" dirty="0" smtClean="0">
-                  <a:solidFill>
-                    <a:schemeClr val="bg1">
-                      <a:lumMod val="75000"/>
-                    </a:schemeClr>
-                  </a:solidFill>
-                </a:rPr>
-                <a:t>unit</a:t>
-              </a:r>
-              <a:endParaRPr lang="en-US" dirty="0">
-                <a:solidFill>
-                  <a:schemeClr val="bg1">
-                    <a:lumMod val="75000"/>
-                  </a:schemeClr>
-                </a:solidFill>
-              </a:endParaRPr>
-            </a:p>
-          </p:txBody>
-        </p:sp>
-      </p:grpSp>
-      <p:grpSp>
-        <p:nvGrpSpPr>
-          <p:cNvPr id="156" name="Group 155"/>
-          <p:cNvGrpSpPr/>
-          <p:nvPr/>
-        </p:nvGrpSpPr>
-        <p:grpSpPr>
-          <a:xfrm>
-            <a:off x="6122039" y="1671448"/>
-            <a:ext cx="1869978" cy="883220"/>
-            <a:chOff x="4274936" y="1757365"/>
-            <a:chExt cx="1869978" cy="883220"/>
-          </a:xfrm>
-        </p:grpSpPr>
-        <p:sp>
-          <p:nvSpPr>
-            <p:cNvPr id="157" name="TextBox 156"/>
-            <p:cNvSpPr txBox="1"/>
-            <p:nvPr/>
-          </p:nvSpPr>
-          <p:spPr>
-            <a:xfrm>
-              <a:off x="4274936" y="1757823"/>
-              <a:ext cx="947520" cy="369332"/>
-            </a:xfrm>
-            <a:prstGeom prst="rect">
-              <a:avLst/>
-            </a:prstGeom>
-            <a:noFill/>
-            <a:ln>
-              <a:solidFill>
-                <a:schemeClr val="bg1">
-                  <a:lumMod val="50000"/>
-                </a:schemeClr>
-              </a:solidFill>
-            </a:ln>
-          </p:spPr>
-          <p:txBody>
-            <a:bodyPr wrap="square" rtlCol="0">
-              <a:spAutoFit/>
-            </a:bodyPr>
-            <a:lstStyle/>
-            <a:p>
-              <a:r>
-                <a:rPr lang="en-US" dirty="0" smtClean="0">
-                  <a:solidFill>
-                    <a:schemeClr val="bg1">
-                      <a:lumMod val="75000"/>
-                    </a:schemeClr>
-                  </a:solidFill>
-                </a:rPr>
-                <a:t>k-CH</a:t>
-              </a:r>
-              <a:r>
-                <a:rPr lang="en-US" baseline="-25000" dirty="0">
-                  <a:solidFill>
-                    <a:schemeClr val="bg1">
-                      <a:lumMod val="75000"/>
-                    </a:schemeClr>
-                  </a:solidFill>
-                </a:rPr>
-                <a:t>4</a:t>
-              </a:r>
-            </a:p>
-          </p:txBody>
-        </p:sp>
-        <p:sp>
-          <p:nvSpPr>
-            <p:cNvPr id="158" name="TextBox 157"/>
-            <p:cNvSpPr txBox="1"/>
-            <p:nvPr/>
-          </p:nvSpPr>
-          <p:spPr>
-            <a:xfrm>
-              <a:off x="5211464" y="2117365"/>
-              <a:ext cx="933450" cy="523220"/>
-            </a:xfrm>
-            <a:prstGeom prst="rect">
-              <a:avLst/>
-            </a:prstGeom>
-            <a:noFill/>
-            <a:ln>
-              <a:solidFill>
-                <a:schemeClr val="bg1">
-                  <a:lumMod val="50000"/>
-                </a:schemeClr>
-              </a:solidFill>
-              <a:prstDash val="dash"/>
-            </a:ln>
-          </p:spPr>
-          <p:txBody>
-            <a:bodyPr wrap="square" rtlCol="0">
-              <a:spAutoFit/>
-            </a:bodyPr>
-            <a:lstStyle/>
-            <a:p>
-              <a:r>
-                <a:rPr lang="en-US" sz="1400" dirty="0" smtClean="0"/>
-                <a:t>m d</a:t>
-              </a:r>
-              <a:r>
-                <a:rPr lang="en-US" sz="1400" baseline="30000" dirty="0" smtClean="0"/>
-                <a:t>-1</a:t>
-              </a:r>
-            </a:p>
-            <a:p>
-              <a:r>
-                <a:rPr lang="en-US" sz="1400" dirty="0" smtClean="0"/>
-                <a:t>cm s</a:t>
-              </a:r>
-              <a:r>
-                <a:rPr lang="en-US" sz="1400" baseline="30000" dirty="0" smtClean="0"/>
-                <a:t>-1</a:t>
-              </a:r>
-            </a:p>
-          </p:txBody>
-        </p:sp>
-        <p:grpSp>
-          <p:nvGrpSpPr>
-            <p:cNvPr id="159" name="Group 158"/>
-            <p:cNvGrpSpPr/>
-            <p:nvPr/>
-          </p:nvGrpSpPr>
-          <p:grpSpPr>
-            <a:xfrm>
-              <a:off x="5784913" y="1757365"/>
-              <a:ext cx="360000" cy="360000"/>
-              <a:chOff x="3218024" y="1580157"/>
-              <a:chExt cx="360000" cy="360000"/>
-            </a:xfrm>
-          </p:grpSpPr>
-          <p:sp>
-            <p:nvSpPr>
-              <p:cNvPr id="161" name="Isosceles Triangle 160"/>
-              <p:cNvSpPr/>
-              <p:nvPr/>
-            </p:nvSpPr>
-            <p:spPr>
-              <a:xfrm flipV="1">
-                <a:off x="3218024" y="1580157"/>
-                <a:ext cx="360000" cy="360000"/>
-              </a:xfrm>
-              <a:prstGeom prst="triangle">
-                <a:avLst/>
-              </a:prstGeom>
-            </p:spPr>
-            <p:style>
-              <a:lnRef idx="2">
-                <a:schemeClr val="accent1">
-                  <a:shade val="50000"/>
-                </a:schemeClr>
-              </a:lnRef>
-              <a:fillRef idx="1">
-                <a:schemeClr val="accent1"/>
-              </a:fillRef>
-              <a:effectRef idx="0">
-                <a:schemeClr val="accent1"/>
-              </a:effectRef>
-              <a:fontRef idx="minor">
-                <a:schemeClr val="lt1"/>
-              </a:fontRef>
-            </p:style>
-            <p:txBody>
-              <a:bodyPr rtlCol="0" anchor="ctr"/>
-              <a:lstStyle/>
-              <a:p>
-                <a:pPr algn="ctr"/>
-                <a:endParaRPr lang="en-US"/>
-              </a:p>
-            </p:txBody>
-          </p:sp>
-          <p:sp>
-            <p:nvSpPr>
-              <p:cNvPr id="162" name="TextBox 161"/>
-              <p:cNvSpPr txBox="1"/>
-              <p:nvPr/>
-            </p:nvSpPr>
-            <p:spPr>
-              <a:xfrm>
-                <a:off x="3218024" y="1580157"/>
-                <a:ext cx="360000" cy="360000"/>
-              </a:xfrm>
-              <a:prstGeom prst="rect">
-                <a:avLst/>
-              </a:prstGeom>
-              <a:noFill/>
-              <a:ln>
-                <a:solidFill>
-                  <a:schemeClr val="bg1">
-                    <a:lumMod val="50000"/>
-                  </a:schemeClr>
-                </a:solidFill>
-              </a:ln>
-            </p:spPr>
-            <p:txBody>
-              <a:bodyPr wrap="square" rtlCol="0">
-                <a:spAutoFit/>
-              </a:bodyPr>
-              <a:lstStyle/>
-              <a:p>
-                <a:endParaRPr lang="en-US" dirty="0">
-                  <a:solidFill>
-                    <a:schemeClr val="bg1">
-                      <a:lumMod val="75000"/>
-                    </a:schemeClr>
-                  </a:solidFill>
-                </a:endParaRPr>
-              </a:p>
-            </p:txBody>
-          </p:sp>
-        </p:grpSp>
-        <p:sp>
-          <p:nvSpPr>
-            <p:cNvPr id="160" name="TextBox 159"/>
-            <p:cNvSpPr txBox="1"/>
-            <p:nvPr/>
-          </p:nvSpPr>
-          <p:spPr>
-            <a:xfrm>
-              <a:off x="5211464" y="1759645"/>
-              <a:ext cx="565449" cy="360000"/>
-            </a:xfrm>
-            <a:prstGeom prst="rect">
-              <a:avLst/>
-            </a:prstGeom>
-            <a:noFill/>
-            <a:ln>
-              <a:solidFill>
-                <a:schemeClr val="bg1">
-                  <a:lumMod val="50000"/>
-                </a:schemeClr>
-              </a:solidFill>
-            </a:ln>
-          </p:spPr>
-          <p:txBody>
-            <a:bodyPr wrap="square" rtlCol="0">
-              <a:spAutoFit/>
-            </a:bodyPr>
-            <a:lstStyle/>
-            <a:p>
-              <a:r>
-                <a:rPr lang="en-US" dirty="0" smtClean="0">
-                  <a:solidFill>
-                    <a:schemeClr val="bg1">
-                      <a:lumMod val="75000"/>
-                    </a:schemeClr>
-                  </a:solidFill>
-                </a:rPr>
-                <a:t>unit</a:t>
-              </a:r>
-              <a:endParaRPr lang="en-US" dirty="0">
-                <a:solidFill>
-                  <a:schemeClr val="bg1">
-                    <a:lumMod val="75000"/>
-                  </a:schemeClr>
-                </a:solidFill>
-              </a:endParaRPr>
-            </a:p>
-          </p:txBody>
-        </p:sp>
-      </p:grpSp>
-      <p:grpSp>
-        <p:nvGrpSpPr>
-          <p:cNvPr id="163" name="Group 162"/>
-          <p:cNvGrpSpPr/>
-          <p:nvPr/>
-        </p:nvGrpSpPr>
-        <p:grpSpPr>
-          <a:xfrm>
-            <a:off x="8132052" y="1671448"/>
-            <a:ext cx="1919311" cy="883220"/>
-            <a:chOff x="4225603" y="1757365"/>
-            <a:chExt cx="1919311" cy="883220"/>
-          </a:xfrm>
-        </p:grpSpPr>
-        <p:sp>
-          <p:nvSpPr>
-            <p:cNvPr id="164" name="TextBox 163"/>
-            <p:cNvSpPr txBox="1"/>
-            <p:nvPr/>
-          </p:nvSpPr>
-          <p:spPr>
-            <a:xfrm>
-              <a:off x="4225603" y="1757823"/>
-              <a:ext cx="996853" cy="369332"/>
-            </a:xfrm>
-            <a:prstGeom prst="rect">
-              <a:avLst/>
-            </a:prstGeom>
-            <a:noFill/>
-            <a:ln>
-              <a:solidFill>
-                <a:schemeClr val="bg1">
-                  <a:lumMod val="50000"/>
-                </a:schemeClr>
-              </a:solidFill>
-            </a:ln>
-          </p:spPr>
-          <p:txBody>
-            <a:bodyPr wrap="square" rtlCol="0">
-              <a:spAutoFit/>
-            </a:bodyPr>
-            <a:lstStyle/>
-            <a:p>
-              <a:r>
-                <a:rPr lang="en-US" dirty="0" smtClean="0">
-                  <a:solidFill>
-                    <a:schemeClr val="bg1">
-                      <a:lumMod val="75000"/>
-                    </a:schemeClr>
-                  </a:solidFill>
-                </a:rPr>
-                <a:t>k</a:t>
-              </a:r>
-              <a:r>
-                <a:rPr lang="en-US" baseline="-25000" dirty="0" smtClean="0">
-                  <a:solidFill>
-                    <a:schemeClr val="bg1">
-                      <a:lumMod val="75000"/>
-                    </a:schemeClr>
-                  </a:solidFill>
-                </a:rPr>
-                <a:t>600</a:t>
-              </a:r>
-              <a:r>
-                <a:rPr lang="en-US" dirty="0" smtClean="0">
-                  <a:solidFill>
-                    <a:schemeClr val="bg1">
-                      <a:lumMod val="75000"/>
-                    </a:schemeClr>
-                  </a:solidFill>
-                </a:rPr>
-                <a:t>-N</a:t>
-              </a:r>
-              <a:r>
-                <a:rPr lang="en-US" baseline="-25000" dirty="0" smtClean="0">
-                  <a:solidFill>
-                    <a:schemeClr val="bg1">
-                      <a:lumMod val="75000"/>
-                    </a:schemeClr>
-                  </a:solidFill>
-                </a:rPr>
-                <a:t>2</a:t>
-              </a:r>
-              <a:r>
-                <a:rPr lang="en-US" dirty="0" smtClean="0">
-                  <a:solidFill>
-                    <a:schemeClr val="bg1">
-                      <a:lumMod val="75000"/>
-                    </a:schemeClr>
-                  </a:solidFill>
-                </a:rPr>
-                <a:t>O</a:t>
-              </a:r>
-              <a:endParaRPr lang="en-US" dirty="0">
-                <a:solidFill>
-                  <a:schemeClr val="bg1">
-                    <a:lumMod val="75000"/>
-                  </a:schemeClr>
-                </a:solidFill>
-              </a:endParaRPr>
-            </a:p>
-          </p:txBody>
-        </p:sp>
-        <p:sp>
-          <p:nvSpPr>
-            <p:cNvPr id="165" name="TextBox 164"/>
-            <p:cNvSpPr txBox="1"/>
-            <p:nvPr/>
-          </p:nvSpPr>
-          <p:spPr>
-            <a:xfrm>
-              <a:off x="5211464" y="2117365"/>
-              <a:ext cx="933450" cy="523220"/>
-            </a:xfrm>
-            <a:prstGeom prst="rect">
-              <a:avLst/>
-            </a:prstGeom>
-            <a:noFill/>
-            <a:ln>
-              <a:solidFill>
-                <a:schemeClr val="bg1">
-                  <a:lumMod val="50000"/>
-                </a:schemeClr>
-              </a:solidFill>
-              <a:prstDash val="dash"/>
-            </a:ln>
-          </p:spPr>
-          <p:txBody>
-            <a:bodyPr wrap="square" rtlCol="0">
-              <a:spAutoFit/>
-            </a:bodyPr>
-            <a:lstStyle/>
-            <a:p>
-              <a:r>
-                <a:rPr lang="en-US" sz="1400" dirty="0" smtClean="0"/>
-                <a:t>m d</a:t>
-              </a:r>
-              <a:r>
-                <a:rPr lang="en-US" sz="1400" baseline="30000" dirty="0" smtClean="0"/>
-                <a:t>-1</a:t>
-              </a:r>
-            </a:p>
-            <a:p>
-              <a:r>
-                <a:rPr lang="en-US" sz="1400" dirty="0" smtClean="0"/>
-                <a:t>cm s</a:t>
-              </a:r>
-              <a:r>
-                <a:rPr lang="en-US" sz="1400" baseline="30000" dirty="0" smtClean="0"/>
-                <a:t>-1</a:t>
-              </a:r>
-            </a:p>
-          </p:txBody>
-        </p:sp>
-        <p:grpSp>
-          <p:nvGrpSpPr>
-            <p:cNvPr id="166" name="Group 165"/>
-            <p:cNvGrpSpPr/>
-            <p:nvPr/>
-          </p:nvGrpSpPr>
-          <p:grpSpPr>
-            <a:xfrm>
-              <a:off x="5784913" y="1757365"/>
-              <a:ext cx="360000" cy="360000"/>
-              <a:chOff x="3218024" y="1580157"/>
-              <a:chExt cx="360000" cy="360000"/>
-            </a:xfrm>
-          </p:grpSpPr>
-          <p:sp>
-            <p:nvSpPr>
-              <p:cNvPr id="168" name="Isosceles Triangle 167"/>
-              <p:cNvSpPr/>
-              <p:nvPr/>
-            </p:nvSpPr>
-            <p:spPr>
-              <a:xfrm flipV="1">
-                <a:off x="3218024" y="1580157"/>
-                <a:ext cx="360000" cy="360000"/>
-              </a:xfrm>
-              <a:prstGeom prst="triangle">
-                <a:avLst/>
-              </a:prstGeom>
-            </p:spPr>
-            <p:style>
-              <a:lnRef idx="2">
-                <a:schemeClr val="accent1">
-                  <a:shade val="50000"/>
-                </a:schemeClr>
-              </a:lnRef>
-              <a:fillRef idx="1">
-                <a:schemeClr val="accent1"/>
-              </a:fillRef>
-              <a:effectRef idx="0">
-                <a:schemeClr val="accent1"/>
-              </a:effectRef>
-              <a:fontRef idx="minor">
-                <a:schemeClr val="lt1"/>
-              </a:fontRef>
-            </p:style>
-            <p:txBody>
-              <a:bodyPr rtlCol="0" anchor="ctr"/>
-              <a:lstStyle/>
-              <a:p>
-                <a:pPr algn="ctr"/>
-                <a:endParaRPr lang="en-US"/>
-              </a:p>
-            </p:txBody>
-          </p:sp>
-          <p:sp>
-            <p:nvSpPr>
-              <p:cNvPr id="169" name="TextBox 168"/>
-              <p:cNvSpPr txBox="1"/>
-              <p:nvPr/>
-            </p:nvSpPr>
-            <p:spPr>
-              <a:xfrm>
-                <a:off x="3218024" y="1580157"/>
-                <a:ext cx="360000" cy="360000"/>
-              </a:xfrm>
-              <a:prstGeom prst="rect">
-                <a:avLst/>
-              </a:prstGeom>
-              <a:noFill/>
-              <a:ln>
-                <a:solidFill>
-                  <a:schemeClr val="bg1">
-                    <a:lumMod val="50000"/>
-                  </a:schemeClr>
-                </a:solidFill>
-              </a:ln>
-            </p:spPr>
-            <p:txBody>
-              <a:bodyPr wrap="square" rtlCol="0">
-                <a:spAutoFit/>
-              </a:bodyPr>
-              <a:lstStyle/>
-              <a:p>
-                <a:endParaRPr lang="en-US" dirty="0">
-                  <a:solidFill>
-                    <a:schemeClr val="bg1">
-                      <a:lumMod val="75000"/>
-                    </a:schemeClr>
-                  </a:solidFill>
-                </a:endParaRPr>
-              </a:p>
-            </p:txBody>
-          </p:sp>
-        </p:grpSp>
-        <p:sp>
-          <p:nvSpPr>
-            <p:cNvPr id="167" name="TextBox 166"/>
-            <p:cNvSpPr txBox="1"/>
-            <p:nvPr/>
-          </p:nvSpPr>
-          <p:spPr>
-            <a:xfrm>
-              <a:off x="5211464" y="1759645"/>
-              <a:ext cx="565449" cy="360000"/>
-            </a:xfrm>
-            <a:prstGeom prst="rect">
-              <a:avLst/>
-            </a:prstGeom>
-            <a:noFill/>
-            <a:ln>
-              <a:solidFill>
-                <a:schemeClr val="bg1">
-                  <a:lumMod val="50000"/>
-                </a:schemeClr>
-              </a:solidFill>
-            </a:ln>
-          </p:spPr>
-          <p:txBody>
-            <a:bodyPr wrap="square" rtlCol="0">
-              <a:spAutoFit/>
-            </a:bodyPr>
-            <a:lstStyle/>
-            <a:p>
-              <a:r>
-                <a:rPr lang="en-US" dirty="0" smtClean="0">
-                  <a:solidFill>
-                    <a:schemeClr val="bg1">
-                      <a:lumMod val="75000"/>
-                    </a:schemeClr>
-                  </a:solidFill>
-                </a:rPr>
-                <a:t>unit</a:t>
-              </a:r>
-              <a:endParaRPr lang="en-US" dirty="0">
-                <a:solidFill>
-                  <a:schemeClr val="bg1">
-                    <a:lumMod val="75000"/>
-                  </a:schemeClr>
-                </a:solidFill>
-              </a:endParaRPr>
-            </a:p>
-          </p:txBody>
-        </p:sp>
-      </p:grpSp>
-      <p:grpSp>
-        <p:nvGrpSpPr>
-          <p:cNvPr id="170" name="Group 169"/>
-          <p:cNvGrpSpPr/>
-          <p:nvPr/>
-        </p:nvGrpSpPr>
-        <p:grpSpPr>
-          <a:xfrm>
-            <a:off x="10191396" y="1671448"/>
-            <a:ext cx="1869978" cy="883220"/>
-            <a:chOff x="4274936" y="1757365"/>
-            <a:chExt cx="1869978" cy="883220"/>
-          </a:xfrm>
-        </p:grpSpPr>
-        <p:sp>
-          <p:nvSpPr>
-            <p:cNvPr id="171" name="TextBox 170"/>
-            <p:cNvSpPr txBox="1"/>
-            <p:nvPr/>
-          </p:nvSpPr>
-          <p:spPr>
-            <a:xfrm>
-              <a:off x="4274936" y="1757823"/>
-              <a:ext cx="947520" cy="369332"/>
-            </a:xfrm>
-            <a:prstGeom prst="rect">
-              <a:avLst/>
-            </a:prstGeom>
-            <a:noFill/>
-            <a:ln>
-              <a:solidFill>
-                <a:schemeClr val="bg1">
-                  <a:lumMod val="50000"/>
-                </a:schemeClr>
-              </a:solidFill>
-            </a:ln>
-          </p:spPr>
-          <p:txBody>
-            <a:bodyPr wrap="square" rtlCol="0">
-              <a:spAutoFit/>
-            </a:bodyPr>
-            <a:lstStyle/>
-            <a:p>
-              <a:r>
-                <a:rPr lang="en-US" dirty="0" smtClean="0">
-                  <a:solidFill>
-                    <a:schemeClr val="bg1">
-                      <a:lumMod val="75000"/>
-                    </a:schemeClr>
-                  </a:solidFill>
-                </a:rPr>
-                <a:t>k-N</a:t>
-              </a:r>
-              <a:r>
-                <a:rPr lang="en-US" baseline="-25000" dirty="0">
-                  <a:solidFill>
-                    <a:schemeClr val="bg1">
-                      <a:lumMod val="75000"/>
-                    </a:schemeClr>
-                  </a:solidFill>
-                </a:rPr>
-                <a:t>2</a:t>
-              </a:r>
-              <a:r>
-                <a:rPr lang="en-US" dirty="0" smtClean="0">
-                  <a:solidFill>
-                    <a:schemeClr val="bg1">
-                      <a:lumMod val="75000"/>
-                    </a:schemeClr>
-                  </a:solidFill>
-                </a:rPr>
-                <a:t>O</a:t>
-              </a:r>
-              <a:endParaRPr lang="en-US" dirty="0">
-                <a:solidFill>
-                  <a:schemeClr val="bg1">
-                    <a:lumMod val="75000"/>
-                  </a:schemeClr>
-                </a:solidFill>
-              </a:endParaRPr>
-            </a:p>
-          </p:txBody>
-        </p:sp>
-        <p:sp>
-          <p:nvSpPr>
-            <p:cNvPr id="172" name="TextBox 171"/>
-            <p:cNvSpPr txBox="1"/>
-            <p:nvPr/>
-          </p:nvSpPr>
-          <p:spPr>
-            <a:xfrm>
-              <a:off x="5211464" y="2117365"/>
-              <a:ext cx="933450" cy="523220"/>
-            </a:xfrm>
-            <a:prstGeom prst="rect">
-              <a:avLst/>
-            </a:prstGeom>
-            <a:noFill/>
-            <a:ln>
-              <a:solidFill>
-                <a:schemeClr val="bg1">
-                  <a:lumMod val="50000"/>
-                </a:schemeClr>
-              </a:solidFill>
-              <a:prstDash val="dash"/>
-            </a:ln>
-          </p:spPr>
-          <p:txBody>
-            <a:bodyPr wrap="square" rtlCol="0">
-              <a:spAutoFit/>
-            </a:bodyPr>
-            <a:lstStyle/>
-            <a:p>
-              <a:r>
-                <a:rPr lang="en-US" sz="1400" dirty="0" smtClean="0"/>
-                <a:t>m d</a:t>
-              </a:r>
-              <a:r>
-                <a:rPr lang="en-US" sz="1400" baseline="30000" dirty="0" smtClean="0"/>
-                <a:t>-1</a:t>
-              </a:r>
-            </a:p>
-            <a:p>
-              <a:r>
-                <a:rPr lang="en-US" sz="1400" dirty="0" smtClean="0"/>
-                <a:t>cm s</a:t>
-              </a:r>
-              <a:r>
-                <a:rPr lang="en-US" sz="1400" baseline="30000" dirty="0" smtClean="0"/>
-                <a:t>-1</a:t>
-              </a:r>
-            </a:p>
-          </p:txBody>
-        </p:sp>
-        <p:grpSp>
-          <p:nvGrpSpPr>
-            <p:cNvPr id="173" name="Group 172"/>
-            <p:cNvGrpSpPr/>
-            <p:nvPr/>
-          </p:nvGrpSpPr>
-          <p:grpSpPr>
-            <a:xfrm>
-              <a:off x="5784913" y="1757365"/>
-              <a:ext cx="360000" cy="360000"/>
-              <a:chOff x="3218024" y="1580157"/>
-              <a:chExt cx="360000" cy="360000"/>
-            </a:xfrm>
-          </p:grpSpPr>
-          <p:sp>
-            <p:nvSpPr>
-              <p:cNvPr id="175" name="Isosceles Triangle 174"/>
-              <p:cNvSpPr/>
-              <p:nvPr/>
-            </p:nvSpPr>
-            <p:spPr>
-              <a:xfrm flipV="1">
-                <a:off x="3218024" y="1580157"/>
-                <a:ext cx="360000" cy="360000"/>
-              </a:xfrm>
-              <a:prstGeom prst="triangle">
-                <a:avLst/>
-              </a:prstGeom>
-            </p:spPr>
-            <p:style>
-              <a:lnRef idx="2">
-                <a:schemeClr val="accent1">
-                  <a:shade val="50000"/>
-                </a:schemeClr>
-              </a:lnRef>
-              <a:fillRef idx="1">
-                <a:schemeClr val="accent1"/>
-              </a:fillRef>
-              <a:effectRef idx="0">
-                <a:schemeClr val="accent1"/>
-              </a:effectRef>
-              <a:fontRef idx="minor">
-                <a:schemeClr val="lt1"/>
-              </a:fontRef>
-            </p:style>
-            <p:txBody>
-              <a:bodyPr rtlCol="0" anchor="ctr"/>
-              <a:lstStyle/>
-              <a:p>
-                <a:pPr algn="ctr"/>
-                <a:endParaRPr lang="en-US"/>
-              </a:p>
-            </p:txBody>
-          </p:sp>
-          <p:sp>
-            <p:nvSpPr>
-              <p:cNvPr id="176" name="TextBox 175"/>
-              <p:cNvSpPr txBox="1"/>
-              <p:nvPr/>
-            </p:nvSpPr>
-            <p:spPr>
-              <a:xfrm>
-                <a:off x="3218024" y="1580157"/>
-                <a:ext cx="360000" cy="360000"/>
-              </a:xfrm>
-              <a:prstGeom prst="rect">
-                <a:avLst/>
-              </a:prstGeom>
-              <a:noFill/>
-              <a:ln>
-                <a:solidFill>
-                  <a:schemeClr val="bg1">
-                    <a:lumMod val="50000"/>
-                  </a:schemeClr>
-                </a:solidFill>
-              </a:ln>
-            </p:spPr>
-            <p:txBody>
-              <a:bodyPr wrap="square" rtlCol="0">
-                <a:spAutoFit/>
-              </a:bodyPr>
-              <a:lstStyle/>
-              <a:p>
-                <a:endParaRPr lang="en-US" dirty="0">
-                  <a:solidFill>
-                    <a:schemeClr val="bg1">
-                      <a:lumMod val="75000"/>
-                    </a:schemeClr>
-                  </a:solidFill>
-                </a:endParaRPr>
-              </a:p>
-            </p:txBody>
-          </p:sp>
-        </p:grpSp>
-        <p:sp>
-          <p:nvSpPr>
-            <p:cNvPr id="174" name="TextBox 173"/>
-            <p:cNvSpPr txBox="1"/>
-            <p:nvPr/>
-          </p:nvSpPr>
-          <p:spPr>
-            <a:xfrm>
-              <a:off x="5211464" y="1759645"/>
-              <a:ext cx="565449" cy="360000"/>
-            </a:xfrm>
-            <a:prstGeom prst="rect">
-              <a:avLst/>
-            </a:prstGeom>
-            <a:noFill/>
-            <a:ln>
-              <a:solidFill>
-                <a:schemeClr val="bg1">
-                  <a:lumMod val="50000"/>
-                </a:schemeClr>
-              </a:solidFill>
-            </a:ln>
-          </p:spPr>
-          <p:txBody>
-            <a:bodyPr wrap="square" rtlCol="0">
-              <a:spAutoFit/>
-            </a:bodyPr>
-            <a:lstStyle/>
-            <a:p>
-              <a:r>
-                <a:rPr lang="en-US" dirty="0" smtClean="0">
-                  <a:solidFill>
-                    <a:schemeClr val="bg1">
-                      <a:lumMod val="75000"/>
-                    </a:schemeClr>
-                  </a:solidFill>
-                </a:rPr>
-                <a:t>unit</a:t>
-              </a:r>
-              <a:endParaRPr lang="en-US" dirty="0">
-                <a:solidFill>
-                  <a:schemeClr val="bg1">
-                    <a:lumMod val="75000"/>
-                  </a:schemeClr>
-                </a:solidFill>
-              </a:endParaRPr>
-            </a:p>
-          </p:txBody>
-        </p:sp>
-      </p:grpSp>
-      <p:grpSp>
-        <p:nvGrpSpPr>
-          <p:cNvPr id="177" name="Group 176"/>
-          <p:cNvGrpSpPr/>
-          <p:nvPr/>
-        </p:nvGrpSpPr>
-        <p:grpSpPr>
-          <a:xfrm>
-            <a:off x="202195" y="3558714"/>
-            <a:ext cx="1579782" cy="883220"/>
-            <a:chOff x="4565132" y="1757365"/>
-            <a:chExt cx="1579782" cy="883220"/>
-          </a:xfrm>
-        </p:grpSpPr>
-        <p:sp>
-          <p:nvSpPr>
-            <p:cNvPr id="178" name="TextBox 177"/>
-            <p:cNvSpPr txBox="1"/>
-            <p:nvPr/>
-          </p:nvSpPr>
-          <p:spPr>
-            <a:xfrm>
-              <a:off x="4565132" y="1757823"/>
-              <a:ext cx="657323" cy="369332"/>
-            </a:xfrm>
-            <a:prstGeom prst="rect">
-              <a:avLst/>
-            </a:prstGeom>
-            <a:noFill/>
-            <a:ln>
-              <a:solidFill>
-                <a:schemeClr val="bg1">
-                  <a:lumMod val="50000"/>
-                </a:schemeClr>
-              </a:solidFill>
-            </a:ln>
-          </p:spPr>
-          <p:txBody>
-            <a:bodyPr wrap="square" rtlCol="0">
-              <a:spAutoFit/>
-            </a:bodyPr>
-            <a:lstStyle/>
-            <a:p>
-              <a:r>
-                <a:rPr lang="en-US" dirty="0" smtClean="0">
-                  <a:solidFill>
-                    <a:schemeClr val="bg1">
-                      <a:lumMod val="75000"/>
-                    </a:schemeClr>
-                  </a:solidFill>
-                </a:rPr>
-                <a:t>DOC</a:t>
-              </a:r>
-              <a:endParaRPr lang="en-US" dirty="0">
-                <a:solidFill>
-                  <a:schemeClr val="bg1">
-                    <a:lumMod val="75000"/>
-                  </a:schemeClr>
-                </a:solidFill>
-              </a:endParaRPr>
-            </a:p>
-          </p:txBody>
-        </p:sp>
-        <p:sp>
-          <p:nvSpPr>
-            <p:cNvPr id="179" name="TextBox 178"/>
-            <p:cNvSpPr txBox="1"/>
-            <p:nvPr/>
-          </p:nvSpPr>
-          <p:spPr>
-            <a:xfrm>
-              <a:off x="5211464" y="2117365"/>
-              <a:ext cx="933450" cy="523220"/>
-            </a:xfrm>
-            <a:prstGeom prst="rect">
-              <a:avLst/>
-            </a:prstGeom>
-            <a:noFill/>
-            <a:ln>
-              <a:solidFill>
-                <a:schemeClr val="bg1">
-                  <a:lumMod val="50000"/>
-                </a:schemeClr>
-              </a:solidFill>
-              <a:prstDash val="dash"/>
-            </a:ln>
-          </p:spPr>
-          <p:txBody>
-            <a:bodyPr wrap="square" rtlCol="0">
-              <a:spAutoFit/>
-            </a:bodyPr>
-            <a:lstStyle/>
-            <a:p>
-              <a:r>
-                <a:rPr lang="en-US" sz="1400" dirty="0" smtClean="0"/>
-                <a:t>mg L</a:t>
-              </a:r>
-              <a:r>
-                <a:rPr lang="en-US" sz="1400" baseline="30000" dirty="0" smtClean="0"/>
-                <a:t>-1</a:t>
-              </a:r>
-            </a:p>
-            <a:p>
-              <a:r>
-                <a:rPr lang="en-US" sz="1400" dirty="0" smtClean="0">
-                  <a:latin typeface="Times New Roman" panose="02020603050405020304" pitchFamily="18" charset="0"/>
-                  <a:cs typeface="Times New Roman" panose="02020603050405020304" pitchFamily="18" charset="0"/>
-                </a:rPr>
-                <a:t>µ</a:t>
-              </a:r>
-              <a:r>
-                <a:rPr lang="en-US" sz="1400" dirty="0" err="1" smtClean="0">
-                  <a:latin typeface="Times New Roman" panose="02020603050405020304" pitchFamily="18" charset="0"/>
-                  <a:cs typeface="Times New Roman" panose="02020603050405020304" pitchFamily="18" charset="0"/>
-                </a:rPr>
-                <a:t>mol</a:t>
-              </a:r>
-              <a:r>
-                <a:rPr lang="en-US" sz="1400" dirty="0" smtClean="0">
-                  <a:latin typeface="Times New Roman" panose="02020603050405020304" pitchFamily="18" charset="0"/>
-                  <a:cs typeface="Times New Roman" panose="02020603050405020304" pitchFamily="18" charset="0"/>
-                </a:rPr>
-                <a:t> L</a:t>
-              </a:r>
-              <a:r>
-                <a:rPr lang="en-US" sz="1400" baseline="30000" dirty="0" smtClean="0">
-                  <a:latin typeface="Times New Roman" panose="02020603050405020304" pitchFamily="18" charset="0"/>
-                  <a:cs typeface="Times New Roman" panose="02020603050405020304" pitchFamily="18" charset="0"/>
-                </a:rPr>
-                <a:t>-1</a:t>
-              </a:r>
-              <a:endParaRPr lang="en-US" sz="1400" baseline="30000" dirty="0" smtClean="0"/>
-            </a:p>
-          </p:txBody>
-        </p:sp>
-        <p:grpSp>
-          <p:nvGrpSpPr>
-            <p:cNvPr id="180" name="Group 179"/>
-            <p:cNvGrpSpPr/>
-            <p:nvPr/>
-          </p:nvGrpSpPr>
-          <p:grpSpPr>
-            <a:xfrm>
-              <a:off x="5784913" y="1757365"/>
-              <a:ext cx="360000" cy="360000"/>
-              <a:chOff x="3218024" y="1580157"/>
-              <a:chExt cx="360000" cy="360000"/>
-            </a:xfrm>
-          </p:grpSpPr>
-          <p:sp>
-            <p:nvSpPr>
-              <p:cNvPr id="182" name="Isosceles Triangle 181"/>
-              <p:cNvSpPr/>
-              <p:nvPr/>
-            </p:nvSpPr>
-            <p:spPr>
-              <a:xfrm flipV="1">
-                <a:off x="3218024" y="1580157"/>
-                <a:ext cx="360000" cy="360000"/>
-              </a:xfrm>
-              <a:prstGeom prst="triangle">
-                <a:avLst/>
-              </a:prstGeom>
-            </p:spPr>
-            <p:style>
-              <a:lnRef idx="2">
-                <a:schemeClr val="accent1">
-                  <a:shade val="50000"/>
-                </a:schemeClr>
-              </a:lnRef>
-              <a:fillRef idx="1">
-                <a:schemeClr val="accent1"/>
-              </a:fillRef>
-              <a:effectRef idx="0">
-                <a:schemeClr val="accent1"/>
-              </a:effectRef>
-              <a:fontRef idx="minor">
-                <a:schemeClr val="lt1"/>
-              </a:fontRef>
-            </p:style>
-            <p:txBody>
-              <a:bodyPr rtlCol="0" anchor="ctr"/>
-              <a:lstStyle/>
-              <a:p>
-                <a:pPr algn="ctr"/>
-                <a:endParaRPr lang="en-US"/>
-              </a:p>
-            </p:txBody>
-          </p:sp>
-          <p:sp>
-            <p:nvSpPr>
-              <p:cNvPr id="183" name="TextBox 182"/>
-              <p:cNvSpPr txBox="1"/>
-              <p:nvPr/>
-            </p:nvSpPr>
-            <p:spPr>
-              <a:xfrm>
-                <a:off x="3218024" y="1580157"/>
-                <a:ext cx="360000" cy="360000"/>
-              </a:xfrm>
-              <a:prstGeom prst="rect">
-                <a:avLst/>
-              </a:prstGeom>
-              <a:noFill/>
-              <a:ln>
-                <a:solidFill>
-                  <a:schemeClr val="bg1">
-                    <a:lumMod val="50000"/>
-                  </a:schemeClr>
-                </a:solidFill>
-              </a:ln>
-            </p:spPr>
-            <p:txBody>
-              <a:bodyPr wrap="square" rtlCol="0">
-                <a:spAutoFit/>
-              </a:bodyPr>
-              <a:lstStyle/>
-              <a:p>
-                <a:endParaRPr lang="en-US" dirty="0">
-                  <a:solidFill>
-                    <a:schemeClr val="bg1">
-                      <a:lumMod val="75000"/>
-                    </a:schemeClr>
-                  </a:solidFill>
-                </a:endParaRPr>
-              </a:p>
-            </p:txBody>
-          </p:sp>
-        </p:grpSp>
-        <p:sp>
-          <p:nvSpPr>
-            <p:cNvPr id="181" name="TextBox 180"/>
-            <p:cNvSpPr txBox="1"/>
-            <p:nvPr/>
-          </p:nvSpPr>
-          <p:spPr>
-            <a:xfrm>
-              <a:off x="5211464" y="1759645"/>
-              <a:ext cx="565449" cy="360000"/>
-            </a:xfrm>
-            <a:prstGeom prst="rect">
-              <a:avLst/>
-            </a:prstGeom>
-            <a:noFill/>
-            <a:ln>
-              <a:solidFill>
-                <a:schemeClr val="bg1">
-                  <a:lumMod val="50000"/>
-                </a:schemeClr>
-              </a:solidFill>
-            </a:ln>
-          </p:spPr>
-          <p:txBody>
-            <a:bodyPr wrap="square" rtlCol="0">
-              <a:spAutoFit/>
-            </a:bodyPr>
-            <a:lstStyle/>
-            <a:p>
-              <a:r>
-                <a:rPr lang="en-US" dirty="0" smtClean="0">
-                  <a:solidFill>
-                    <a:schemeClr val="bg1">
-                      <a:lumMod val="75000"/>
-                    </a:schemeClr>
-                  </a:solidFill>
-                </a:rPr>
-                <a:t>unit</a:t>
-              </a:r>
-              <a:endParaRPr lang="en-US" dirty="0">
-                <a:solidFill>
-                  <a:schemeClr val="bg1">
-                    <a:lumMod val="75000"/>
-                  </a:schemeClr>
-                </a:solidFill>
-              </a:endParaRPr>
-            </a:p>
-          </p:txBody>
-        </p:sp>
-      </p:grpSp>
-      <p:grpSp>
-        <p:nvGrpSpPr>
-          <p:cNvPr id="184" name="Group 183"/>
-          <p:cNvGrpSpPr/>
-          <p:nvPr/>
-        </p:nvGrpSpPr>
-        <p:grpSpPr>
-          <a:xfrm>
-            <a:off x="1983120" y="3558714"/>
-            <a:ext cx="1579782" cy="883220"/>
-            <a:chOff x="4565132" y="1757365"/>
-            <a:chExt cx="1579782" cy="883220"/>
-          </a:xfrm>
-        </p:grpSpPr>
-        <p:sp>
-          <p:nvSpPr>
-            <p:cNvPr id="185" name="TextBox 184"/>
-            <p:cNvSpPr txBox="1"/>
-            <p:nvPr/>
-          </p:nvSpPr>
-          <p:spPr>
-            <a:xfrm>
-              <a:off x="4565132" y="1757823"/>
-              <a:ext cx="657323" cy="369332"/>
-            </a:xfrm>
-            <a:prstGeom prst="rect">
-              <a:avLst/>
-            </a:prstGeom>
-            <a:noFill/>
-            <a:ln>
-              <a:solidFill>
-                <a:schemeClr val="bg1">
-                  <a:lumMod val="50000"/>
-                </a:schemeClr>
-              </a:solidFill>
-            </a:ln>
-          </p:spPr>
-          <p:txBody>
-            <a:bodyPr wrap="square" rtlCol="0">
-              <a:spAutoFit/>
-            </a:bodyPr>
-            <a:lstStyle/>
-            <a:p>
-              <a:r>
-                <a:rPr lang="en-US" dirty="0" smtClean="0">
-                  <a:solidFill>
-                    <a:schemeClr val="bg1">
-                      <a:lumMod val="75000"/>
-                    </a:schemeClr>
-                  </a:solidFill>
-                </a:rPr>
-                <a:t>POC</a:t>
-              </a:r>
-              <a:endParaRPr lang="en-US" dirty="0">
-                <a:solidFill>
-                  <a:schemeClr val="bg1">
-                    <a:lumMod val="75000"/>
-                  </a:schemeClr>
-                </a:solidFill>
-              </a:endParaRPr>
-            </a:p>
-          </p:txBody>
-        </p:sp>
-        <p:sp>
-          <p:nvSpPr>
-            <p:cNvPr id="186" name="TextBox 185"/>
-            <p:cNvSpPr txBox="1"/>
-            <p:nvPr/>
-          </p:nvSpPr>
-          <p:spPr>
-            <a:xfrm>
-              <a:off x="5211464" y="2117365"/>
-              <a:ext cx="933450" cy="523220"/>
-            </a:xfrm>
-            <a:prstGeom prst="rect">
-              <a:avLst/>
-            </a:prstGeom>
-            <a:noFill/>
-            <a:ln>
-              <a:solidFill>
-                <a:schemeClr val="bg1">
-                  <a:lumMod val="50000"/>
-                </a:schemeClr>
-              </a:solidFill>
-              <a:prstDash val="dash"/>
-            </a:ln>
-          </p:spPr>
-          <p:txBody>
-            <a:bodyPr wrap="square" rtlCol="0">
-              <a:spAutoFit/>
-            </a:bodyPr>
-            <a:lstStyle/>
-            <a:p>
-              <a:r>
-                <a:rPr lang="en-US" sz="1400" dirty="0" smtClean="0"/>
-                <a:t>mg L</a:t>
-              </a:r>
-              <a:r>
-                <a:rPr lang="en-US" sz="1400" baseline="30000" dirty="0" smtClean="0"/>
-                <a:t>-1</a:t>
-              </a:r>
-            </a:p>
-            <a:p>
-              <a:r>
-                <a:rPr lang="en-US" sz="1400" dirty="0" smtClean="0">
-                  <a:latin typeface="Times New Roman" panose="02020603050405020304" pitchFamily="18" charset="0"/>
-                  <a:cs typeface="Times New Roman" panose="02020603050405020304" pitchFamily="18" charset="0"/>
-                </a:rPr>
-                <a:t>µ</a:t>
-              </a:r>
-              <a:r>
-                <a:rPr lang="en-US" sz="1400" dirty="0" err="1" smtClean="0">
-                  <a:latin typeface="Times New Roman" panose="02020603050405020304" pitchFamily="18" charset="0"/>
-                  <a:cs typeface="Times New Roman" panose="02020603050405020304" pitchFamily="18" charset="0"/>
-                </a:rPr>
-                <a:t>mol</a:t>
-              </a:r>
-              <a:r>
-                <a:rPr lang="en-US" sz="1400" dirty="0" smtClean="0">
-                  <a:latin typeface="Times New Roman" panose="02020603050405020304" pitchFamily="18" charset="0"/>
-                  <a:cs typeface="Times New Roman" panose="02020603050405020304" pitchFamily="18" charset="0"/>
-                </a:rPr>
-                <a:t> L</a:t>
-              </a:r>
-              <a:r>
-                <a:rPr lang="en-US" sz="1400" baseline="30000" dirty="0" smtClean="0">
-                  <a:latin typeface="Times New Roman" panose="02020603050405020304" pitchFamily="18" charset="0"/>
-                  <a:cs typeface="Times New Roman" panose="02020603050405020304" pitchFamily="18" charset="0"/>
-                </a:rPr>
-                <a:t>-1</a:t>
-              </a:r>
-              <a:endParaRPr lang="en-US" sz="1400" baseline="30000" dirty="0" smtClean="0"/>
-            </a:p>
-          </p:txBody>
-        </p:sp>
-        <p:grpSp>
-          <p:nvGrpSpPr>
-            <p:cNvPr id="187" name="Group 186"/>
-            <p:cNvGrpSpPr/>
-            <p:nvPr/>
-          </p:nvGrpSpPr>
-          <p:grpSpPr>
-            <a:xfrm>
-              <a:off x="5784913" y="1757365"/>
-              <a:ext cx="360000" cy="360000"/>
-              <a:chOff x="3218024" y="1580157"/>
-              <a:chExt cx="360000" cy="360000"/>
-            </a:xfrm>
-          </p:grpSpPr>
-          <p:sp>
-            <p:nvSpPr>
-              <p:cNvPr id="189" name="Isosceles Triangle 188"/>
-              <p:cNvSpPr/>
-              <p:nvPr/>
-            </p:nvSpPr>
-            <p:spPr>
-              <a:xfrm flipV="1">
-                <a:off x="3218024" y="1580157"/>
-                <a:ext cx="360000" cy="360000"/>
-              </a:xfrm>
-              <a:prstGeom prst="triangle">
-                <a:avLst/>
-              </a:prstGeom>
-            </p:spPr>
-            <p:style>
-              <a:lnRef idx="2">
-                <a:schemeClr val="accent1">
-                  <a:shade val="50000"/>
-                </a:schemeClr>
-              </a:lnRef>
-              <a:fillRef idx="1">
-                <a:schemeClr val="accent1"/>
-              </a:fillRef>
-              <a:effectRef idx="0">
-                <a:schemeClr val="accent1"/>
-              </a:effectRef>
-              <a:fontRef idx="minor">
-                <a:schemeClr val="lt1"/>
-              </a:fontRef>
-            </p:style>
-            <p:txBody>
-              <a:bodyPr rtlCol="0" anchor="ctr"/>
-              <a:lstStyle/>
-              <a:p>
-                <a:pPr algn="ctr"/>
-                <a:endParaRPr lang="en-US"/>
-              </a:p>
-            </p:txBody>
-          </p:sp>
-          <p:sp>
-            <p:nvSpPr>
-              <p:cNvPr id="190" name="TextBox 189"/>
-              <p:cNvSpPr txBox="1"/>
-              <p:nvPr/>
-            </p:nvSpPr>
-            <p:spPr>
-              <a:xfrm>
-                <a:off x="3218024" y="1580157"/>
-                <a:ext cx="360000" cy="360000"/>
-              </a:xfrm>
-              <a:prstGeom prst="rect">
-                <a:avLst/>
-              </a:prstGeom>
-              <a:noFill/>
-              <a:ln>
-                <a:solidFill>
-                  <a:schemeClr val="bg1">
-                    <a:lumMod val="50000"/>
-                  </a:schemeClr>
-                </a:solidFill>
-              </a:ln>
-            </p:spPr>
-            <p:txBody>
-              <a:bodyPr wrap="square" rtlCol="0">
-                <a:spAutoFit/>
-              </a:bodyPr>
-              <a:lstStyle/>
-              <a:p>
-                <a:endParaRPr lang="en-US" dirty="0">
-                  <a:solidFill>
-                    <a:schemeClr val="bg1">
-                      <a:lumMod val="75000"/>
-                    </a:schemeClr>
-                  </a:solidFill>
-                </a:endParaRPr>
-              </a:p>
-            </p:txBody>
-          </p:sp>
-        </p:grpSp>
-        <p:sp>
-          <p:nvSpPr>
-            <p:cNvPr id="188" name="TextBox 187"/>
-            <p:cNvSpPr txBox="1"/>
-            <p:nvPr/>
-          </p:nvSpPr>
-          <p:spPr>
-            <a:xfrm>
-              <a:off x="5211464" y="1759645"/>
-              <a:ext cx="565449" cy="360000"/>
-            </a:xfrm>
-            <a:prstGeom prst="rect">
-              <a:avLst/>
-            </a:prstGeom>
-            <a:noFill/>
-            <a:ln>
-              <a:solidFill>
-                <a:schemeClr val="bg1">
-                  <a:lumMod val="50000"/>
-                </a:schemeClr>
-              </a:solidFill>
-            </a:ln>
-          </p:spPr>
-          <p:txBody>
-            <a:bodyPr wrap="square" rtlCol="0">
-              <a:spAutoFit/>
-            </a:bodyPr>
-            <a:lstStyle/>
-            <a:p>
-              <a:r>
-                <a:rPr lang="en-US" dirty="0" smtClean="0">
-                  <a:solidFill>
-                    <a:schemeClr val="bg1">
-                      <a:lumMod val="75000"/>
-                    </a:schemeClr>
-                  </a:solidFill>
-                </a:rPr>
-                <a:t>unit</a:t>
-              </a:r>
-              <a:endParaRPr lang="en-US" dirty="0">
-                <a:solidFill>
-                  <a:schemeClr val="bg1">
-                    <a:lumMod val="75000"/>
-                  </a:schemeClr>
-                </a:solidFill>
-              </a:endParaRPr>
-            </a:p>
-          </p:txBody>
-        </p:sp>
-      </p:grpSp>
-      <p:grpSp>
-        <p:nvGrpSpPr>
-          <p:cNvPr id="191" name="Group 190"/>
-          <p:cNvGrpSpPr/>
-          <p:nvPr/>
-        </p:nvGrpSpPr>
-        <p:grpSpPr>
-          <a:xfrm>
-            <a:off x="3764045" y="3558714"/>
-            <a:ext cx="1579782" cy="883220"/>
-            <a:chOff x="4565132" y="1757365"/>
-            <a:chExt cx="1579782" cy="883220"/>
-          </a:xfrm>
-        </p:grpSpPr>
-        <p:sp>
-          <p:nvSpPr>
-            <p:cNvPr id="192" name="TextBox 191"/>
-            <p:cNvSpPr txBox="1"/>
-            <p:nvPr/>
-          </p:nvSpPr>
-          <p:spPr>
-            <a:xfrm>
-              <a:off x="4565132" y="1757823"/>
-              <a:ext cx="657323" cy="369332"/>
-            </a:xfrm>
-            <a:prstGeom prst="rect">
-              <a:avLst/>
-            </a:prstGeom>
-            <a:noFill/>
-            <a:ln>
-              <a:solidFill>
-                <a:schemeClr val="bg1">
-                  <a:lumMod val="50000"/>
-                </a:schemeClr>
-              </a:solidFill>
-            </a:ln>
-          </p:spPr>
-          <p:txBody>
-            <a:bodyPr wrap="square" rtlCol="0">
-              <a:spAutoFit/>
-            </a:bodyPr>
-            <a:lstStyle/>
-            <a:p>
-              <a:r>
-                <a:rPr lang="en-US" dirty="0">
-                  <a:solidFill>
-                    <a:schemeClr val="bg1">
-                      <a:lumMod val="75000"/>
-                    </a:schemeClr>
-                  </a:solidFill>
-                </a:rPr>
-                <a:t>T</a:t>
-              </a:r>
-              <a:r>
-                <a:rPr lang="en-US" dirty="0" smtClean="0">
-                  <a:solidFill>
-                    <a:schemeClr val="bg1">
-                      <a:lumMod val="75000"/>
-                    </a:schemeClr>
-                  </a:solidFill>
-                </a:rPr>
-                <a:t>OC</a:t>
-              </a:r>
-              <a:endParaRPr lang="en-US" dirty="0">
-                <a:solidFill>
-                  <a:schemeClr val="bg1">
-                    <a:lumMod val="75000"/>
-                  </a:schemeClr>
-                </a:solidFill>
-              </a:endParaRPr>
-            </a:p>
-          </p:txBody>
-        </p:sp>
-        <p:sp>
-          <p:nvSpPr>
-            <p:cNvPr id="193" name="TextBox 192"/>
-            <p:cNvSpPr txBox="1"/>
-            <p:nvPr/>
-          </p:nvSpPr>
-          <p:spPr>
-            <a:xfrm>
-              <a:off x="5211464" y="2117365"/>
-              <a:ext cx="933450" cy="523220"/>
-            </a:xfrm>
-            <a:prstGeom prst="rect">
-              <a:avLst/>
-            </a:prstGeom>
-            <a:noFill/>
-            <a:ln>
-              <a:solidFill>
-                <a:schemeClr val="bg1">
-                  <a:lumMod val="50000"/>
-                </a:schemeClr>
-              </a:solidFill>
-              <a:prstDash val="dash"/>
-            </a:ln>
-          </p:spPr>
-          <p:txBody>
-            <a:bodyPr wrap="square" rtlCol="0">
-              <a:spAutoFit/>
-            </a:bodyPr>
-            <a:lstStyle/>
-            <a:p>
-              <a:r>
-                <a:rPr lang="en-US" sz="1400" dirty="0" smtClean="0"/>
-                <a:t>mg L</a:t>
-              </a:r>
-              <a:r>
-                <a:rPr lang="en-US" sz="1400" baseline="30000" dirty="0" smtClean="0"/>
-                <a:t>-1</a:t>
-              </a:r>
-            </a:p>
-            <a:p>
-              <a:r>
-                <a:rPr lang="en-US" sz="1400" dirty="0" smtClean="0">
-                  <a:latin typeface="Times New Roman" panose="02020603050405020304" pitchFamily="18" charset="0"/>
-                  <a:cs typeface="Times New Roman" panose="02020603050405020304" pitchFamily="18" charset="0"/>
-                </a:rPr>
-                <a:t>µ</a:t>
-              </a:r>
-              <a:r>
-                <a:rPr lang="en-US" sz="1400" dirty="0" err="1" smtClean="0">
-                  <a:latin typeface="Times New Roman" panose="02020603050405020304" pitchFamily="18" charset="0"/>
-                  <a:cs typeface="Times New Roman" panose="02020603050405020304" pitchFamily="18" charset="0"/>
-                </a:rPr>
-                <a:t>mol</a:t>
-              </a:r>
-              <a:r>
-                <a:rPr lang="en-US" sz="1400" dirty="0" smtClean="0">
-                  <a:latin typeface="Times New Roman" panose="02020603050405020304" pitchFamily="18" charset="0"/>
-                  <a:cs typeface="Times New Roman" panose="02020603050405020304" pitchFamily="18" charset="0"/>
-                </a:rPr>
-                <a:t> L</a:t>
-              </a:r>
-              <a:r>
-                <a:rPr lang="en-US" sz="1400" baseline="30000" dirty="0" smtClean="0">
-                  <a:latin typeface="Times New Roman" panose="02020603050405020304" pitchFamily="18" charset="0"/>
-                  <a:cs typeface="Times New Roman" panose="02020603050405020304" pitchFamily="18" charset="0"/>
-                </a:rPr>
-                <a:t>-1</a:t>
-              </a:r>
-              <a:endParaRPr lang="en-US" sz="1400" baseline="30000" dirty="0" smtClean="0"/>
-            </a:p>
-          </p:txBody>
-        </p:sp>
-        <p:grpSp>
-          <p:nvGrpSpPr>
-            <p:cNvPr id="194" name="Group 193"/>
-            <p:cNvGrpSpPr/>
-            <p:nvPr/>
-          </p:nvGrpSpPr>
-          <p:grpSpPr>
-            <a:xfrm>
-              <a:off x="5784913" y="1757365"/>
-              <a:ext cx="360000" cy="360000"/>
-              <a:chOff x="3218024" y="1580157"/>
-              <a:chExt cx="360000" cy="360000"/>
-            </a:xfrm>
-          </p:grpSpPr>
-          <p:sp>
-            <p:nvSpPr>
-              <p:cNvPr id="196" name="Isosceles Triangle 195"/>
-              <p:cNvSpPr/>
-              <p:nvPr/>
-            </p:nvSpPr>
-            <p:spPr>
-              <a:xfrm flipV="1">
-                <a:off x="3218024" y="1580157"/>
-                <a:ext cx="360000" cy="360000"/>
-              </a:xfrm>
-              <a:prstGeom prst="triangle">
-                <a:avLst/>
-              </a:prstGeom>
-            </p:spPr>
-            <p:style>
-              <a:lnRef idx="2">
-                <a:schemeClr val="accent1">
-                  <a:shade val="50000"/>
-                </a:schemeClr>
-              </a:lnRef>
-              <a:fillRef idx="1">
-                <a:schemeClr val="accent1"/>
-              </a:fillRef>
-              <a:effectRef idx="0">
-                <a:schemeClr val="accent1"/>
-              </a:effectRef>
-              <a:fontRef idx="minor">
-                <a:schemeClr val="lt1"/>
-              </a:fontRef>
-            </p:style>
-            <p:txBody>
-              <a:bodyPr rtlCol="0" anchor="ctr"/>
-              <a:lstStyle/>
-              <a:p>
-                <a:pPr algn="ctr"/>
-                <a:endParaRPr lang="en-US"/>
-              </a:p>
-            </p:txBody>
-          </p:sp>
-          <p:sp>
-            <p:nvSpPr>
-              <p:cNvPr id="197" name="TextBox 196"/>
-              <p:cNvSpPr txBox="1"/>
-              <p:nvPr/>
-            </p:nvSpPr>
-            <p:spPr>
-              <a:xfrm>
-                <a:off x="3218024" y="1580157"/>
-                <a:ext cx="360000" cy="360000"/>
-              </a:xfrm>
-              <a:prstGeom prst="rect">
-                <a:avLst/>
-              </a:prstGeom>
-              <a:noFill/>
-              <a:ln>
-                <a:solidFill>
-                  <a:schemeClr val="bg1">
-                    <a:lumMod val="50000"/>
-                  </a:schemeClr>
-                </a:solidFill>
-              </a:ln>
-            </p:spPr>
-            <p:txBody>
-              <a:bodyPr wrap="square" rtlCol="0">
-                <a:spAutoFit/>
-              </a:bodyPr>
-              <a:lstStyle/>
-              <a:p>
-                <a:endParaRPr lang="en-US" dirty="0">
-                  <a:solidFill>
-                    <a:schemeClr val="bg1">
-                      <a:lumMod val="75000"/>
-                    </a:schemeClr>
-                  </a:solidFill>
-                </a:endParaRPr>
-              </a:p>
-            </p:txBody>
-          </p:sp>
-        </p:grpSp>
-        <p:sp>
-          <p:nvSpPr>
-            <p:cNvPr id="195" name="TextBox 194"/>
-            <p:cNvSpPr txBox="1"/>
-            <p:nvPr/>
-          </p:nvSpPr>
-          <p:spPr>
-            <a:xfrm>
-              <a:off x="5211464" y="1759645"/>
-              <a:ext cx="565449" cy="360000"/>
-            </a:xfrm>
-            <a:prstGeom prst="rect">
-              <a:avLst/>
-            </a:prstGeom>
-            <a:noFill/>
-            <a:ln>
-              <a:solidFill>
-                <a:schemeClr val="bg1">
-                  <a:lumMod val="50000"/>
-                </a:schemeClr>
-              </a:solidFill>
-            </a:ln>
-          </p:spPr>
-          <p:txBody>
-            <a:bodyPr wrap="square" rtlCol="0">
-              <a:spAutoFit/>
-            </a:bodyPr>
-            <a:lstStyle/>
-            <a:p>
-              <a:r>
-                <a:rPr lang="en-US" dirty="0" smtClean="0">
-                  <a:solidFill>
-                    <a:schemeClr val="bg1">
-                      <a:lumMod val="75000"/>
-                    </a:schemeClr>
-                  </a:solidFill>
-                </a:rPr>
-                <a:t>unit</a:t>
-              </a:r>
-              <a:endParaRPr lang="en-US" dirty="0">
-                <a:solidFill>
-                  <a:schemeClr val="bg1">
-                    <a:lumMod val="75000"/>
-                  </a:schemeClr>
-                </a:solidFill>
-              </a:endParaRPr>
-            </a:p>
-          </p:txBody>
-        </p:sp>
-      </p:grpSp>
-      <p:grpSp>
-        <p:nvGrpSpPr>
-          <p:cNvPr id="198" name="Group 197"/>
-          <p:cNvGrpSpPr/>
-          <p:nvPr/>
-        </p:nvGrpSpPr>
-        <p:grpSpPr>
-          <a:xfrm>
-            <a:off x="5544970" y="3558714"/>
-            <a:ext cx="1579782" cy="595962"/>
-            <a:chOff x="4565132" y="1757365"/>
-            <a:chExt cx="1579782" cy="595962"/>
-          </a:xfrm>
-        </p:grpSpPr>
-        <p:sp>
-          <p:nvSpPr>
-            <p:cNvPr id="199" name="TextBox 198"/>
-            <p:cNvSpPr txBox="1"/>
-            <p:nvPr/>
-          </p:nvSpPr>
-          <p:spPr>
-            <a:xfrm>
-              <a:off x="4565132" y="1757823"/>
-              <a:ext cx="657323" cy="369332"/>
-            </a:xfrm>
-            <a:prstGeom prst="rect">
-              <a:avLst/>
-            </a:prstGeom>
-            <a:noFill/>
-            <a:ln>
-              <a:solidFill>
-                <a:schemeClr val="bg1">
-                  <a:lumMod val="50000"/>
-                </a:schemeClr>
-              </a:solidFill>
-            </a:ln>
-          </p:spPr>
-          <p:txBody>
-            <a:bodyPr wrap="square" rtlCol="0">
-              <a:spAutoFit/>
-            </a:bodyPr>
-            <a:lstStyle/>
-            <a:p>
-              <a:r>
-                <a:rPr lang="en-US" dirty="0" smtClean="0">
-                  <a:solidFill>
-                    <a:schemeClr val="bg1">
-                      <a:lumMod val="75000"/>
-                    </a:schemeClr>
-                  </a:solidFill>
-                </a:rPr>
-                <a:t>pH</a:t>
-              </a:r>
-              <a:endParaRPr lang="en-US" dirty="0">
-                <a:solidFill>
-                  <a:schemeClr val="bg1">
-                    <a:lumMod val="75000"/>
-                  </a:schemeClr>
-                </a:solidFill>
-              </a:endParaRPr>
-            </a:p>
-          </p:txBody>
-        </p:sp>
-        <p:sp>
-          <p:nvSpPr>
-            <p:cNvPr id="200" name="TextBox 199"/>
-            <p:cNvSpPr txBox="1"/>
-            <p:nvPr/>
-          </p:nvSpPr>
-          <p:spPr>
-            <a:xfrm>
-              <a:off x="5211464" y="2117365"/>
-              <a:ext cx="933450" cy="235962"/>
-            </a:xfrm>
-            <a:prstGeom prst="rect">
-              <a:avLst/>
-            </a:prstGeom>
-            <a:noFill/>
-            <a:ln>
-              <a:solidFill>
-                <a:schemeClr val="bg1">
-                  <a:lumMod val="50000"/>
-                </a:schemeClr>
-              </a:solidFill>
-              <a:prstDash val="dash"/>
-            </a:ln>
-          </p:spPr>
-          <p:txBody>
-            <a:bodyPr wrap="square" rtlCol="0">
-              <a:spAutoFit/>
-            </a:bodyPr>
-            <a:lstStyle/>
-            <a:p>
-              <a:endParaRPr lang="en-US" sz="1400" baseline="30000" dirty="0" smtClean="0"/>
-            </a:p>
-          </p:txBody>
-        </p:sp>
-        <p:grpSp>
-          <p:nvGrpSpPr>
-            <p:cNvPr id="201" name="Group 200"/>
-            <p:cNvGrpSpPr/>
-            <p:nvPr/>
-          </p:nvGrpSpPr>
-          <p:grpSpPr>
-            <a:xfrm>
-              <a:off x="5784913" y="1757365"/>
-              <a:ext cx="360000" cy="360000"/>
-              <a:chOff x="3218024" y="1580157"/>
-              <a:chExt cx="360000" cy="360000"/>
-            </a:xfrm>
-          </p:grpSpPr>
-          <p:sp>
-            <p:nvSpPr>
-              <p:cNvPr id="203" name="Isosceles Triangle 202"/>
-              <p:cNvSpPr/>
-              <p:nvPr/>
-            </p:nvSpPr>
-            <p:spPr>
-              <a:xfrm flipV="1">
-                <a:off x="3218024" y="1580157"/>
-                <a:ext cx="360000" cy="360000"/>
-              </a:xfrm>
-              <a:prstGeom prst="triangle">
-                <a:avLst/>
-              </a:prstGeom>
-            </p:spPr>
-            <p:style>
-              <a:lnRef idx="2">
-                <a:schemeClr val="accent1">
-                  <a:shade val="50000"/>
-                </a:schemeClr>
-              </a:lnRef>
-              <a:fillRef idx="1">
-                <a:schemeClr val="accent1"/>
-              </a:fillRef>
-              <a:effectRef idx="0">
-                <a:schemeClr val="accent1"/>
-              </a:effectRef>
-              <a:fontRef idx="minor">
-                <a:schemeClr val="lt1"/>
-              </a:fontRef>
-            </p:style>
-            <p:txBody>
-              <a:bodyPr rtlCol="0" anchor="ctr"/>
-              <a:lstStyle/>
-              <a:p>
-                <a:pPr algn="ctr"/>
-                <a:endParaRPr lang="en-US"/>
-              </a:p>
-            </p:txBody>
-          </p:sp>
-          <p:sp>
-            <p:nvSpPr>
-              <p:cNvPr id="204" name="TextBox 203"/>
-              <p:cNvSpPr txBox="1"/>
-              <p:nvPr/>
-            </p:nvSpPr>
-            <p:spPr>
-              <a:xfrm>
-                <a:off x="3218024" y="1580157"/>
-                <a:ext cx="360000" cy="360000"/>
-              </a:xfrm>
-              <a:prstGeom prst="rect">
-                <a:avLst/>
-              </a:prstGeom>
-              <a:noFill/>
-              <a:ln>
-                <a:solidFill>
-                  <a:schemeClr val="bg1">
-                    <a:lumMod val="50000"/>
-                  </a:schemeClr>
-                </a:solidFill>
-              </a:ln>
-            </p:spPr>
-            <p:txBody>
-              <a:bodyPr wrap="square" rtlCol="0">
-                <a:spAutoFit/>
-              </a:bodyPr>
-              <a:lstStyle/>
-              <a:p>
-                <a:endParaRPr lang="en-US" dirty="0">
-                  <a:solidFill>
-                    <a:schemeClr val="bg1">
-                      <a:lumMod val="75000"/>
-                    </a:schemeClr>
-                  </a:solidFill>
-                </a:endParaRPr>
-              </a:p>
-            </p:txBody>
-          </p:sp>
-        </p:grpSp>
-        <p:sp>
-          <p:nvSpPr>
-            <p:cNvPr id="202" name="TextBox 201"/>
-            <p:cNvSpPr txBox="1"/>
-            <p:nvPr/>
-          </p:nvSpPr>
-          <p:spPr>
-            <a:xfrm>
-              <a:off x="5211464" y="1759645"/>
-              <a:ext cx="565449" cy="360000"/>
-            </a:xfrm>
-            <a:prstGeom prst="rect">
-              <a:avLst/>
-            </a:prstGeom>
-            <a:noFill/>
-            <a:ln>
-              <a:solidFill>
-                <a:schemeClr val="bg1">
-                  <a:lumMod val="50000"/>
-                </a:schemeClr>
-              </a:solidFill>
-            </a:ln>
-          </p:spPr>
-          <p:txBody>
-            <a:bodyPr wrap="square" rtlCol="0">
-              <a:spAutoFit/>
-            </a:bodyPr>
-            <a:lstStyle/>
-            <a:p>
-              <a:r>
-                <a:rPr lang="en-US" dirty="0" smtClean="0">
-                  <a:solidFill>
-                    <a:schemeClr val="bg1">
-                      <a:lumMod val="75000"/>
-                    </a:schemeClr>
-                  </a:solidFill>
-                </a:rPr>
-                <a:t>unit</a:t>
-              </a:r>
-              <a:endParaRPr lang="en-US" dirty="0">
-                <a:solidFill>
-                  <a:schemeClr val="bg1">
-                    <a:lumMod val="75000"/>
-                  </a:schemeClr>
-                </a:solidFill>
-              </a:endParaRPr>
-            </a:p>
-          </p:txBody>
-        </p:sp>
-      </p:grpSp>
-      <p:grpSp>
-        <p:nvGrpSpPr>
-          <p:cNvPr id="205" name="Group 204"/>
-          <p:cNvGrpSpPr/>
-          <p:nvPr/>
-        </p:nvGrpSpPr>
-        <p:grpSpPr>
-          <a:xfrm>
-            <a:off x="7325896" y="3558714"/>
-            <a:ext cx="2051450" cy="883220"/>
-            <a:chOff x="4093464" y="1757365"/>
-            <a:chExt cx="2051450" cy="883220"/>
-          </a:xfrm>
-        </p:grpSpPr>
-        <p:sp>
-          <p:nvSpPr>
-            <p:cNvPr id="206" name="TextBox 205"/>
-            <p:cNvSpPr txBox="1"/>
-            <p:nvPr/>
-          </p:nvSpPr>
-          <p:spPr>
-            <a:xfrm>
-              <a:off x="4093464" y="1757823"/>
-              <a:ext cx="1128991" cy="369332"/>
-            </a:xfrm>
-            <a:prstGeom prst="rect">
-              <a:avLst/>
-            </a:prstGeom>
-            <a:noFill/>
-            <a:ln>
-              <a:solidFill>
-                <a:schemeClr val="bg1">
-                  <a:lumMod val="50000"/>
-                </a:schemeClr>
-              </a:solidFill>
-            </a:ln>
-          </p:spPr>
-          <p:txBody>
-            <a:bodyPr wrap="square" rtlCol="0">
-              <a:spAutoFit/>
-            </a:bodyPr>
-            <a:lstStyle/>
-            <a:p>
-              <a:r>
-                <a:rPr lang="en-US" dirty="0" smtClean="0">
-                  <a:solidFill>
-                    <a:schemeClr val="bg1">
-                      <a:lumMod val="75000"/>
-                    </a:schemeClr>
-                  </a:solidFill>
-                </a:rPr>
-                <a:t>Alkalinity</a:t>
-              </a:r>
-              <a:endParaRPr lang="en-US" dirty="0">
-                <a:solidFill>
-                  <a:schemeClr val="bg1">
-                    <a:lumMod val="75000"/>
-                  </a:schemeClr>
-                </a:solidFill>
-              </a:endParaRPr>
-            </a:p>
-          </p:txBody>
-        </p:sp>
-        <p:sp>
-          <p:nvSpPr>
-            <p:cNvPr id="207" name="TextBox 206"/>
-            <p:cNvSpPr txBox="1"/>
-            <p:nvPr/>
-          </p:nvSpPr>
-          <p:spPr>
-            <a:xfrm>
-              <a:off x="5211464" y="2117365"/>
-              <a:ext cx="933450" cy="523220"/>
-            </a:xfrm>
-            <a:prstGeom prst="rect">
-              <a:avLst/>
-            </a:prstGeom>
-            <a:noFill/>
-            <a:ln>
-              <a:solidFill>
-                <a:schemeClr val="bg1">
-                  <a:lumMod val="50000"/>
-                </a:schemeClr>
-              </a:solidFill>
-              <a:prstDash val="dash"/>
-            </a:ln>
-          </p:spPr>
-          <p:txBody>
-            <a:bodyPr wrap="square" rtlCol="0">
-              <a:spAutoFit/>
-            </a:bodyPr>
-            <a:lstStyle/>
-            <a:p>
-              <a:r>
-                <a:rPr lang="en-US" sz="1400" dirty="0" smtClean="0"/>
-                <a:t>mg CaCO</a:t>
-              </a:r>
-              <a:r>
-                <a:rPr lang="en-US" sz="1400" baseline="-25000" dirty="0" smtClean="0"/>
-                <a:t>3</a:t>
-              </a:r>
-            </a:p>
-            <a:p>
-              <a:r>
-                <a:rPr lang="en-US" sz="1400" dirty="0" smtClean="0">
-                  <a:latin typeface="Times New Roman" panose="02020603050405020304" pitchFamily="18" charset="0"/>
-                  <a:cs typeface="Times New Roman" panose="02020603050405020304" pitchFamily="18" charset="0"/>
-                </a:rPr>
-                <a:t>µ</a:t>
-              </a:r>
-              <a:r>
-                <a:rPr lang="en-US" sz="1400" dirty="0" err="1" smtClean="0">
-                  <a:latin typeface="Times New Roman" panose="02020603050405020304" pitchFamily="18" charset="0"/>
-                  <a:cs typeface="Times New Roman" panose="02020603050405020304" pitchFamily="18" charset="0"/>
-                </a:rPr>
-                <a:t>mol</a:t>
-              </a:r>
-              <a:r>
-                <a:rPr lang="en-US" sz="1400" dirty="0" smtClean="0">
-                  <a:latin typeface="Times New Roman" panose="02020603050405020304" pitchFamily="18" charset="0"/>
-                  <a:cs typeface="Times New Roman" panose="02020603050405020304" pitchFamily="18" charset="0"/>
-                </a:rPr>
-                <a:t> L</a:t>
-              </a:r>
-              <a:r>
-                <a:rPr lang="en-US" sz="1400" baseline="30000" dirty="0" smtClean="0">
-                  <a:latin typeface="Times New Roman" panose="02020603050405020304" pitchFamily="18" charset="0"/>
-                  <a:cs typeface="Times New Roman" panose="02020603050405020304" pitchFamily="18" charset="0"/>
-                </a:rPr>
-                <a:t>-1</a:t>
-              </a:r>
-              <a:endParaRPr lang="en-US" sz="1400" baseline="30000" dirty="0" smtClean="0"/>
-            </a:p>
-          </p:txBody>
-        </p:sp>
-        <p:grpSp>
-          <p:nvGrpSpPr>
-            <p:cNvPr id="208" name="Group 207"/>
-            <p:cNvGrpSpPr/>
-            <p:nvPr/>
-          </p:nvGrpSpPr>
-          <p:grpSpPr>
-            <a:xfrm>
-              <a:off x="5784913" y="1757365"/>
-              <a:ext cx="360000" cy="360000"/>
-              <a:chOff x="3218024" y="1580157"/>
-              <a:chExt cx="360000" cy="360000"/>
-            </a:xfrm>
-          </p:grpSpPr>
-          <p:sp>
-            <p:nvSpPr>
-              <p:cNvPr id="210" name="Isosceles Triangle 209"/>
-              <p:cNvSpPr/>
-              <p:nvPr/>
-            </p:nvSpPr>
-            <p:spPr>
-              <a:xfrm flipV="1">
-                <a:off x="3218024" y="1580157"/>
-                <a:ext cx="360000" cy="360000"/>
-              </a:xfrm>
-              <a:prstGeom prst="triangle">
-                <a:avLst/>
-              </a:prstGeom>
-            </p:spPr>
-            <p:style>
-              <a:lnRef idx="2">
-                <a:schemeClr val="accent1">
-                  <a:shade val="50000"/>
-                </a:schemeClr>
-              </a:lnRef>
-              <a:fillRef idx="1">
-                <a:schemeClr val="accent1"/>
-              </a:fillRef>
-              <a:effectRef idx="0">
-                <a:schemeClr val="accent1"/>
-              </a:effectRef>
-              <a:fontRef idx="minor">
-                <a:schemeClr val="lt1"/>
-              </a:fontRef>
-            </p:style>
-            <p:txBody>
-              <a:bodyPr rtlCol="0" anchor="ctr"/>
-              <a:lstStyle/>
-              <a:p>
-                <a:pPr algn="ctr"/>
-                <a:endParaRPr lang="en-US"/>
-              </a:p>
-            </p:txBody>
-          </p:sp>
-          <p:sp>
-            <p:nvSpPr>
-              <p:cNvPr id="211" name="TextBox 210"/>
-              <p:cNvSpPr txBox="1"/>
-              <p:nvPr/>
-            </p:nvSpPr>
-            <p:spPr>
-              <a:xfrm>
-                <a:off x="3218024" y="1580157"/>
-                <a:ext cx="360000" cy="360000"/>
-              </a:xfrm>
-              <a:prstGeom prst="rect">
-                <a:avLst/>
-              </a:prstGeom>
-              <a:noFill/>
-              <a:ln>
-                <a:solidFill>
-                  <a:schemeClr val="bg1">
-                    <a:lumMod val="50000"/>
-                  </a:schemeClr>
-                </a:solidFill>
-              </a:ln>
-            </p:spPr>
-            <p:txBody>
-              <a:bodyPr wrap="square" rtlCol="0">
-                <a:spAutoFit/>
-              </a:bodyPr>
-              <a:lstStyle/>
-              <a:p>
-                <a:endParaRPr lang="en-US" dirty="0">
-                  <a:solidFill>
-                    <a:schemeClr val="bg1">
-                      <a:lumMod val="75000"/>
-                    </a:schemeClr>
-                  </a:solidFill>
-                </a:endParaRPr>
-              </a:p>
-            </p:txBody>
-          </p:sp>
-        </p:grpSp>
-        <p:sp>
-          <p:nvSpPr>
-            <p:cNvPr id="209" name="TextBox 208"/>
-            <p:cNvSpPr txBox="1"/>
-            <p:nvPr/>
-          </p:nvSpPr>
-          <p:spPr>
-            <a:xfrm>
-              <a:off x="5211464" y="1759645"/>
-              <a:ext cx="565449" cy="360000"/>
-            </a:xfrm>
-            <a:prstGeom prst="rect">
-              <a:avLst/>
-            </a:prstGeom>
-            <a:noFill/>
-            <a:ln>
-              <a:solidFill>
-                <a:schemeClr val="bg1">
-                  <a:lumMod val="50000"/>
-                </a:schemeClr>
-              </a:solidFill>
-            </a:ln>
-          </p:spPr>
-          <p:txBody>
-            <a:bodyPr wrap="square" rtlCol="0">
-              <a:spAutoFit/>
-            </a:bodyPr>
-            <a:lstStyle/>
-            <a:p>
-              <a:r>
-                <a:rPr lang="en-US" dirty="0" smtClean="0">
-                  <a:solidFill>
-                    <a:schemeClr val="bg1">
-                      <a:lumMod val="75000"/>
-                    </a:schemeClr>
-                  </a:solidFill>
-                </a:rPr>
-                <a:t>unit</a:t>
-              </a:r>
-              <a:endParaRPr lang="en-US" dirty="0">
-                <a:solidFill>
-                  <a:schemeClr val="bg1">
-                    <a:lumMod val="75000"/>
-                  </a:schemeClr>
-                </a:solidFill>
-              </a:endParaRPr>
-            </a:p>
-          </p:txBody>
-        </p:sp>
-      </p:grpSp>
-      <p:grpSp>
-        <p:nvGrpSpPr>
-          <p:cNvPr id="212" name="Group 211"/>
-          <p:cNvGrpSpPr/>
-          <p:nvPr/>
-        </p:nvGrpSpPr>
-        <p:grpSpPr>
-          <a:xfrm>
-            <a:off x="382195" y="5305889"/>
-            <a:ext cx="1579782" cy="667777"/>
-            <a:chOff x="4565132" y="1757365"/>
-            <a:chExt cx="1579782" cy="667777"/>
-          </a:xfrm>
-        </p:grpSpPr>
-        <p:sp>
-          <p:nvSpPr>
-            <p:cNvPr id="213" name="TextBox 212"/>
-            <p:cNvSpPr txBox="1"/>
-            <p:nvPr/>
-          </p:nvSpPr>
-          <p:spPr>
-            <a:xfrm>
-              <a:off x="4565132" y="1757823"/>
-              <a:ext cx="657323" cy="369332"/>
-            </a:xfrm>
-            <a:prstGeom prst="rect">
-              <a:avLst/>
-            </a:prstGeom>
-            <a:noFill/>
-            <a:ln>
-              <a:solidFill>
-                <a:schemeClr val="bg1">
-                  <a:lumMod val="50000"/>
-                </a:schemeClr>
-              </a:solidFill>
-            </a:ln>
-          </p:spPr>
-          <p:txBody>
-            <a:bodyPr wrap="square" rtlCol="0">
-              <a:spAutoFit/>
-            </a:bodyPr>
-            <a:lstStyle/>
-            <a:p>
-              <a:r>
-                <a:rPr lang="en-US" dirty="0" smtClean="0">
-                  <a:solidFill>
-                    <a:schemeClr val="bg1">
-                      <a:lumMod val="75000"/>
-                    </a:schemeClr>
-                  </a:solidFill>
-                </a:rPr>
-                <a:t>DO</a:t>
-              </a:r>
-              <a:endParaRPr lang="en-US" dirty="0">
-                <a:solidFill>
-                  <a:schemeClr val="bg1">
-                    <a:lumMod val="75000"/>
-                  </a:schemeClr>
-                </a:solidFill>
-              </a:endParaRPr>
-            </a:p>
-          </p:txBody>
-        </p:sp>
-        <p:sp>
-          <p:nvSpPr>
-            <p:cNvPr id="214" name="TextBox 213"/>
-            <p:cNvSpPr txBox="1"/>
-            <p:nvPr/>
-          </p:nvSpPr>
-          <p:spPr>
-            <a:xfrm>
-              <a:off x="5211464" y="2117365"/>
-              <a:ext cx="933450" cy="307777"/>
-            </a:xfrm>
-            <a:prstGeom prst="rect">
-              <a:avLst/>
-            </a:prstGeom>
-            <a:noFill/>
-            <a:ln>
-              <a:solidFill>
-                <a:schemeClr val="bg1">
-                  <a:lumMod val="50000"/>
-                </a:schemeClr>
-              </a:solidFill>
-              <a:prstDash val="dash"/>
-            </a:ln>
-          </p:spPr>
-          <p:txBody>
-            <a:bodyPr wrap="square" rtlCol="0">
-              <a:spAutoFit/>
-            </a:bodyPr>
-            <a:lstStyle/>
-            <a:p>
-              <a:r>
-                <a:rPr lang="en-US" sz="1400" dirty="0" smtClean="0"/>
-                <a:t>mg L</a:t>
-              </a:r>
-              <a:r>
-                <a:rPr lang="en-US" sz="1400" baseline="30000" dirty="0" smtClean="0"/>
-                <a:t>-1</a:t>
-              </a:r>
-            </a:p>
-          </p:txBody>
-        </p:sp>
-        <p:grpSp>
-          <p:nvGrpSpPr>
-            <p:cNvPr id="215" name="Group 214"/>
-            <p:cNvGrpSpPr/>
-            <p:nvPr/>
-          </p:nvGrpSpPr>
-          <p:grpSpPr>
-            <a:xfrm>
-              <a:off x="5784913" y="1757365"/>
-              <a:ext cx="360000" cy="360000"/>
-              <a:chOff x="3218024" y="1580157"/>
-              <a:chExt cx="360000" cy="360000"/>
-            </a:xfrm>
-          </p:grpSpPr>
-          <p:sp>
-            <p:nvSpPr>
-              <p:cNvPr id="217" name="Isosceles Triangle 216"/>
-              <p:cNvSpPr/>
-              <p:nvPr/>
-            </p:nvSpPr>
-            <p:spPr>
-              <a:xfrm flipV="1">
-                <a:off x="3218024" y="1580157"/>
-                <a:ext cx="360000" cy="360000"/>
-              </a:xfrm>
-              <a:prstGeom prst="triangle">
-                <a:avLst/>
-              </a:prstGeom>
-            </p:spPr>
-            <p:style>
-              <a:lnRef idx="2">
-                <a:schemeClr val="accent1">
-                  <a:shade val="50000"/>
-                </a:schemeClr>
-              </a:lnRef>
-              <a:fillRef idx="1">
-                <a:schemeClr val="accent1"/>
-              </a:fillRef>
-              <a:effectRef idx="0">
-                <a:schemeClr val="accent1"/>
-              </a:effectRef>
-              <a:fontRef idx="minor">
-                <a:schemeClr val="lt1"/>
-              </a:fontRef>
-            </p:style>
-            <p:txBody>
-              <a:bodyPr rtlCol="0" anchor="ctr"/>
-              <a:lstStyle/>
-              <a:p>
-                <a:pPr algn="ctr"/>
-                <a:endParaRPr lang="en-US"/>
-              </a:p>
-            </p:txBody>
-          </p:sp>
-          <p:sp>
-            <p:nvSpPr>
-              <p:cNvPr id="218" name="TextBox 217"/>
-              <p:cNvSpPr txBox="1"/>
-              <p:nvPr/>
-            </p:nvSpPr>
-            <p:spPr>
-              <a:xfrm>
-                <a:off x="3218024" y="1580157"/>
-                <a:ext cx="360000" cy="360000"/>
-              </a:xfrm>
-              <a:prstGeom prst="rect">
-                <a:avLst/>
-              </a:prstGeom>
-              <a:noFill/>
-              <a:ln>
-                <a:solidFill>
-                  <a:schemeClr val="bg1">
-                    <a:lumMod val="50000"/>
-                  </a:schemeClr>
-                </a:solidFill>
-              </a:ln>
-            </p:spPr>
-            <p:txBody>
-              <a:bodyPr wrap="square" rtlCol="0">
-                <a:spAutoFit/>
-              </a:bodyPr>
-              <a:lstStyle/>
-              <a:p>
-                <a:endParaRPr lang="en-US" dirty="0">
-                  <a:solidFill>
-                    <a:schemeClr val="bg1">
-                      <a:lumMod val="75000"/>
-                    </a:schemeClr>
-                  </a:solidFill>
-                </a:endParaRPr>
-              </a:p>
-            </p:txBody>
-          </p:sp>
-        </p:grpSp>
-        <p:sp>
-          <p:nvSpPr>
-            <p:cNvPr id="216" name="TextBox 215"/>
-            <p:cNvSpPr txBox="1"/>
-            <p:nvPr/>
-          </p:nvSpPr>
-          <p:spPr>
-            <a:xfrm>
-              <a:off x="5211464" y="1759645"/>
-              <a:ext cx="565449" cy="360000"/>
-            </a:xfrm>
-            <a:prstGeom prst="rect">
-              <a:avLst/>
-            </a:prstGeom>
-            <a:noFill/>
-            <a:ln>
-              <a:solidFill>
-                <a:schemeClr val="bg1">
-                  <a:lumMod val="50000"/>
-                </a:schemeClr>
-              </a:solidFill>
-            </a:ln>
-          </p:spPr>
-          <p:txBody>
-            <a:bodyPr wrap="square" rtlCol="0">
-              <a:spAutoFit/>
-            </a:bodyPr>
-            <a:lstStyle/>
-            <a:p>
-              <a:r>
-                <a:rPr lang="en-US" dirty="0" smtClean="0">
-                  <a:solidFill>
-                    <a:schemeClr val="bg1">
-                      <a:lumMod val="75000"/>
-                    </a:schemeClr>
-                  </a:solidFill>
-                </a:rPr>
-                <a:t>unit</a:t>
-              </a:r>
-              <a:endParaRPr lang="en-US" dirty="0">
-                <a:solidFill>
-                  <a:schemeClr val="bg1">
-                    <a:lumMod val="75000"/>
-                  </a:schemeClr>
-                </a:solidFill>
-              </a:endParaRPr>
-            </a:p>
-          </p:txBody>
-        </p:sp>
-      </p:grpSp>
-      <p:grpSp>
-        <p:nvGrpSpPr>
-          <p:cNvPr id="219" name="Group 218"/>
-          <p:cNvGrpSpPr/>
-          <p:nvPr/>
-        </p:nvGrpSpPr>
-        <p:grpSpPr>
-          <a:xfrm>
-            <a:off x="3395953" y="5305889"/>
-            <a:ext cx="1579782" cy="667777"/>
-            <a:chOff x="4565132" y="1757365"/>
-            <a:chExt cx="1579782" cy="667777"/>
-          </a:xfrm>
-        </p:grpSpPr>
-        <p:sp>
-          <p:nvSpPr>
-            <p:cNvPr id="220" name="TextBox 219"/>
-            <p:cNvSpPr txBox="1"/>
-            <p:nvPr/>
-          </p:nvSpPr>
-          <p:spPr>
-            <a:xfrm>
-              <a:off x="4565132" y="1757823"/>
-              <a:ext cx="657323" cy="369332"/>
-            </a:xfrm>
-            <a:prstGeom prst="rect">
-              <a:avLst/>
-            </a:prstGeom>
-            <a:noFill/>
-            <a:ln>
-              <a:solidFill>
-                <a:schemeClr val="bg1">
-                  <a:lumMod val="50000"/>
-                </a:schemeClr>
-              </a:solidFill>
-            </a:ln>
-          </p:spPr>
-          <p:txBody>
-            <a:bodyPr wrap="square" rtlCol="0">
-              <a:spAutoFit/>
-            </a:bodyPr>
-            <a:lstStyle/>
-            <a:p>
-              <a:r>
-                <a:rPr lang="en-US" dirty="0" smtClean="0">
-                  <a:solidFill>
-                    <a:schemeClr val="bg1">
-                      <a:lumMod val="75000"/>
-                    </a:schemeClr>
-                  </a:solidFill>
-                </a:rPr>
-                <a:t>Chl a</a:t>
-              </a:r>
-              <a:endParaRPr lang="en-US" dirty="0">
-                <a:solidFill>
-                  <a:schemeClr val="bg1">
-                    <a:lumMod val="75000"/>
-                  </a:schemeClr>
-                </a:solidFill>
-              </a:endParaRPr>
-            </a:p>
-          </p:txBody>
-        </p:sp>
-        <p:sp>
-          <p:nvSpPr>
-            <p:cNvPr id="221" name="TextBox 220"/>
-            <p:cNvSpPr txBox="1"/>
-            <p:nvPr/>
-          </p:nvSpPr>
-          <p:spPr>
-            <a:xfrm>
-              <a:off x="5211464" y="2117365"/>
-              <a:ext cx="933450" cy="307777"/>
-            </a:xfrm>
-            <a:prstGeom prst="rect">
-              <a:avLst/>
-            </a:prstGeom>
-            <a:noFill/>
-            <a:ln>
-              <a:solidFill>
-                <a:schemeClr val="bg1">
-                  <a:lumMod val="50000"/>
-                </a:schemeClr>
-              </a:solidFill>
-              <a:prstDash val="dash"/>
-            </a:ln>
-          </p:spPr>
-          <p:txBody>
-            <a:bodyPr wrap="square" rtlCol="0">
-              <a:spAutoFit/>
-            </a:bodyPr>
-            <a:lstStyle/>
-            <a:p>
-              <a:r>
-                <a:rPr lang="en-US" sz="1400" dirty="0">
-                  <a:latin typeface="Times New Roman" panose="02020603050405020304" pitchFamily="18" charset="0"/>
-                  <a:cs typeface="Times New Roman" panose="02020603050405020304" pitchFamily="18" charset="0"/>
-                </a:rPr>
-                <a:t>µ</a:t>
-              </a:r>
-              <a:r>
-                <a:rPr lang="en-US" sz="1400" dirty="0" smtClean="0"/>
-                <a:t>g L</a:t>
-              </a:r>
-              <a:r>
-                <a:rPr lang="en-US" sz="1400" baseline="30000" dirty="0" smtClean="0"/>
-                <a:t>-1</a:t>
-              </a:r>
-            </a:p>
-          </p:txBody>
-        </p:sp>
-        <p:grpSp>
-          <p:nvGrpSpPr>
-            <p:cNvPr id="222" name="Group 221"/>
-            <p:cNvGrpSpPr/>
-            <p:nvPr/>
-          </p:nvGrpSpPr>
-          <p:grpSpPr>
-            <a:xfrm>
-              <a:off x="5784913" y="1757365"/>
-              <a:ext cx="360000" cy="360000"/>
-              <a:chOff x="3218024" y="1580157"/>
-              <a:chExt cx="360000" cy="360000"/>
-            </a:xfrm>
-          </p:grpSpPr>
-          <p:sp>
-            <p:nvSpPr>
-              <p:cNvPr id="224" name="Isosceles Triangle 223"/>
-              <p:cNvSpPr/>
-              <p:nvPr/>
-            </p:nvSpPr>
-            <p:spPr>
-              <a:xfrm flipV="1">
-                <a:off x="3218024" y="1580157"/>
-                <a:ext cx="360000" cy="360000"/>
-              </a:xfrm>
-              <a:prstGeom prst="triangle">
-                <a:avLst/>
-              </a:prstGeom>
-            </p:spPr>
-            <p:style>
-              <a:lnRef idx="2">
-                <a:schemeClr val="accent1">
-                  <a:shade val="50000"/>
-                </a:schemeClr>
-              </a:lnRef>
-              <a:fillRef idx="1">
-                <a:schemeClr val="accent1"/>
-              </a:fillRef>
-              <a:effectRef idx="0">
-                <a:schemeClr val="accent1"/>
-              </a:effectRef>
-              <a:fontRef idx="minor">
-                <a:schemeClr val="lt1"/>
-              </a:fontRef>
-            </p:style>
-            <p:txBody>
-              <a:bodyPr rtlCol="0" anchor="ctr"/>
-              <a:lstStyle/>
-              <a:p>
-                <a:pPr algn="ctr"/>
-                <a:endParaRPr lang="en-US"/>
-              </a:p>
-            </p:txBody>
-          </p:sp>
-          <p:sp>
-            <p:nvSpPr>
-              <p:cNvPr id="225" name="TextBox 224"/>
-              <p:cNvSpPr txBox="1"/>
-              <p:nvPr/>
-            </p:nvSpPr>
-            <p:spPr>
-              <a:xfrm>
-                <a:off x="3218024" y="1580157"/>
-                <a:ext cx="360000" cy="360000"/>
-              </a:xfrm>
-              <a:prstGeom prst="rect">
-                <a:avLst/>
-              </a:prstGeom>
-              <a:noFill/>
-              <a:ln>
-                <a:solidFill>
-                  <a:schemeClr val="bg1">
-                    <a:lumMod val="50000"/>
-                  </a:schemeClr>
-                </a:solidFill>
-              </a:ln>
-            </p:spPr>
-            <p:txBody>
-              <a:bodyPr wrap="square" rtlCol="0">
-                <a:spAutoFit/>
-              </a:bodyPr>
-              <a:lstStyle/>
-              <a:p>
-                <a:endParaRPr lang="en-US" dirty="0">
-                  <a:solidFill>
-                    <a:schemeClr val="bg1">
-                      <a:lumMod val="75000"/>
-                    </a:schemeClr>
-                  </a:solidFill>
-                </a:endParaRPr>
-              </a:p>
-            </p:txBody>
-          </p:sp>
-        </p:grpSp>
-        <p:sp>
-          <p:nvSpPr>
-            <p:cNvPr id="223" name="TextBox 222"/>
-            <p:cNvSpPr txBox="1"/>
-            <p:nvPr/>
-          </p:nvSpPr>
-          <p:spPr>
-            <a:xfrm>
-              <a:off x="5211464" y="1759645"/>
-              <a:ext cx="565449" cy="360000"/>
-            </a:xfrm>
-            <a:prstGeom prst="rect">
-              <a:avLst/>
-            </a:prstGeom>
-            <a:noFill/>
-            <a:ln>
-              <a:solidFill>
-                <a:schemeClr val="bg1">
-                  <a:lumMod val="50000"/>
-                </a:schemeClr>
-              </a:solidFill>
-            </a:ln>
-          </p:spPr>
-          <p:txBody>
-            <a:bodyPr wrap="square" rtlCol="0">
-              <a:spAutoFit/>
-            </a:bodyPr>
-            <a:lstStyle/>
-            <a:p>
-              <a:r>
-                <a:rPr lang="en-US" dirty="0" smtClean="0">
-                  <a:solidFill>
-                    <a:schemeClr val="bg1">
-                      <a:lumMod val="75000"/>
-                    </a:schemeClr>
-                  </a:solidFill>
-                </a:rPr>
-                <a:t>unit</a:t>
-              </a:r>
-              <a:endParaRPr lang="en-US" dirty="0">
-                <a:solidFill>
-                  <a:schemeClr val="bg1">
-                    <a:lumMod val="75000"/>
-                  </a:schemeClr>
-                </a:solidFill>
-              </a:endParaRPr>
-            </a:p>
-          </p:txBody>
-        </p:sp>
-      </p:grpSp>
-      <p:sp>
-        <p:nvSpPr>
-          <p:cNvPr id="226" name="TextBox 225"/>
-          <p:cNvSpPr txBox="1"/>
-          <p:nvPr/>
-        </p:nvSpPr>
-        <p:spPr>
-          <a:xfrm>
-            <a:off x="10269387" y="5720966"/>
-            <a:ext cx="1291771" cy="369332"/>
-          </a:xfrm>
-          <a:prstGeom prst="rect">
-            <a:avLst/>
-          </a:prstGeom>
-          <a:noFill/>
-          <a:ln>
-            <a:solidFill>
-              <a:schemeClr val="accent1">
-                <a:lumMod val="60000"/>
-                <a:lumOff val="40000"/>
-              </a:schemeClr>
-            </a:solidFill>
-          </a:ln>
-          <a:effectLst/>
-        </p:spPr>
-        <p:txBody>
-          <a:bodyPr wrap="square" rtlCol="0">
-            <a:spAutoFit/>
-          </a:bodyPr>
-          <a:lstStyle/>
-          <a:p>
-            <a:pPr algn="ctr"/>
-            <a:r>
-              <a:rPr lang="en-US" b="1" dirty="0" smtClean="0"/>
-              <a:t>SAVE</a:t>
-            </a:r>
-            <a:endParaRPr lang="en-US" b="1" dirty="0"/>
-          </a:p>
-        </p:txBody>
-      </p:sp>
-      <p:sp>
-        <p:nvSpPr>
-          <p:cNvPr id="227" name="TextBox 226"/>
-          <p:cNvSpPr txBox="1"/>
-          <p:nvPr/>
-        </p:nvSpPr>
-        <p:spPr>
-          <a:xfrm>
-            <a:off x="10269387" y="6182631"/>
-            <a:ext cx="1291771" cy="369332"/>
-          </a:xfrm>
-          <a:prstGeom prst="rect">
-            <a:avLst/>
-          </a:prstGeom>
-          <a:noFill/>
-          <a:ln>
-            <a:solidFill>
-              <a:schemeClr val="accent1">
-                <a:lumMod val="60000"/>
-                <a:lumOff val="40000"/>
-              </a:schemeClr>
-            </a:solidFill>
-          </a:ln>
-          <a:effectLst/>
-        </p:spPr>
-        <p:txBody>
-          <a:bodyPr wrap="square" rtlCol="0">
-            <a:spAutoFit/>
-          </a:bodyPr>
-          <a:lstStyle/>
-          <a:p>
-            <a:pPr algn="ctr"/>
-            <a:r>
-              <a:rPr lang="en-US" b="1" dirty="0" smtClean="0"/>
-              <a:t>SUBMIT</a:t>
-            </a:r>
-          </a:p>
-        </p:txBody>
-      </p:sp>
-      <p:sp>
-        <p:nvSpPr>
-          <p:cNvPr id="228" name="TextBox 227"/>
-          <p:cNvSpPr txBox="1"/>
-          <p:nvPr/>
-        </p:nvSpPr>
-        <p:spPr>
-          <a:xfrm>
-            <a:off x="4946706" y="507309"/>
-            <a:ext cx="5919634" cy="369332"/>
-          </a:xfrm>
-          <a:prstGeom prst="rect">
-            <a:avLst/>
-          </a:prstGeom>
-          <a:noFill/>
-        </p:spPr>
-        <p:txBody>
-          <a:bodyPr wrap="none" rtlCol="0">
-            <a:spAutoFit/>
-          </a:bodyPr>
-          <a:lstStyle/>
-          <a:p>
-            <a:r>
-              <a:rPr lang="en-US" dirty="0" smtClean="0"/>
-              <a:t>(Input data, select units, click save and submit to submit data)</a:t>
-            </a:r>
-            <a:endParaRPr lang="en-US" dirty="0"/>
-          </a:p>
-        </p:txBody>
-      </p:sp>
-      <p:sp>
-        <p:nvSpPr>
-          <p:cNvPr id="229" name="TextBox 228"/>
-          <p:cNvSpPr txBox="1"/>
-          <p:nvPr/>
-        </p:nvSpPr>
-        <p:spPr>
-          <a:xfrm>
-            <a:off x="10269387" y="2867359"/>
-            <a:ext cx="1291771" cy="369332"/>
-          </a:xfrm>
-          <a:prstGeom prst="rect">
-            <a:avLst/>
-          </a:prstGeom>
-          <a:noFill/>
-          <a:ln>
-            <a:solidFill>
-              <a:schemeClr val="accent1">
-                <a:lumMod val="60000"/>
-                <a:lumOff val="40000"/>
-              </a:schemeClr>
-            </a:solidFill>
-          </a:ln>
-          <a:effectLst/>
-        </p:spPr>
-        <p:txBody>
-          <a:bodyPr wrap="square" rtlCol="0">
-            <a:spAutoFit/>
-          </a:bodyPr>
-          <a:lstStyle/>
-          <a:p>
-            <a:pPr algn="ctr"/>
-            <a:r>
-              <a:rPr lang="en-US" b="1" dirty="0" smtClean="0"/>
-              <a:t>SAVE</a:t>
-            </a:r>
-            <a:endParaRPr lang="en-US" b="1" dirty="0"/>
-          </a:p>
-        </p:txBody>
-      </p:sp>
-    </p:spTree>
-    <p:extLst>
-      <p:ext uri="{BB962C8B-B14F-4D97-AF65-F5344CB8AC3E}">
-        <p14:creationId xmlns:p14="http://schemas.microsoft.com/office/powerpoint/2010/main" val="3688220285"/>
       </p:ext>
     </p:extLst>
   </p:cSld>

--- a/docs/Web portal.pptx
+++ b/docs/Web portal.pptx
@@ -214,7 +214,7 @@
           <a:p>
             <a:fld id="{577E70E5-F9A2-4353-BB56-7C6C16CEBAC2}" type="datetimeFigureOut">
               <a:rPr lang="en-US" smtClean="0"/>
-              <a:t>10/2/2018</a:t>
+              <a:t>10/4/2018</a:t>
             </a:fld>
             <a:endParaRPr lang="en-US"/>
           </a:p>
@@ -1329,7 +1329,7 @@
           <a:p>
             <a:fld id="{411E36CB-AE7C-4D81-8BA1-98AEF09D6E79}" type="datetimeFigureOut">
               <a:rPr lang="en-US" smtClean="0"/>
-              <a:t>10/2/2018</a:t>
+              <a:t>10/4/2018</a:t>
             </a:fld>
             <a:endParaRPr lang="en-US"/>
           </a:p>
@@ -1499,7 +1499,7 @@
           <a:p>
             <a:fld id="{411E36CB-AE7C-4D81-8BA1-98AEF09D6E79}" type="datetimeFigureOut">
               <a:rPr lang="en-US" smtClean="0"/>
-              <a:t>10/2/2018</a:t>
+              <a:t>10/4/2018</a:t>
             </a:fld>
             <a:endParaRPr lang="en-US"/>
           </a:p>
@@ -1679,7 +1679,7 @@
           <a:p>
             <a:fld id="{411E36CB-AE7C-4D81-8BA1-98AEF09D6E79}" type="datetimeFigureOut">
               <a:rPr lang="en-US" smtClean="0"/>
-              <a:t>10/2/2018</a:t>
+              <a:t>10/4/2018</a:t>
             </a:fld>
             <a:endParaRPr lang="en-US"/>
           </a:p>
@@ -1849,7 +1849,7 @@
           <a:p>
             <a:fld id="{411E36CB-AE7C-4D81-8BA1-98AEF09D6E79}" type="datetimeFigureOut">
               <a:rPr lang="en-US" smtClean="0"/>
-              <a:t>10/2/2018</a:t>
+              <a:t>10/4/2018</a:t>
             </a:fld>
             <a:endParaRPr lang="en-US"/>
           </a:p>
@@ -2095,7 +2095,7 @@
           <a:p>
             <a:fld id="{411E36CB-AE7C-4D81-8BA1-98AEF09D6E79}" type="datetimeFigureOut">
               <a:rPr lang="en-US" smtClean="0"/>
-              <a:t>10/2/2018</a:t>
+              <a:t>10/4/2018</a:t>
             </a:fld>
             <a:endParaRPr lang="en-US"/>
           </a:p>
@@ -2327,7 +2327,7 @@
           <a:p>
             <a:fld id="{411E36CB-AE7C-4D81-8BA1-98AEF09D6E79}" type="datetimeFigureOut">
               <a:rPr lang="en-US" smtClean="0"/>
-              <a:t>10/2/2018</a:t>
+              <a:t>10/4/2018</a:t>
             </a:fld>
             <a:endParaRPr lang="en-US"/>
           </a:p>
@@ -2694,7 +2694,7 @@
           <a:p>
             <a:fld id="{411E36CB-AE7C-4D81-8BA1-98AEF09D6E79}" type="datetimeFigureOut">
               <a:rPr lang="en-US" smtClean="0"/>
-              <a:t>10/2/2018</a:t>
+              <a:t>10/4/2018</a:t>
             </a:fld>
             <a:endParaRPr lang="en-US"/>
           </a:p>
@@ -2812,7 +2812,7 @@
           <a:p>
             <a:fld id="{411E36CB-AE7C-4D81-8BA1-98AEF09D6E79}" type="datetimeFigureOut">
               <a:rPr lang="en-US" smtClean="0"/>
-              <a:t>10/2/2018</a:t>
+              <a:t>10/4/2018</a:t>
             </a:fld>
             <a:endParaRPr lang="en-US"/>
           </a:p>
@@ -2907,7 +2907,7 @@
           <a:p>
             <a:fld id="{411E36CB-AE7C-4D81-8BA1-98AEF09D6E79}" type="datetimeFigureOut">
               <a:rPr lang="en-US" smtClean="0"/>
-              <a:t>10/2/2018</a:t>
+              <a:t>10/4/2018</a:t>
             </a:fld>
             <a:endParaRPr lang="en-US"/>
           </a:p>
@@ -3184,7 +3184,7 @@
           <a:p>
             <a:fld id="{411E36CB-AE7C-4D81-8BA1-98AEF09D6E79}" type="datetimeFigureOut">
               <a:rPr lang="en-US" smtClean="0"/>
-              <a:t>10/2/2018</a:t>
+              <a:t>10/4/2018</a:t>
             </a:fld>
             <a:endParaRPr lang="en-US"/>
           </a:p>
@@ -3437,7 +3437,7 @@
           <a:p>
             <a:fld id="{411E36CB-AE7C-4D81-8BA1-98AEF09D6E79}" type="datetimeFigureOut">
               <a:rPr lang="en-US" smtClean="0"/>
-              <a:t>10/2/2018</a:t>
+              <a:t>10/4/2018</a:t>
             </a:fld>
             <a:endParaRPr lang="en-US"/>
           </a:p>
@@ -3650,7 +3650,7 @@
           <a:p>
             <a:fld id="{411E36CB-AE7C-4D81-8BA1-98AEF09D6E79}" type="datetimeFigureOut">
               <a:rPr lang="en-US" smtClean="0"/>
-              <a:t>10/2/2018</a:t>
+              <a:t>10/4/2018</a:t>
             </a:fld>
             <a:endParaRPr lang="en-US"/>
           </a:p>
@@ -4698,11 +4698,11 @@
   <p:clrMapOvr>
     <a:masterClrMapping/>
   </p:clrMapOvr>
-  <mc:AlternateContent xmlns:mc="http://schemas.openxmlformats.org/markup-compatibility/2006">
-    <mc:Choice xmlns:p14="http://schemas.microsoft.com/office/powerpoint/2010/main" Requires="p14">
+  <mc:AlternateContent xmlns:mc="http://schemas.openxmlformats.org/markup-compatibility/2006" xmlns:p14="http://schemas.microsoft.com/office/powerpoint/2010/main">
+    <mc:Choice Requires="p14">
       <p:transition spd="slow" p14:dur="2000"/>
     </mc:Choice>
-    <mc:Fallback>
+    <mc:Fallback xmlns="">
       <p:transition spd="slow"/>
     </mc:Fallback>
   </mc:AlternateContent>
@@ -4854,11 +4854,11 @@
   <p:clrMapOvr>
     <a:masterClrMapping/>
   </p:clrMapOvr>
-  <mc:AlternateContent xmlns:mc="http://schemas.openxmlformats.org/markup-compatibility/2006">
-    <mc:Choice xmlns:p14="http://schemas.microsoft.com/office/powerpoint/2010/main" Requires="p14">
+  <mc:AlternateContent xmlns:mc="http://schemas.openxmlformats.org/markup-compatibility/2006" xmlns:p14="http://schemas.microsoft.com/office/powerpoint/2010/main">
+    <mc:Choice Requires="p14">
       <p:transition spd="slow" p14:dur="2000"/>
     </mc:Choice>
-    <mc:Fallback>
+    <mc:Fallback xmlns="">
       <p:transition spd="slow"/>
     </mc:Fallback>
   </mc:AlternateContent>
@@ -8423,11 +8423,11 @@
   <p:clrMapOvr>
     <a:masterClrMapping/>
   </p:clrMapOvr>
-  <mc:AlternateContent xmlns:mc="http://schemas.openxmlformats.org/markup-compatibility/2006">
-    <mc:Choice xmlns:p14="http://schemas.microsoft.com/office/powerpoint/2010/main" Requires="p14">
+  <mc:AlternateContent xmlns:mc="http://schemas.openxmlformats.org/markup-compatibility/2006" xmlns:p14="http://schemas.microsoft.com/office/powerpoint/2010/main">
+    <mc:Choice Requires="p14">
       <p:transition spd="slow" p14:dur="2000"/>
     </mc:Choice>
-    <mc:Fallback>
+    <mc:Fallback xmlns="">
       <p:transition spd="slow"/>
     </mc:Fallback>
   </mc:AlternateContent>
@@ -12204,11 +12204,11 @@
   <p:clrMapOvr>
     <a:masterClrMapping/>
   </p:clrMapOvr>
-  <mc:AlternateContent xmlns:mc="http://schemas.openxmlformats.org/markup-compatibility/2006">
-    <mc:Choice xmlns:p14="http://schemas.microsoft.com/office/powerpoint/2010/main" Requires="p14">
+  <mc:AlternateContent xmlns:mc="http://schemas.openxmlformats.org/markup-compatibility/2006" xmlns:p14="http://schemas.microsoft.com/office/powerpoint/2010/main">
+    <mc:Choice Requires="p14">
       <p:transition spd="slow" p14:dur="2000"/>
     </mc:Choice>
-    <mc:Fallback>
+    <mc:Fallback xmlns="">
       <p:transition spd="slow"/>
     </mc:Fallback>
   </mc:AlternateContent>
@@ -16089,11 +16089,11 @@
   <p:clrMapOvr>
     <a:masterClrMapping/>
   </p:clrMapOvr>
-  <mc:AlternateContent xmlns:mc="http://schemas.openxmlformats.org/markup-compatibility/2006">
-    <mc:Choice xmlns:p14="http://schemas.microsoft.com/office/powerpoint/2010/main" Requires="p14">
+  <mc:AlternateContent xmlns:mc="http://schemas.openxmlformats.org/markup-compatibility/2006" xmlns:p14="http://schemas.microsoft.com/office/powerpoint/2010/main">
+    <mc:Choice Requires="p14">
       <p:transition spd="slow" p14:dur="2000"/>
     </mc:Choice>
-    <mc:Fallback>
+    <mc:Fallback xmlns="">
       <p:transition spd="slow"/>
     </mc:Fallback>
   </mc:AlternateContent>
@@ -18176,11 +18176,7 @@
           <a:p>
             <a:r>
               <a:rPr lang="en-US" u="sng" dirty="0" smtClean="0"/>
-              <a:t>Excel </a:t>
-            </a:r>
-            <a:r>
-              <a:rPr lang="en-US" u="sng" dirty="0" smtClean="0"/>
-              <a:t>file</a:t>
+              <a:t>Excel file</a:t>
             </a:r>
             <a:endParaRPr lang="en-US" u="sng" dirty="0"/>
           </a:p>
@@ -19052,11 +19048,7 @@
           <a:p>
             <a:r>
               <a:rPr lang="en-US" u="sng" dirty="0" smtClean="0"/>
-              <a:t>Excel </a:t>
-            </a:r>
-            <a:r>
-              <a:rPr lang="en-US" u="sng" dirty="0" smtClean="0"/>
-              <a:t>Upload Form</a:t>
+              <a:t>Excel Upload Form</a:t>
             </a:r>
             <a:endParaRPr lang="en-US" u="sng" dirty="0"/>
           </a:p>
@@ -19185,11 +19177,7 @@
           <a:p>
             <a:r>
               <a:rPr lang="en-US" sz="2400" u="sng" dirty="0" smtClean="0"/>
-              <a:t>Upload </a:t>
-            </a:r>
-            <a:r>
-              <a:rPr lang="en-US" sz="2400" u="sng" dirty="0" smtClean="0"/>
-              <a:t>Data and Metadata</a:t>
+              <a:t>Upload Data and Metadata</a:t>
             </a:r>
             <a:endParaRPr lang="en-US" sz="2400" u="sng" dirty="0"/>
           </a:p>
@@ -19740,15 +19728,7 @@
                   <a:srgbClr val="FF0000"/>
                 </a:solidFill>
               </a:rPr>
-              <a:t>Metad</a:t>
-            </a:r>
-            <a:r>
-              <a:rPr lang="en-US" dirty="0" smtClean="0">
-                <a:solidFill>
-                  <a:srgbClr val="FF0000"/>
-                </a:solidFill>
-              </a:rPr>
-              <a:t>ata Template</a:t>
+              <a:t>Metadata Template</a:t>
             </a:r>
             <a:endParaRPr lang="en-US" dirty="0">
               <a:solidFill>
